--- a/Deliverables/Release Plans/Project Release Plan PPT Split Sprints.pptx
+++ b/Deliverables/Release Plans/Project Release Plan PPT Split Sprints.pptx
@@ -314,7 +314,7 @@
               <a:spcBef>
                 <a:spcPts val="0"/>
               </a:spcBef>
-              <a:buSzPct val="100000"/>
+              <a:buSzPts val="1100"/>
               <a:buChar char="●"/>
               <a:defRPr sz="1100"/>
             </a:lvl1pPr>
@@ -322,7 +322,7 @@
               <a:spcBef>
                 <a:spcPts val="0"/>
               </a:spcBef>
-              <a:buSzPct val="100000"/>
+              <a:buSzPts val="1100"/>
               <a:buChar char="○"/>
               <a:defRPr sz="1100"/>
             </a:lvl2pPr>
@@ -330,7 +330,7 @@
               <a:spcBef>
                 <a:spcPts val="0"/>
               </a:spcBef>
-              <a:buSzPct val="100000"/>
+              <a:buSzPts val="1100"/>
               <a:buChar char="■"/>
               <a:defRPr sz="1100"/>
             </a:lvl3pPr>
@@ -338,7 +338,7 @@
               <a:spcBef>
                 <a:spcPts val="0"/>
               </a:spcBef>
-              <a:buSzPct val="100000"/>
+              <a:buSzPts val="1100"/>
               <a:buChar char="●"/>
               <a:defRPr sz="1100"/>
             </a:lvl4pPr>
@@ -346,7 +346,7 @@
               <a:spcBef>
                 <a:spcPts val="0"/>
               </a:spcBef>
-              <a:buSzPct val="100000"/>
+              <a:buSzPts val="1100"/>
               <a:buChar char="○"/>
               <a:defRPr sz="1100"/>
             </a:lvl5pPr>
@@ -354,7 +354,7 @@
               <a:spcBef>
                 <a:spcPts val="0"/>
               </a:spcBef>
-              <a:buSzPct val="100000"/>
+              <a:buSzPts val="1100"/>
               <a:buChar char="■"/>
               <a:defRPr sz="1100"/>
             </a:lvl6pPr>
@@ -362,7 +362,7 @@
               <a:spcBef>
                 <a:spcPts val="0"/>
               </a:spcBef>
-              <a:buSzPct val="100000"/>
+              <a:buSzPts val="1100"/>
               <a:buChar char="●"/>
               <a:defRPr sz="1100"/>
             </a:lvl7pPr>
@@ -370,7 +370,7 @@
               <a:spcBef>
                 <a:spcPts val="0"/>
               </a:spcBef>
-              <a:buSzPct val="100000"/>
+              <a:buSzPts val="1100"/>
               <a:buChar char="○"/>
               <a:defRPr sz="1100"/>
             </a:lvl8pPr>
@@ -378,7 +378,7 @@
               <a:spcBef>
                 <a:spcPts val="0"/>
               </a:spcBef>
-              <a:buSzPct val="100000"/>
+              <a:buSzPts val="1100"/>
               <a:buChar char="■"/>
               <a:defRPr sz="1100"/>
             </a:lvl9pPr>
@@ -436,7 +436,7 @@
           </a:bodyPr>
           <a:lstStyle/>
           <a:p>
-            <a:pPr lvl="0">
+            <a:pPr indent="0" lvl="0" marL="0">
               <a:spcBef>
                 <a:spcPts val="0"/>
               </a:spcBef>
@@ -535,7 +535,7 @@
           </a:bodyPr>
           <a:lstStyle/>
           <a:p>
-            <a:pPr lvl="0">
+            <a:pPr indent="0" lvl="0" marL="0">
               <a:spcBef>
                 <a:spcPts val="0"/>
               </a:spcBef>
@@ -634,7 +634,7 @@
           </a:bodyPr>
           <a:lstStyle/>
           <a:p>
-            <a:pPr lvl="0">
+            <a:pPr indent="0" lvl="0" marL="0">
               <a:spcBef>
                 <a:spcPts val="0"/>
               </a:spcBef>
@@ -733,7 +733,7 @@
           </a:bodyPr>
           <a:lstStyle/>
           <a:p>
-            <a:pPr lvl="0" rtl="0">
+            <a:pPr indent="0" lvl="0" marL="0" rtl="0">
               <a:spcBef>
                 <a:spcPts val="0"/>
               </a:spcBef>
@@ -832,7 +832,7 @@
           </a:bodyPr>
           <a:lstStyle/>
           <a:p>
-            <a:pPr lvl="0" rtl="0">
+            <a:pPr indent="0" lvl="0" marL="0" rtl="0">
               <a:spcBef>
                 <a:spcPts val="0"/>
               </a:spcBef>
@@ -931,7 +931,7 @@
           </a:bodyPr>
           <a:lstStyle/>
           <a:p>
-            <a:pPr lvl="0">
+            <a:pPr indent="0" lvl="0" marL="0">
               <a:spcBef>
                 <a:spcPts val="0"/>
               </a:spcBef>
@@ -1030,7 +1030,7 @@
           </a:bodyPr>
           <a:lstStyle/>
           <a:p>
-            <a:pPr lvl="0">
+            <a:pPr indent="0" lvl="0" marL="0">
               <a:spcBef>
                 <a:spcPts val="0"/>
               </a:spcBef>
@@ -1129,7 +1129,7 @@
           </a:bodyPr>
           <a:lstStyle/>
           <a:p>
-            <a:pPr lvl="0">
+            <a:pPr indent="0" lvl="0" marL="0">
               <a:spcBef>
                 <a:spcPts val="0"/>
               </a:spcBef>
@@ -1225,63 +1225,72 @@
               <a:spcBef>
                 <a:spcPts val="0"/>
               </a:spcBef>
-              <a:buSzPct val="100000"/>
+              <a:buSzPts val="5200"/>
+              <a:buNone/>
               <a:defRPr sz="5200"/>
             </a:lvl1pPr>
             <a:lvl2pPr lvl="1" algn="ctr">
               <a:spcBef>
                 <a:spcPts val="0"/>
               </a:spcBef>
-              <a:buSzPct val="100000"/>
+              <a:buSzPts val="5200"/>
+              <a:buNone/>
               <a:defRPr sz="5200"/>
             </a:lvl2pPr>
             <a:lvl3pPr lvl="2" algn="ctr">
               <a:spcBef>
                 <a:spcPts val="0"/>
               </a:spcBef>
-              <a:buSzPct val="100000"/>
+              <a:buSzPts val="5200"/>
+              <a:buNone/>
               <a:defRPr sz="5200"/>
             </a:lvl3pPr>
             <a:lvl4pPr lvl="3" algn="ctr">
               <a:spcBef>
                 <a:spcPts val="0"/>
               </a:spcBef>
-              <a:buSzPct val="100000"/>
+              <a:buSzPts val="5200"/>
+              <a:buNone/>
               <a:defRPr sz="5200"/>
             </a:lvl4pPr>
             <a:lvl5pPr lvl="4" algn="ctr">
               <a:spcBef>
                 <a:spcPts val="0"/>
               </a:spcBef>
-              <a:buSzPct val="100000"/>
+              <a:buSzPts val="5200"/>
+              <a:buNone/>
               <a:defRPr sz="5200"/>
             </a:lvl5pPr>
             <a:lvl6pPr lvl="5" algn="ctr">
               <a:spcBef>
                 <a:spcPts val="0"/>
               </a:spcBef>
-              <a:buSzPct val="100000"/>
+              <a:buSzPts val="5200"/>
+              <a:buNone/>
               <a:defRPr sz="5200"/>
             </a:lvl6pPr>
             <a:lvl7pPr lvl="6" algn="ctr">
               <a:spcBef>
                 <a:spcPts val="0"/>
               </a:spcBef>
-              <a:buSzPct val="100000"/>
+              <a:buSzPts val="5200"/>
+              <a:buNone/>
               <a:defRPr sz="5200"/>
             </a:lvl7pPr>
             <a:lvl8pPr lvl="7" algn="ctr">
               <a:spcBef>
                 <a:spcPts val="0"/>
               </a:spcBef>
-              <a:buSzPct val="100000"/>
+              <a:buSzPts val="5200"/>
+              <a:buNone/>
               <a:defRPr sz="5200"/>
             </a:lvl8pPr>
             <a:lvl9pPr lvl="8" algn="ctr">
               <a:spcBef>
                 <a:spcPts val="0"/>
               </a:spcBef>
-              <a:buSzPct val="100000"/>
+              <a:buSzPts val="5200"/>
+              <a:buNone/>
               <a:defRPr sz="5200"/>
             </a:lvl9pPr>
           </a:lstStyle>
@@ -1318,7 +1327,7 @@
               <a:spcAft>
                 <a:spcPts val="0"/>
               </a:spcAft>
-              <a:buSzPct val="100000"/>
+              <a:buSzPts val="2800"/>
               <a:buNone/>
               <a:defRPr sz="2800"/>
             </a:lvl1pPr>
@@ -1332,7 +1341,7 @@
               <a:spcAft>
                 <a:spcPts val="0"/>
               </a:spcAft>
-              <a:buSzPct val="100000"/>
+              <a:buSzPts val="2800"/>
               <a:buNone/>
               <a:defRPr sz="2800"/>
             </a:lvl2pPr>
@@ -1346,7 +1355,7 @@
               <a:spcAft>
                 <a:spcPts val="0"/>
               </a:spcAft>
-              <a:buSzPct val="100000"/>
+              <a:buSzPts val="2800"/>
               <a:buNone/>
               <a:defRPr sz="2800"/>
             </a:lvl3pPr>
@@ -1360,7 +1369,7 @@
               <a:spcAft>
                 <a:spcPts val="0"/>
               </a:spcAft>
-              <a:buSzPct val="100000"/>
+              <a:buSzPts val="2800"/>
               <a:buNone/>
               <a:defRPr sz="2800"/>
             </a:lvl4pPr>
@@ -1374,7 +1383,7 @@
               <a:spcAft>
                 <a:spcPts val="0"/>
               </a:spcAft>
-              <a:buSzPct val="100000"/>
+              <a:buSzPts val="2800"/>
               <a:buNone/>
               <a:defRPr sz="2800"/>
             </a:lvl5pPr>
@@ -1388,7 +1397,7 @@
               <a:spcAft>
                 <a:spcPts val="0"/>
               </a:spcAft>
-              <a:buSzPct val="100000"/>
+              <a:buSzPts val="2800"/>
               <a:buNone/>
               <a:defRPr sz="2800"/>
             </a:lvl6pPr>
@@ -1402,7 +1411,7 @@
               <a:spcAft>
                 <a:spcPts val="0"/>
               </a:spcAft>
-              <a:buSzPct val="100000"/>
+              <a:buSzPts val="2800"/>
               <a:buNone/>
               <a:defRPr sz="2800"/>
             </a:lvl7pPr>
@@ -1416,7 +1425,7 @@
               <a:spcAft>
                 <a:spcPts val="0"/>
               </a:spcAft>
-              <a:buSzPct val="100000"/>
+              <a:buSzPts val="2800"/>
               <a:buNone/>
               <a:defRPr sz="2800"/>
             </a:lvl8pPr>
@@ -1430,7 +1439,7 @@
               <a:spcAft>
                 <a:spcPts val="0"/>
               </a:spcAft>
-              <a:buSzPct val="100000"/>
+              <a:buSzPts val="2800"/>
               <a:buNone/>
               <a:defRPr sz="2800"/>
             </a:lvl9pPr>
@@ -1461,7 +1470,7 @@
           </a:bodyPr>
           <a:lstStyle/>
           <a:p>
-            <a:pPr lvl="0">
+            <a:pPr indent="0" lvl="0" marL="0">
               <a:spcBef>
                 <a:spcPts val="0"/>
               </a:spcBef>
@@ -1523,63 +1532,72 @@
               <a:spcBef>
                 <a:spcPts val="0"/>
               </a:spcBef>
-              <a:buSzPct val="100000"/>
+              <a:buSzPts val="12000"/>
+              <a:buNone/>
               <a:defRPr sz="12000"/>
             </a:lvl1pPr>
             <a:lvl2pPr lvl="1" algn="ctr">
               <a:spcBef>
                 <a:spcPts val="0"/>
               </a:spcBef>
-              <a:buSzPct val="100000"/>
+              <a:buSzPts val="12000"/>
+              <a:buNone/>
               <a:defRPr sz="12000"/>
             </a:lvl2pPr>
             <a:lvl3pPr lvl="2" algn="ctr">
               <a:spcBef>
                 <a:spcPts val="0"/>
               </a:spcBef>
-              <a:buSzPct val="100000"/>
+              <a:buSzPts val="12000"/>
+              <a:buNone/>
               <a:defRPr sz="12000"/>
             </a:lvl3pPr>
             <a:lvl4pPr lvl="3" algn="ctr">
               <a:spcBef>
                 <a:spcPts val="0"/>
               </a:spcBef>
-              <a:buSzPct val="100000"/>
+              <a:buSzPts val="12000"/>
+              <a:buNone/>
               <a:defRPr sz="12000"/>
             </a:lvl4pPr>
             <a:lvl5pPr lvl="4" algn="ctr">
               <a:spcBef>
                 <a:spcPts val="0"/>
               </a:spcBef>
-              <a:buSzPct val="100000"/>
+              <a:buSzPts val="12000"/>
+              <a:buNone/>
               <a:defRPr sz="12000"/>
             </a:lvl5pPr>
             <a:lvl6pPr lvl="5" algn="ctr">
               <a:spcBef>
                 <a:spcPts val="0"/>
               </a:spcBef>
-              <a:buSzPct val="100000"/>
+              <a:buSzPts val="12000"/>
+              <a:buNone/>
               <a:defRPr sz="12000"/>
             </a:lvl6pPr>
             <a:lvl7pPr lvl="6" algn="ctr">
               <a:spcBef>
                 <a:spcPts val="0"/>
               </a:spcBef>
-              <a:buSzPct val="100000"/>
+              <a:buSzPts val="12000"/>
+              <a:buNone/>
               <a:defRPr sz="12000"/>
             </a:lvl7pPr>
             <a:lvl8pPr lvl="7" algn="ctr">
               <a:spcBef>
                 <a:spcPts val="0"/>
               </a:spcBef>
-              <a:buSzPct val="100000"/>
+              <a:buSzPts val="12000"/>
+              <a:buNone/>
               <a:defRPr sz="12000"/>
             </a:lvl8pPr>
             <a:lvl9pPr lvl="8" algn="ctr">
               <a:spcBef>
                 <a:spcPts val="0"/>
               </a:spcBef>
-              <a:buSzPct val="100000"/>
+              <a:buSzPts val="12000"/>
+              <a:buNone/>
               <a:defRPr sz="12000"/>
             </a:lvl9pPr>
           </a:lstStyle>
@@ -1610,54 +1628,72 @@
               <a:spcBef>
                 <a:spcPts val="0"/>
               </a:spcBef>
+              <a:buSzPts val="1800"/>
+              <a:buChar char="●"/>
               <a:defRPr/>
             </a:lvl1pPr>
             <a:lvl2pPr lvl="1" algn="ctr">
               <a:spcBef>
                 <a:spcPts val="0"/>
               </a:spcBef>
+              <a:buSzPts val="1400"/>
+              <a:buChar char="○"/>
               <a:defRPr/>
             </a:lvl2pPr>
             <a:lvl3pPr lvl="2" algn="ctr">
               <a:spcBef>
                 <a:spcPts val="0"/>
               </a:spcBef>
+              <a:buSzPts val="1400"/>
+              <a:buChar char="■"/>
               <a:defRPr/>
             </a:lvl3pPr>
             <a:lvl4pPr lvl="3" algn="ctr">
               <a:spcBef>
                 <a:spcPts val="0"/>
               </a:spcBef>
+              <a:buSzPts val="1400"/>
+              <a:buChar char="●"/>
               <a:defRPr/>
             </a:lvl4pPr>
             <a:lvl5pPr lvl="4" algn="ctr">
               <a:spcBef>
                 <a:spcPts val="0"/>
               </a:spcBef>
+              <a:buSzPts val="1400"/>
+              <a:buChar char="○"/>
               <a:defRPr/>
             </a:lvl5pPr>
             <a:lvl6pPr lvl="5" algn="ctr">
               <a:spcBef>
                 <a:spcPts val="0"/>
               </a:spcBef>
+              <a:buSzPts val="1400"/>
+              <a:buChar char="■"/>
               <a:defRPr/>
             </a:lvl6pPr>
             <a:lvl7pPr lvl="6" algn="ctr">
               <a:spcBef>
                 <a:spcPts val="0"/>
               </a:spcBef>
+              <a:buSzPts val="1400"/>
+              <a:buChar char="●"/>
               <a:defRPr/>
             </a:lvl7pPr>
             <a:lvl8pPr lvl="7" algn="ctr">
               <a:spcBef>
                 <a:spcPts val="0"/>
               </a:spcBef>
+              <a:buSzPts val="1400"/>
+              <a:buChar char="○"/>
               <a:defRPr/>
             </a:lvl8pPr>
             <a:lvl9pPr lvl="8" algn="ctr">
               <a:spcBef>
                 <a:spcPts val="0"/>
               </a:spcBef>
+              <a:buSzPts val="1400"/>
+              <a:buChar char="■"/>
               <a:defRPr/>
             </a:lvl9pPr>
           </a:lstStyle>
@@ -1687,7 +1723,7 @@
           </a:bodyPr>
           <a:lstStyle/>
           <a:p>
-            <a:pPr lvl="0">
+            <a:pPr indent="0" lvl="0" marL="0">
               <a:spcBef>
                 <a:spcPts val="0"/>
               </a:spcBef>
@@ -1748,7 +1784,7 @@
           </a:bodyPr>
           <a:lstStyle/>
           <a:p>
-            <a:pPr lvl="0">
+            <a:pPr indent="0" lvl="0" marL="0">
               <a:spcBef>
                 <a:spcPts val="0"/>
               </a:spcBef>
@@ -1817,7 +1853,7 @@
               <a:spcAft>
                 <a:spcPts val="0"/>
               </a:spcAft>
-              <a:buSzPct val="31818"/>
+              <a:buSzPts val="1400"/>
               <a:buNone/>
               <a:defRPr b="0" i="0" sz="4400" u="none" cap="none" strike="noStrike">
                 <a:solidFill>
@@ -1836,7 +1872,7 @@
               <a:spcAft>
                 <a:spcPts val="0"/>
               </a:spcAft>
-              <a:buSzPct val="31818"/>
+              <a:buSzPts val="1400"/>
               <a:buNone/>
               <a:defRPr b="0" i="0" sz="4400" u="none" cap="none" strike="noStrike">
                 <a:solidFill>
@@ -1855,7 +1891,7 @@
               <a:spcAft>
                 <a:spcPts val="0"/>
               </a:spcAft>
-              <a:buSzPct val="31818"/>
+              <a:buSzPts val="1400"/>
               <a:buNone/>
               <a:defRPr b="0" i="0" sz="4400" u="none" cap="none" strike="noStrike">
                 <a:solidFill>
@@ -1874,7 +1910,7 @@
               <a:spcAft>
                 <a:spcPts val="0"/>
               </a:spcAft>
-              <a:buSzPct val="31818"/>
+              <a:buSzPts val="1400"/>
               <a:buNone/>
               <a:defRPr b="0" i="0" sz="4400" u="none" cap="none" strike="noStrike">
                 <a:solidFill>
@@ -1893,7 +1929,7 @@
               <a:spcAft>
                 <a:spcPts val="0"/>
               </a:spcAft>
-              <a:buSzPct val="31818"/>
+              <a:buSzPts val="1400"/>
               <a:buNone/>
               <a:defRPr b="0" i="0" sz="4400" u="none" cap="none" strike="noStrike">
                 <a:solidFill>
@@ -1912,7 +1948,7 @@
               <a:spcAft>
                 <a:spcPts val="0"/>
               </a:spcAft>
-              <a:buSzPct val="31818"/>
+              <a:buSzPts val="1400"/>
               <a:buNone/>
               <a:defRPr b="0" i="0" sz="4400" u="none" cap="none" strike="noStrike">
                 <a:solidFill>
@@ -1931,7 +1967,7 @@
               <a:spcAft>
                 <a:spcPts val="0"/>
               </a:spcAft>
-              <a:buSzPct val="31818"/>
+              <a:buSzPts val="1400"/>
               <a:buNone/>
               <a:defRPr b="0" i="0" sz="4400" u="none" cap="none" strike="noStrike">
                 <a:solidFill>
@@ -1950,7 +1986,7 @@
               <a:spcAft>
                 <a:spcPts val="0"/>
               </a:spcAft>
-              <a:buSzPct val="31818"/>
+              <a:buSzPts val="1400"/>
               <a:buNone/>
               <a:defRPr b="0" i="0" sz="4400" u="none" cap="none" strike="noStrike">
                 <a:solidFill>
@@ -1969,7 +2005,7 @@
               <a:spcAft>
                 <a:spcPts val="0"/>
               </a:spcAft>
-              <a:buSzPct val="31818"/>
+              <a:buSzPts val="1400"/>
               <a:buNone/>
               <a:defRPr b="0" i="0" sz="4400" u="none" cap="none" strike="noStrike">
                 <a:solidFill>
@@ -2019,7 +2055,7 @@
               <a:buClr>
                 <a:schemeClr val="dk1"/>
               </a:buClr>
-              <a:buSzPct val="100000"/>
+              <a:buSzPts val="3200"/>
               <a:buFont typeface="Arial"/>
               <a:buChar char="•"/>
               <a:defRPr b="0" i="0" sz="3200" u="none" cap="none" strike="noStrike">
@@ -2042,7 +2078,7 @@
               <a:buClr>
                 <a:schemeClr val="dk1"/>
               </a:buClr>
-              <a:buSzPct val="100000"/>
+              <a:buSzPts val="2800"/>
               <a:buFont typeface="Arial"/>
               <a:buChar char="–"/>
               <a:defRPr b="0" i="0" sz="2800" u="none" cap="none" strike="noStrike">
@@ -2065,7 +2101,7 @@
               <a:buClr>
                 <a:schemeClr val="dk1"/>
               </a:buClr>
-              <a:buSzPct val="100000"/>
+              <a:buSzPts val="2400"/>
               <a:buFont typeface="Arial"/>
               <a:buChar char="•"/>
               <a:defRPr b="0" i="0" sz="2400" u="none" cap="none" strike="noStrike">
@@ -2088,7 +2124,7 @@
               <a:buClr>
                 <a:schemeClr val="dk1"/>
               </a:buClr>
-              <a:buSzPct val="100000"/>
+              <a:buSzPts val="2000"/>
               <a:buFont typeface="Arial"/>
               <a:buChar char="–"/>
               <a:defRPr b="0" i="0" sz="2000" u="none" cap="none" strike="noStrike">
@@ -2111,7 +2147,7 @@
               <a:buClr>
                 <a:schemeClr val="dk1"/>
               </a:buClr>
-              <a:buSzPct val="100000"/>
+              <a:buSzPts val="2000"/>
               <a:buFont typeface="Arial"/>
               <a:buChar char="»"/>
               <a:defRPr b="0" i="0" sz="2000" u="none" cap="none" strike="noStrike">
@@ -2131,7 +2167,7 @@
               <a:buClr>
                 <a:schemeClr val="dk1"/>
               </a:buClr>
-              <a:buSzPct val="100000"/>
+              <a:buSzPts val="2000"/>
               <a:buFont typeface="Arial"/>
               <a:buChar char="•"/>
               <a:defRPr b="0" i="0" sz="2000" u="none" cap="none" strike="noStrike">
@@ -2151,7 +2187,7 @@
               <a:buClr>
                 <a:schemeClr val="dk1"/>
               </a:buClr>
-              <a:buSzPct val="100000"/>
+              <a:buSzPts val="2000"/>
               <a:buFont typeface="Arial"/>
               <a:buChar char="•"/>
               <a:defRPr b="0" i="0" sz="2000" u="none" cap="none" strike="noStrike">
@@ -2171,7 +2207,7 @@
               <a:buClr>
                 <a:schemeClr val="dk1"/>
               </a:buClr>
-              <a:buSzPct val="100000"/>
+              <a:buSzPts val="2000"/>
               <a:buFont typeface="Arial"/>
               <a:buChar char="•"/>
               <a:defRPr b="0" i="0" sz="2000" u="none" cap="none" strike="noStrike">
@@ -2191,7 +2227,7 @@
               <a:buClr>
                 <a:schemeClr val="dk1"/>
               </a:buClr>
-              <a:buSzPct val="100000"/>
+              <a:buSzPts val="2000"/>
               <a:buFont typeface="Arial"/>
               <a:buChar char="•"/>
               <a:defRPr b="0" i="0" sz="2000" u="none" cap="none" strike="noStrike">
@@ -2242,7 +2278,7 @@
               <a:spcAft>
                 <a:spcPts val="0"/>
               </a:spcAft>
-              <a:buSzPct val="116666"/>
+              <a:buSzPts val="1400"/>
               <a:buNone/>
               <a:defRPr b="0" i="0" sz="1200" u="none" cap="none" strike="noStrike">
                 <a:solidFill>
@@ -2264,7 +2300,7 @@
               <a:spcAft>
                 <a:spcPts val="0"/>
               </a:spcAft>
-              <a:buSzPct val="77777"/>
+              <a:buSzPts val="1400"/>
               <a:buNone/>
               <a:defRPr b="0" i="0" sz="1800" u="none" cap="none" strike="noStrike">
                 <a:solidFill>
@@ -2286,7 +2322,7 @@
               <a:spcAft>
                 <a:spcPts val="0"/>
               </a:spcAft>
-              <a:buSzPct val="77777"/>
+              <a:buSzPts val="1400"/>
               <a:buNone/>
               <a:defRPr b="0" i="0" sz="1800" u="none" cap="none" strike="noStrike">
                 <a:solidFill>
@@ -2308,7 +2344,7 @@
               <a:spcAft>
                 <a:spcPts val="0"/>
               </a:spcAft>
-              <a:buSzPct val="77777"/>
+              <a:buSzPts val="1400"/>
               <a:buNone/>
               <a:defRPr b="0" i="0" sz="1800" u="none" cap="none" strike="noStrike">
                 <a:solidFill>
@@ -2330,7 +2366,7 @@
               <a:spcAft>
                 <a:spcPts val="0"/>
               </a:spcAft>
-              <a:buSzPct val="77777"/>
+              <a:buSzPts val="1400"/>
               <a:buNone/>
               <a:defRPr b="0" i="0" sz="1800" u="none" cap="none" strike="noStrike">
                 <a:solidFill>
@@ -2352,7 +2388,7 @@
               <a:spcAft>
                 <a:spcPts val="0"/>
               </a:spcAft>
-              <a:buSzPct val="77777"/>
+              <a:buSzPts val="1400"/>
               <a:buNone/>
               <a:defRPr b="0" i="0" sz="1800" u="none" cap="none" strike="noStrike">
                 <a:solidFill>
@@ -2374,7 +2410,7 @@
               <a:spcAft>
                 <a:spcPts val="0"/>
               </a:spcAft>
-              <a:buSzPct val="77777"/>
+              <a:buSzPts val="1400"/>
               <a:buNone/>
               <a:defRPr b="0" i="0" sz="1800" u="none" cap="none" strike="noStrike">
                 <a:solidFill>
@@ -2396,7 +2432,7 @@
               <a:spcAft>
                 <a:spcPts val="0"/>
               </a:spcAft>
-              <a:buSzPct val="77777"/>
+              <a:buSzPts val="1400"/>
               <a:buNone/>
               <a:defRPr b="0" i="0" sz="1800" u="none" cap="none" strike="noStrike">
                 <a:solidFill>
@@ -2418,7 +2454,7 @@
               <a:spcAft>
                 <a:spcPts val="0"/>
               </a:spcAft>
-              <a:buSzPct val="77777"/>
+              <a:buSzPts val="1400"/>
               <a:buNone/>
               <a:defRPr b="0" i="0" sz="1800" u="none" cap="none" strike="noStrike">
                 <a:solidFill>
@@ -2468,7 +2504,7 @@
               <a:spcAft>
                 <a:spcPts val="0"/>
               </a:spcAft>
-              <a:buSzPct val="77777"/>
+              <a:buSzPts val="1400"/>
               <a:buNone/>
               <a:defRPr b="0" i="0" sz="1800" u="none" cap="none" strike="noStrike">
                 <a:solidFill>
@@ -2490,7 +2526,7 @@
               <a:spcAft>
                 <a:spcPts val="0"/>
               </a:spcAft>
-              <a:buSzPct val="77777"/>
+              <a:buSzPts val="1400"/>
               <a:buNone/>
               <a:defRPr b="0" i="0" sz="1800" u="none" cap="none" strike="noStrike">
                 <a:solidFill>
@@ -2512,7 +2548,7 @@
               <a:spcAft>
                 <a:spcPts val="0"/>
               </a:spcAft>
-              <a:buSzPct val="77777"/>
+              <a:buSzPts val="1400"/>
               <a:buNone/>
               <a:defRPr b="0" i="0" sz="1800" u="none" cap="none" strike="noStrike">
                 <a:solidFill>
@@ -2534,7 +2570,7 @@
               <a:spcAft>
                 <a:spcPts val="0"/>
               </a:spcAft>
-              <a:buSzPct val="77777"/>
+              <a:buSzPts val="1400"/>
               <a:buNone/>
               <a:defRPr b="0" i="0" sz="1800" u="none" cap="none" strike="noStrike">
                 <a:solidFill>
@@ -2556,7 +2592,7 @@
               <a:spcAft>
                 <a:spcPts val="0"/>
               </a:spcAft>
-              <a:buSzPct val="77777"/>
+              <a:buSzPts val="1400"/>
               <a:buNone/>
               <a:defRPr b="0" i="0" sz="1800" u="none" cap="none" strike="noStrike">
                 <a:solidFill>
@@ -2578,7 +2614,7 @@
               <a:spcAft>
                 <a:spcPts val="0"/>
               </a:spcAft>
-              <a:buSzPct val="77777"/>
+              <a:buSzPts val="1400"/>
               <a:buNone/>
               <a:defRPr b="0" i="0" sz="1800" u="none" cap="none" strike="noStrike">
                 <a:solidFill>
@@ -2600,7 +2636,7 @@
               <a:spcAft>
                 <a:spcPts val="0"/>
               </a:spcAft>
-              <a:buSzPct val="77777"/>
+              <a:buSzPts val="1400"/>
               <a:buNone/>
               <a:defRPr b="0" i="0" sz="1800" u="none" cap="none" strike="noStrike">
                 <a:solidFill>
@@ -2622,7 +2658,7 @@
               <a:spcAft>
                 <a:spcPts val="0"/>
               </a:spcAft>
-              <a:buSzPct val="77777"/>
+              <a:buSzPts val="1400"/>
               <a:buNone/>
               <a:defRPr b="0" i="0" sz="1800" u="none" cap="none" strike="noStrike">
                 <a:solidFill>
@@ -2644,7 +2680,7 @@
               <a:spcAft>
                 <a:spcPts val="0"/>
               </a:spcAft>
-              <a:buSzPct val="77777"/>
+              <a:buSzPts val="1400"/>
               <a:buNone/>
               <a:defRPr b="0" i="0" sz="1800" u="none" cap="none" strike="noStrike">
                 <a:solidFill>
@@ -2700,7 +2736,6 @@
               <a:buClr>
                 <a:srgbClr val="898989"/>
               </a:buClr>
-              <a:buSzPct val="25000"/>
               <a:buFont typeface="Calibri"/>
               <a:buNone/>
             </a:pPr>
@@ -2775,7 +2810,7 @@
               <a:spcAft>
                 <a:spcPts val="0"/>
               </a:spcAft>
-              <a:buSzPct val="31818"/>
+              <a:buSzPts val="1400"/>
               <a:buNone/>
               <a:defRPr b="0" i="0" sz="4400" u="none" cap="none" strike="noStrike">
                 <a:solidFill>
@@ -2794,7 +2829,7 @@
               <a:spcAft>
                 <a:spcPts val="0"/>
               </a:spcAft>
-              <a:buSzPct val="31818"/>
+              <a:buSzPts val="1400"/>
               <a:buNone/>
               <a:defRPr b="0" i="0" sz="4400" u="none" cap="none" strike="noStrike">
                 <a:solidFill>
@@ -2813,7 +2848,7 @@
               <a:spcAft>
                 <a:spcPts val="0"/>
               </a:spcAft>
-              <a:buSzPct val="31818"/>
+              <a:buSzPts val="1400"/>
               <a:buNone/>
               <a:defRPr b="0" i="0" sz="4400" u="none" cap="none" strike="noStrike">
                 <a:solidFill>
@@ -2832,7 +2867,7 @@
               <a:spcAft>
                 <a:spcPts val="0"/>
               </a:spcAft>
-              <a:buSzPct val="31818"/>
+              <a:buSzPts val="1400"/>
               <a:buNone/>
               <a:defRPr b="0" i="0" sz="4400" u="none" cap="none" strike="noStrike">
                 <a:solidFill>
@@ -2851,7 +2886,7 @@
               <a:spcAft>
                 <a:spcPts val="0"/>
               </a:spcAft>
-              <a:buSzPct val="31818"/>
+              <a:buSzPts val="1400"/>
               <a:buNone/>
               <a:defRPr b="0" i="0" sz="4400" u="none" cap="none" strike="noStrike">
                 <a:solidFill>
@@ -2870,7 +2905,7 @@
               <a:spcAft>
                 <a:spcPts val="0"/>
               </a:spcAft>
-              <a:buSzPct val="31818"/>
+              <a:buSzPts val="1400"/>
               <a:buNone/>
               <a:defRPr b="0" i="0" sz="4400" u="none" cap="none" strike="noStrike">
                 <a:solidFill>
@@ -2889,7 +2924,7 @@
               <a:spcAft>
                 <a:spcPts val="0"/>
               </a:spcAft>
-              <a:buSzPct val="31818"/>
+              <a:buSzPts val="1400"/>
               <a:buNone/>
               <a:defRPr b="0" i="0" sz="4400" u="none" cap="none" strike="noStrike">
                 <a:solidFill>
@@ -2908,7 +2943,7 @@
               <a:spcAft>
                 <a:spcPts val="0"/>
               </a:spcAft>
-              <a:buSzPct val="31818"/>
+              <a:buSzPts val="1400"/>
               <a:buNone/>
               <a:defRPr b="0" i="0" sz="4400" u="none" cap="none" strike="noStrike">
                 <a:solidFill>
@@ -2927,7 +2962,7 @@
               <a:spcAft>
                 <a:spcPts val="0"/>
               </a:spcAft>
-              <a:buSzPct val="31818"/>
+              <a:buSzPts val="1400"/>
               <a:buNone/>
               <a:defRPr b="0" i="0" sz="4400" u="none" cap="none" strike="noStrike">
                 <a:solidFill>
@@ -2977,7 +3012,7 @@
               <a:buClr>
                 <a:schemeClr val="dk1"/>
               </a:buClr>
-              <a:buSzPct val="100000"/>
+              <a:buSzPts val="3200"/>
               <a:buFont typeface="Arial"/>
               <a:buChar char="•"/>
               <a:defRPr sz="3200">
@@ -3000,7 +3035,7 @@
               <a:buClr>
                 <a:schemeClr val="dk1"/>
               </a:buClr>
-              <a:buSzPct val="100000"/>
+              <a:buSzPts val="2800"/>
               <a:buFont typeface="Arial"/>
               <a:buChar char="–"/>
               <a:defRPr b="0" i="0" sz="2800" u="none" cap="none" strike="noStrike">
@@ -3023,7 +3058,7 @@
               <a:buClr>
                 <a:schemeClr val="dk1"/>
               </a:buClr>
-              <a:buSzPct val="100000"/>
+              <a:buSzPts val="2400"/>
               <a:buFont typeface="Arial"/>
               <a:buChar char="•"/>
               <a:defRPr b="0" i="0" sz="2400" u="none" cap="none" strike="noStrike">
@@ -3046,7 +3081,7 @@
               <a:buClr>
                 <a:schemeClr val="dk1"/>
               </a:buClr>
-              <a:buSzPct val="100000"/>
+              <a:buSzPts val="2000"/>
               <a:buFont typeface="Arial"/>
               <a:buChar char="–"/>
               <a:defRPr b="0" i="0" sz="2000" u="none" cap="none" strike="noStrike">
@@ -3069,7 +3104,7 @@
               <a:buClr>
                 <a:schemeClr val="dk1"/>
               </a:buClr>
-              <a:buSzPct val="100000"/>
+              <a:buSzPts val="2000"/>
               <a:buFont typeface="Arial"/>
               <a:buChar char="»"/>
               <a:defRPr b="0" i="0" sz="2000" u="none" cap="none" strike="noStrike">
@@ -3089,7 +3124,7 @@
               <a:buClr>
                 <a:schemeClr val="dk1"/>
               </a:buClr>
-              <a:buSzPct val="100000"/>
+              <a:buSzPts val="2000"/>
               <a:buFont typeface="Arial"/>
               <a:buChar char="•"/>
               <a:defRPr b="0" i="0" sz="2000" u="none" cap="none" strike="noStrike">
@@ -3109,7 +3144,7 @@
               <a:buClr>
                 <a:schemeClr val="dk1"/>
               </a:buClr>
-              <a:buSzPct val="100000"/>
+              <a:buSzPts val="2000"/>
               <a:buFont typeface="Arial"/>
               <a:buChar char="•"/>
               <a:defRPr b="0" i="0" sz="2000" u="none" cap="none" strike="noStrike">
@@ -3129,7 +3164,7 @@
               <a:buClr>
                 <a:schemeClr val="dk1"/>
               </a:buClr>
-              <a:buSzPct val="100000"/>
+              <a:buSzPts val="2000"/>
               <a:buFont typeface="Arial"/>
               <a:buChar char="•"/>
               <a:defRPr b="0" i="0" sz="2000" u="none" cap="none" strike="noStrike">
@@ -3149,7 +3184,7 @@
               <a:buClr>
                 <a:schemeClr val="dk1"/>
               </a:buClr>
-              <a:buSzPct val="100000"/>
+              <a:buSzPts val="2000"/>
               <a:buFont typeface="Arial"/>
               <a:buChar char="•"/>
               <a:defRPr b="0" i="0" sz="2000" u="none" cap="none" strike="noStrike">
@@ -3200,7 +3235,7 @@
               <a:spcAft>
                 <a:spcPts val="0"/>
               </a:spcAft>
-              <a:buSzPct val="116666"/>
+              <a:buSzPts val="1400"/>
               <a:buNone/>
               <a:defRPr b="0" i="0" sz="1200" u="none">
                 <a:solidFill>
@@ -3222,7 +3257,7 @@
               <a:spcAft>
                 <a:spcPts val="0"/>
               </a:spcAft>
-              <a:buSzPct val="77777"/>
+              <a:buSzPts val="1400"/>
               <a:buNone/>
               <a:defRPr b="0" i="0" sz="1800" u="none" cap="none" strike="noStrike">
                 <a:solidFill>
@@ -3244,7 +3279,7 @@
               <a:spcAft>
                 <a:spcPts val="0"/>
               </a:spcAft>
-              <a:buSzPct val="77777"/>
+              <a:buSzPts val="1400"/>
               <a:buNone/>
               <a:defRPr b="0" i="0" sz="1800" u="none" cap="none" strike="noStrike">
                 <a:solidFill>
@@ -3266,7 +3301,7 @@
               <a:spcAft>
                 <a:spcPts val="0"/>
               </a:spcAft>
-              <a:buSzPct val="77777"/>
+              <a:buSzPts val="1400"/>
               <a:buNone/>
               <a:defRPr b="0" i="0" sz="1800" u="none" cap="none" strike="noStrike">
                 <a:solidFill>
@@ -3288,7 +3323,7 @@
               <a:spcAft>
                 <a:spcPts val="0"/>
               </a:spcAft>
-              <a:buSzPct val="77777"/>
+              <a:buSzPts val="1400"/>
               <a:buNone/>
               <a:defRPr b="0" i="0" sz="1800" u="none" cap="none" strike="noStrike">
                 <a:solidFill>
@@ -3310,7 +3345,7 @@
               <a:spcAft>
                 <a:spcPts val="0"/>
               </a:spcAft>
-              <a:buSzPct val="77777"/>
+              <a:buSzPts val="1400"/>
               <a:buNone/>
               <a:defRPr b="0" i="0" sz="1800" u="none" cap="none" strike="noStrike">
                 <a:solidFill>
@@ -3332,7 +3367,7 @@
               <a:spcAft>
                 <a:spcPts val="0"/>
               </a:spcAft>
-              <a:buSzPct val="77777"/>
+              <a:buSzPts val="1400"/>
               <a:buNone/>
               <a:defRPr b="0" i="0" sz="1800" u="none" cap="none" strike="noStrike">
                 <a:solidFill>
@@ -3354,7 +3389,7 @@
               <a:spcAft>
                 <a:spcPts val="0"/>
               </a:spcAft>
-              <a:buSzPct val="77777"/>
+              <a:buSzPts val="1400"/>
               <a:buNone/>
               <a:defRPr b="0" i="0" sz="1800" u="none" cap="none" strike="noStrike">
                 <a:solidFill>
@@ -3376,7 +3411,7 @@
               <a:spcAft>
                 <a:spcPts val="0"/>
               </a:spcAft>
-              <a:buSzPct val="77777"/>
+              <a:buSzPts val="1400"/>
               <a:buNone/>
               <a:defRPr b="0" i="0" sz="1800" u="none" cap="none" strike="noStrike">
                 <a:solidFill>
@@ -3426,7 +3461,7 @@
               <a:spcAft>
                 <a:spcPts val="0"/>
               </a:spcAft>
-              <a:buSzPct val="77777"/>
+              <a:buSzPts val="1400"/>
               <a:buNone/>
               <a:defRPr b="0" i="0" sz="1800" u="none">
                 <a:solidFill>
@@ -3448,7 +3483,7 @@
               <a:spcAft>
                 <a:spcPts val="0"/>
               </a:spcAft>
-              <a:buSzPct val="77777"/>
+              <a:buSzPts val="1400"/>
               <a:buNone/>
               <a:defRPr b="0" i="0" sz="1800" u="none" cap="none" strike="noStrike">
                 <a:solidFill>
@@ -3470,7 +3505,7 @@
               <a:spcAft>
                 <a:spcPts val="0"/>
               </a:spcAft>
-              <a:buSzPct val="77777"/>
+              <a:buSzPts val="1400"/>
               <a:buNone/>
               <a:defRPr b="0" i="0" sz="1800" u="none" cap="none" strike="noStrike">
                 <a:solidFill>
@@ -3492,7 +3527,7 @@
               <a:spcAft>
                 <a:spcPts val="0"/>
               </a:spcAft>
-              <a:buSzPct val="77777"/>
+              <a:buSzPts val="1400"/>
               <a:buNone/>
               <a:defRPr b="0" i="0" sz="1800" u="none" cap="none" strike="noStrike">
                 <a:solidFill>
@@ -3514,7 +3549,7 @@
               <a:spcAft>
                 <a:spcPts val="0"/>
               </a:spcAft>
-              <a:buSzPct val="77777"/>
+              <a:buSzPts val="1400"/>
               <a:buNone/>
               <a:defRPr b="0" i="0" sz="1800" u="none" cap="none" strike="noStrike">
                 <a:solidFill>
@@ -3536,7 +3571,7 @@
               <a:spcAft>
                 <a:spcPts val="0"/>
               </a:spcAft>
-              <a:buSzPct val="77777"/>
+              <a:buSzPts val="1400"/>
               <a:buNone/>
               <a:defRPr b="0" i="0" sz="1800" u="none" cap="none" strike="noStrike">
                 <a:solidFill>
@@ -3558,7 +3593,7 @@
               <a:spcAft>
                 <a:spcPts val="0"/>
               </a:spcAft>
-              <a:buSzPct val="77777"/>
+              <a:buSzPts val="1400"/>
               <a:buNone/>
               <a:defRPr b="0" i="0" sz="1800" u="none" cap="none" strike="noStrike">
                 <a:solidFill>
@@ -3580,7 +3615,7 @@
               <a:spcAft>
                 <a:spcPts val="0"/>
               </a:spcAft>
-              <a:buSzPct val="77777"/>
+              <a:buSzPts val="1400"/>
               <a:buNone/>
               <a:defRPr b="0" i="0" sz="1800" u="none" cap="none" strike="noStrike">
                 <a:solidFill>
@@ -3602,7 +3637,7 @@
               <a:spcAft>
                 <a:spcPts val="0"/>
               </a:spcAft>
-              <a:buSzPct val="77777"/>
+              <a:buSzPts val="1400"/>
               <a:buNone/>
               <a:defRPr b="0" i="0" sz="1800" u="none" cap="none" strike="noStrike">
                 <a:solidFill>
@@ -3658,7 +3693,6 @@
               <a:buClr>
                 <a:srgbClr val="898989"/>
               </a:buClr>
-              <a:buSzPct val="25000"/>
               <a:buFont typeface="Calibri"/>
               <a:buNone/>
             </a:pPr>
@@ -3733,7 +3767,7 @@
               <a:spcAft>
                 <a:spcPts val="0"/>
               </a:spcAft>
-              <a:buSzPct val="31818"/>
+              <a:buSzPts val="1400"/>
               <a:buNone/>
               <a:defRPr b="0" i="0" sz="4400" u="none" cap="none" strike="noStrike">
                 <a:solidFill>
@@ -3752,7 +3786,7 @@
               <a:spcAft>
                 <a:spcPts val="0"/>
               </a:spcAft>
-              <a:buSzPct val="31818"/>
+              <a:buSzPts val="1400"/>
               <a:buNone/>
               <a:defRPr b="0" i="0" sz="4400" u="none" cap="none" strike="noStrike">
                 <a:solidFill>
@@ -3771,7 +3805,7 @@
               <a:spcAft>
                 <a:spcPts val="0"/>
               </a:spcAft>
-              <a:buSzPct val="31818"/>
+              <a:buSzPts val="1400"/>
               <a:buNone/>
               <a:defRPr b="0" i="0" sz="4400" u="none" cap="none" strike="noStrike">
                 <a:solidFill>
@@ -3790,7 +3824,7 @@
               <a:spcAft>
                 <a:spcPts val="0"/>
               </a:spcAft>
-              <a:buSzPct val="31818"/>
+              <a:buSzPts val="1400"/>
               <a:buNone/>
               <a:defRPr b="0" i="0" sz="4400" u="none" cap="none" strike="noStrike">
                 <a:solidFill>
@@ -3809,7 +3843,7 @@
               <a:spcAft>
                 <a:spcPts val="0"/>
               </a:spcAft>
-              <a:buSzPct val="31818"/>
+              <a:buSzPts val="1400"/>
               <a:buNone/>
               <a:defRPr b="0" i="0" sz="4400" u="none" cap="none" strike="noStrike">
                 <a:solidFill>
@@ -3828,7 +3862,7 @@
               <a:spcAft>
                 <a:spcPts val="0"/>
               </a:spcAft>
-              <a:buSzPct val="31818"/>
+              <a:buSzPts val="1400"/>
               <a:buNone/>
               <a:defRPr b="0" i="0" sz="4400" u="none" cap="none" strike="noStrike">
                 <a:solidFill>
@@ -3847,7 +3881,7 @@
               <a:spcAft>
                 <a:spcPts val="0"/>
               </a:spcAft>
-              <a:buSzPct val="31818"/>
+              <a:buSzPts val="1400"/>
               <a:buNone/>
               <a:defRPr b="0" i="0" sz="4400" u="none" cap="none" strike="noStrike">
                 <a:solidFill>
@@ -3866,7 +3900,7 @@
               <a:spcAft>
                 <a:spcPts val="0"/>
               </a:spcAft>
-              <a:buSzPct val="31818"/>
+              <a:buSzPts val="1400"/>
               <a:buNone/>
               <a:defRPr b="0" i="0" sz="4400" u="none" cap="none" strike="noStrike">
                 <a:solidFill>
@@ -3885,7 +3919,7 @@
               <a:spcAft>
                 <a:spcPts val="0"/>
               </a:spcAft>
-              <a:buSzPct val="31818"/>
+              <a:buSzPts val="1400"/>
               <a:buNone/>
               <a:defRPr b="0" i="0" sz="4400" u="none" cap="none" strike="noStrike">
                 <a:solidFill>
@@ -3935,7 +3969,7 @@
               <a:buClr>
                 <a:schemeClr val="dk1"/>
               </a:buClr>
-              <a:buSzPct val="100000"/>
+              <a:buSzPts val="3200"/>
               <a:buFont typeface="Arial"/>
               <a:buChar char="•"/>
               <a:defRPr sz="3200">
@@ -3958,7 +3992,7 @@
               <a:buClr>
                 <a:schemeClr val="dk1"/>
               </a:buClr>
-              <a:buSzPct val="100000"/>
+              <a:buSzPts val="2800"/>
               <a:buFont typeface="Arial"/>
               <a:buChar char="–"/>
               <a:defRPr b="0" i="0" sz="2800" u="none" cap="none" strike="noStrike">
@@ -3981,7 +4015,7 @@
               <a:buClr>
                 <a:schemeClr val="dk1"/>
               </a:buClr>
-              <a:buSzPct val="100000"/>
+              <a:buSzPts val="2400"/>
               <a:buFont typeface="Arial"/>
               <a:buChar char="•"/>
               <a:defRPr b="0" i="0" sz="2400" u="none" cap="none" strike="noStrike">
@@ -4004,7 +4038,7 @@
               <a:buClr>
                 <a:schemeClr val="dk1"/>
               </a:buClr>
-              <a:buSzPct val="100000"/>
+              <a:buSzPts val="2000"/>
               <a:buFont typeface="Arial"/>
               <a:buChar char="–"/>
               <a:defRPr b="0" i="0" sz="2000" u="none" cap="none" strike="noStrike">
@@ -4027,7 +4061,7 @@
               <a:buClr>
                 <a:schemeClr val="dk1"/>
               </a:buClr>
-              <a:buSzPct val="100000"/>
+              <a:buSzPts val="2000"/>
               <a:buFont typeface="Arial"/>
               <a:buChar char="»"/>
               <a:defRPr b="0" i="0" sz="2000" u="none" cap="none" strike="noStrike">
@@ -4047,7 +4081,7 @@
               <a:buClr>
                 <a:schemeClr val="dk1"/>
               </a:buClr>
-              <a:buSzPct val="100000"/>
+              <a:buSzPts val="2000"/>
               <a:buFont typeface="Arial"/>
               <a:buChar char="•"/>
               <a:defRPr b="0" i="0" sz="2000" u="none" cap="none" strike="noStrike">
@@ -4067,7 +4101,7 @@
               <a:buClr>
                 <a:schemeClr val="dk1"/>
               </a:buClr>
-              <a:buSzPct val="100000"/>
+              <a:buSzPts val="2000"/>
               <a:buFont typeface="Arial"/>
               <a:buChar char="•"/>
               <a:defRPr b="0" i="0" sz="2000" u="none" cap="none" strike="noStrike">
@@ -4087,7 +4121,7 @@
               <a:buClr>
                 <a:schemeClr val="dk1"/>
               </a:buClr>
-              <a:buSzPct val="100000"/>
+              <a:buSzPts val="2000"/>
               <a:buFont typeface="Arial"/>
               <a:buChar char="•"/>
               <a:defRPr b="0" i="0" sz="2000" u="none" cap="none" strike="noStrike">
@@ -4107,7 +4141,7 @@
               <a:buClr>
                 <a:schemeClr val="dk1"/>
               </a:buClr>
-              <a:buSzPct val="100000"/>
+              <a:buSzPts val="2000"/>
               <a:buFont typeface="Arial"/>
               <a:buChar char="•"/>
               <a:defRPr b="0" i="0" sz="2000" u="none" cap="none" strike="noStrike">
@@ -4158,7 +4192,7 @@
               <a:spcAft>
                 <a:spcPts val="0"/>
               </a:spcAft>
-              <a:buSzPct val="116666"/>
+              <a:buSzPts val="1400"/>
               <a:buNone/>
               <a:defRPr b="0" i="0" sz="1200" u="none">
                 <a:solidFill>
@@ -4180,7 +4214,7 @@
               <a:spcAft>
                 <a:spcPts val="0"/>
               </a:spcAft>
-              <a:buSzPct val="77777"/>
+              <a:buSzPts val="1400"/>
               <a:buNone/>
               <a:defRPr b="0" i="0" sz="1800" u="none" cap="none" strike="noStrike">
                 <a:solidFill>
@@ -4202,7 +4236,7 @@
               <a:spcAft>
                 <a:spcPts val="0"/>
               </a:spcAft>
-              <a:buSzPct val="77777"/>
+              <a:buSzPts val="1400"/>
               <a:buNone/>
               <a:defRPr b="0" i="0" sz="1800" u="none" cap="none" strike="noStrike">
                 <a:solidFill>
@@ -4224,7 +4258,7 @@
               <a:spcAft>
                 <a:spcPts val="0"/>
               </a:spcAft>
-              <a:buSzPct val="77777"/>
+              <a:buSzPts val="1400"/>
               <a:buNone/>
               <a:defRPr b="0" i="0" sz="1800" u="none" cap="none" strike="noStrike">
                 <a:solidFill>
@@ -4246,7 +4280,7 @@
               <a:spcAft>
                 <a:spcPts val="0"/>
               </a:spcAft>
-              <a:buSzPct val="77777"/>
+              <a:buSzPts val="1400"/>
               <a:buNone/>
               <a:defRPr b="0" i="0" sz="1800" u="none" cap="none" strike="noStrike">
                 <a:solidFill>
@@ -4268,7 +4302,7 @@
               <a:spcAft>
                 <a:spcPts val="0"/>
               </a:spcAft>
-              <a:buSzPct val="77777"/>
+              <a:buSzPts val="1400"/>
               <a:buNone/>
               <a:defRPr b="0" i="0" sz="1800" u="none" cap="none" strike="noStrike">
                 <a:solidFill>
@@ -4290,7 +4324,7 @@
               <a:spcAft>
                 <a:spcPts val="0"/>
               </a:spcAft>
-              <a:buSzPct val="77777"/>
+              <a:buSzPts val="1400"/>
               <a:buNone/>
               <a:defRPr b="0" i="0" sz="1800" u="none" cap="none" strike="noStrike">
                 <a:solidFill>
@@ -4312,7 +4346,7 @@
               <a:spcAft>
                 <a:spcPts val="0"/>
               </a:spcAft>
-              <a:buSzPct val="77777"/>
+              <a:buSzPts val="1400"/>
               <a:buNone/>
               <a:defRPr b="0" i="0" sz="1800" u="none" cap="none" strike="noStrike">
                 <a:solidFill>
@@ -4334,7 +4368,7 @@
               <a:spcAft>
                 <a:spcPts val="0"/>
               </a:spcAft>
-              <a:buSzPct val="77777"/>
+              <a:buSzPts val="1400"/>
               <a:buNone/>
               <a:defRPr b="0" i="0" sz="1800" u="none" cap="none" strike="noStrike">
                 <a:solidFill>
@@ -4384,7 +4418,7 @@
               <a:spcAft>
                 <a:spcPts val="0"/>
               </a:spcAft>
-              <a:buSzPct val="77777"/>
+              <a:buSzPts val="1400"/>
               <a:buNone/>
               <a:defRPr b="0" i="0" sz="1800" u="none">
                 <a:solidFill>
@@ -4406,7 +4440,7 @@
               <a:spcAft>
                 <a:spcPts val="0"/>
               </a:spcAft>
-              <a:buSzPct val="77777"/>
+              <a:buSzPts val="1400"/>
               <a:buNone/>
               <a:defRPr b="0" i="0" sz="1800" u="none" cap="none" strike="noStrike">
                 <a:solidFill>
@@ -4428,7 +4462,7 @@
               <a:spcAft>
                 <a:spcPts val="0"/>
               </a:spcAft>
-              <a:buSzPct val="77777"/>
+              <a:buSzPts val="1400"/>
               <a:buNone/>
               <a:defRPr b="0" i="0" sz="1800" u="none" cap="none" strike="noStrike">
                 <a:solidFill>
@@ -4450,7 +4484,7 @@
               <a:spcAft>
                 <a:spcPts val="0"/>
               </a:spcAft>
-              <a:buSzPct val="77777"/>
+              <a:buSzPts val="1400"/>
               <a:buNone/>
               <a:defRPr b="0" i="0" sz="1800" u="none" cap="none" strike="noStrike">
                 <a:solidFill>
@@ -4472,7 +4506,7 @@
               <a:spcAft>
                 <a:spcPts val="0"/>
               </a:spcAft>
-              <a:buSzPct val="77777"/>
+              <a:buSzPts val="1400"/>
               <a:buNone/>
               <a:defRPr b="0" i="0" sz="1800" u="none" cap="none" strike="noStrike">
                 <a:solidFill>
@@ -4494,7 +4528,7 @@
               <a:spcAft>
                 <a:spcPts val="0"/>
               </a:spcAft>
-              <a:buSzPct val="77777"/>
+              <a:buSzPts val="1400"/>
               <a:buNone/>
               <a:defRPr b="0" i="0" sz="1800" u="none" cap="none" strike="noStrike">
                 <a:solidFill>
@@ -4516,7 +4550,7 @@
               <a:spcAft>
                 <a:spcPts val="0"/>
               </a:spcAft>
-              <a:buSzPct val="77777"/>
+              <a:buSzPts val="1400"/>
               <a:buNone/>
               <a:defRPr b="0" i="0" sz="1800" u="none" cap="none" strike="noStrike">
                 <a:solidFill>
@@ -4538,7 +4572,7 @@
               <a:spcAft>
                 <a:spcPts val="0"/>
               </a:spcAft>
-              <a:buSzPct val="77777"/>
+              <a:buSzPts val="1400"/>
               <a:buNone/>
               <a:defRPr b="0" i="0" sz="1800" u="none" cap="none" strike="noStrike">
                 <a:solidFill>
@@ -4560,7 +4594,7 @@
               <a:spcAft>
                 <a:spcPts val="0"/>
               </a:spcAft>
-              <a:buSzPct val="77777"/>
+              <a:buSzPts val="1400"/>
               <a:buNone/>
               <a:defRPr b="0" i="0" sz="1800" u="none" cap="none" strike="noStrike">
                 <a:solidFill>
@@ -4616,7 +4650,6 @@
               <a:buClr>
                 <a:srgbClr val="898989"/>
               </a:buClr>
-              <a:buSzPct val="25000"/>
               <a:buFont typeface="Calibri"/>
               <a:buNone/>
             </a:pPr>
@@ -4691,7 +4724,7 @@
               <a:spcAft>
                 <a:spcPts val="0"/>
               </a:spcAft>
-              <a:buSzPct val="70000"/>
+              <a:buSzPts val="1400"/>
               <a:buNone/>
               <a:defRPr b="1" i="0" sz="2000" u="none" cap="none" strike="noStrike">
                 <a:solidFill>
@@ -4710,7 +4743,7 @@
               <a:spcAft>
                 <a:spcPts val="0"/>
               </a:spcAft>
-              <a:buSzPct val="31818"/>
+              <a:buSzPts val="1400"/>
               <a:buNone/>
               <a:defRPr b="0" i="0" sz="4400" u="none" cap="none" strike="noStrike">
                 <a:solidFill>
@@ -4729,7 +4762,7 @@
               <a:spcAft>
                 <a:spcPts val="0"/>
               </a:spcAft>
-              <a:buSzPct val="31818"/>
+              <a:buSzPts val="1400"/>
               <a:buNone/>
               <a:defRPr b="0" i="0" sz="4400" u="none" cap="none" strike="noStrike">
                 <a:solidFill>
@@ -4748,7 +4781,7 @@
               <a:spcAft>
                 <a:spcPts val="0"/>
               </a:spcAft>
-              <a:buSzPct val="31818"/>
+              <a:buSzPts val="1400"/>
               <a:buNone/>
               <a:defRPr b="0" i="0" sz="4400" u="none" cap="none" strike="noStrike">
                 <a:solidFill>
@@ -4767,7 +4800,7 @@
               <a:spcAft>
                 <a:spcPts val="0"/>
               </a:spcAft>
-              <a:buSzPct val="31818"/>
+              <a:buSzPts val="1400"/>
               <a:buNone/>
               <a:defRPr b="0" i="0" sz="4400" u="none" cap="none" strike="noStrike">
                 <a:solidFill>
@@ -4786,7 +4819,7 @@
               <a:spcAft>
                 <a:spcPts val="0"/>
               </a:spcAft>
-              <a:buSzPct val="31818"/>
+              <a:buSzPts val="1400"/>
               <a:buNone/>
               <a:defRPr b="0" i="0" sz="4400" u="none" cap="none" strike="noStrike">
                 <a:solidFill>
@@ -4805,7 +4838,7 @@
               <a:spcAft>
                 <a:spcPts val="0"/>
               </a:spcAft>
-              <a:buSzPct val="31818"/>
+              <a:buSzPts val="1400"/>
               <a:buNone/>
               <a:defRPr b="0" i="0" sz="4400" u="none" cap="none" strike="noStrike">
                 <a:solidFill>
@@ -4824,7 +4857,7 @@
               <a:spcAft>
                 <a:spcPts val="0"/>
               </a:spcAft>
-              <a:buSzPct val="31818"/>
+              <a:buSzPts val="1400"/>
               <a:buNone/>
               <a:defRPr b="0" i="0" sz="4400" u="none" cap="none" strike="noStrike">
                 <a:solidFill>
@@ -4843,7 +4876,7 @@
               <a:spcAft>
                 <a:spcPts val="0"/>
               </a:spcAft>
-              <a:buSzPct val="31818"/>
+              <a:buSzPts val="1400"/>
               <a:buNone/>
               <a:defRPr b="0" i="0" sz="4400" u="none" cap="none" strike="noStrike">
                 <a:solidFill>
@@ -4893,7 +4926,7 @@
               <a:buClr>
                 <a:schemeClr val="dk1"/>
               </a:buClr>
-              <a:buSzPct val="43750"/>
+              <a:buSzPts val="1400"/>
               <a:buFont typeface="Arial"/>
               <a:buNone/>
               <a:defRPr sz="3200">
@@ -4916,7 +4949,7 @@
               <a:buClr>
                 <a:schemeClr val="dk1"/>
               </a:buClr>
-              <a:buSzPct val="50000"/>
+              <a:buSzPts val="1400"/>
               <a:buFont typeface="Arial"/>
               <a:buNone/>
               <a:defRPr b="0" i="0" sz="2800" u="none" cap="none" strike="noStrike">
@@ -4939,7 +4972,7 @@
               <a:buClr>
                 <a:schemeClr val="dk1"/>
               </a:buClr>
-              <a:buSzPct val="58333"/>
+              <a:buSzPts val="1400"/>
               <a:buFont typeface="Arial"/>
               <a:buNone/>
               <a:defRPr b="0" i="0" sz="2400" u="none" cap="none" strike="noStrike">
@@ -4962,7 +4995,7 @@
               <a:buClr>
                 <a:schemeClr val="dk1"/>
               </a:buClr>
-              <a:buSzPct val="70000"/>
+              <a:buSzPts val="1400"/>
               <a:buFont typeface="Arial"/>
               <a:buNone/>
               <a:defRPr b="0" i="0" sz="2000" u="none" cap="none" strike="noStrike">
@@ -4985,7 +5018,7 @@
               <a:buClr>
                 <a:schemeClr val="dk1"/>
               </a:buClr>
-              <a:buSzPct val="70000"/>
+              <a:buSzPts val="1400"/>
               <a:buFont typeface="Arial"/>
               <a:buNone/>
               <a:defRPr b="0" i="0" sz="2000" u="none" cap="none" strike="noStrike">
@@ -5005,7 +5038,7 @@
               <a:buClr>
                 <a:schemeClr val="dk1"/>
               </a:buClr>
-              <a:buSzPct val="70000"/>
+              <a:buSzPts val="1400"/>
               <a:buFont typeface="Arial"/>
               <a:buNone/>
               <a:defRPr b="0" i="0" sz="2000" u="none" cap="none" strike="noStrike">
@@ -5025,7 +5058,7 @@
               <a:buClr>
                 <a:schemeClr val="dk1"/>
               </a:buClr>
-              <a:buSzPct val="70000"/>
+              <a:buSzPts val="1400"/>
               <a:buFont typeface="Arial"/>
               <a:buNone/>
               <a:defRPr b="0" i="0" sz="2000" u="none" cap="none" strike="noStrike">
@@ -5045,7 +5078,7 @@
               <a:buClr>
                 <a:schemeClr val="dk1"/>
               </a:buClr>
-              <a:buSzPct val="70000"/>
+              <a:buSzPts val="1400"/>
               <a:buFont typeface="Arial"/>
               <a:buNone/>
               <a:defRPr b="0" i="0" sz="2000" u="none" cap="none" strike="noStrike">
@@ -5065,7 +5098,7 @@
               <a:buClr>
                 <a:schemeClr val="dk1"/>
               </a:buClr>
-              <a:buSzPct val="70000"/>
+              <a:buSzPts val="1400"/>
               <a:buFont typeface="Arial"/>
               <a:buNone/>
               <a:defRPr b="0" i="0" sz="2000" u="none" cap="none" strike="noStrike">
@@ -5116,7 +5149,7 @@
               <a:buClr>
                 <a:schemeClr val="dk1"/>
               </a:buClr>
-              <a:buSzPct val="228571"/>
+              <a:buSzPts val="3200"/>
               <a:buFont typeface="Arial"/>
               <a:buNone/>
               <a:defRPr sz="1400">
@@ -5139,7 +5172,7 @@
               <a:buClr>
                 <a:schemeClr val="dk1"/>
               </a:buClr>
-              <a:buSzPct val="233333"/>
+              <a:buSzPts val="2800"/>
               <a:buFont typeface="Arial"/>
               <a:buNone/>
               <a:defRPr b="0" i="0" sz="1200" u="none" cap="none" strike="noStrike">
@@ -5162,7 +5195,7 @@
               <a:buClr>
                 <a:schemeClr val="dk1"/>
               </a:buClr>
-              <a:buSzPct val="240000"/>
+              <a:buSzPts val="2400"/>
               <a:buFont typeface="Arial"/>
               <a:buNone/>
               <a:defRPr b="0" i="0" sz="1000" u="none" cap="none" strike="noStrike">
@@ -5185,7 +5218,7 @@
               <a:buClr>
                 <a:schemeClr val="dk1"/>
               </a:buClr>
-              <a:buSzPct val="222222"/>
+              <a:buSzPts val="2000"/>
               <a:buFont typeface="Arial"/>
               <a:buNone/>
               <a:defRPr b="0" i="0" sz="900" u="none" cap="none" strike="noStrike">
@@ -5208,7 +5241,7 @@
               <a:buClr>
                 <a:schemeClr val="dk1"/>
               </a:buClr>
-              <a:buSzPct val="222222"/>
+              <a:buSzPts val="2000"/>
               <a:buFont typeface="Arial"/>
               <a:buNone/>
               <a:defRPr b="0" i="0" sz="900" u="none" cap="none" strike="noStrike">
@@ -5228,7 +5261,7 @@
               <a:buClr>
                 <a:schemeClr val="dk1"/>
               </a:buClr>
-              <a:buSzPct val="222222"/>
+              <a:buSzPts val="2000"/>
               <a:buFont typeface="Arial"/>
               <a:buNone/>
               <a:defRPr b="0" i="0" sz="900" u="none" cap="none" strike="noStrike">
@@ -5248,7 +5281,7 @@
               <a:buClr>
                 <a:schemeClr val="dk1"/>
               </a:buClr>
-              <a:buSzPct val="222222"/>
+              <a:buSzPts val="2000"/>
               <a:buFont typeface="Arial"/>
               <a:buNone/>
               <a:defRPr b="0" i="0" sz="900" u="none" cap="none" strike="noStrike">
@@ -5268,7 +5301,7 @@
               <a:buClr>
                 <a:schemeClr val="dk1"/>
               </a:buClr>
-              <a:buSzPct val="222222"/>
+              <a:buSzPts val="2000"/>
               <a:buFont typeface="Arial"/>
               <a:buNone/>
               <a:defRPr b="0" i="0" sz="900" u="none" cap="none" strike="noStrike">
@@ -5288,7 +5321,7 @@
               <a:buClr>
                 <a:schemeClr val="dk1"/>
               </a:buClr>
-              <a:buSzPct val="222222"/>
+              <a:buSzPts val="2000"/>
               <a:buFont typeface="Arial"/>
               <a:buNone/>
               <a:defRPr b="0" i="0" sz="900" u="none" cap="none" strike="noStrike">
@@ -5339,7 +5372,7 @@
               <a:spcAft>
                 <a:spcPts val="0"/>
               </a:spcAft>
-              <a:buSzPct val="116666"/>
+              <a:buSzPts val="1400"/>
               <a:buNone/>
               <a:defRPr b="0" i="0" sz="1200" u="none">
                 <a:solidFill>
@@ -5361,7 +5394,7 @@
               <a:spcAft>
                 <a:spcPts val="0"/>
               </a:spcAft>
-              <a:buSzPct val="77777"/>
+              <a:buSzPts val="1400"/>
               <a:buNone/>
               <a:defRPr b="0" i="0" sz="1800" u="none" cap="none" strike="noStrike">
                 <a:solidFill>
@@ -5383,7 +5416,7 @@
               <a:spcAft>
                 <a:spcPts val="0"/>
               </a:spcAft>
-              <a:buSzPct val="77777"/>
+              <a:buSzPts val="1400"/>
               <a:buNone/>
               <a:defRPr b="0" i="0" sz="1800" u="none" cap="none" strike="noStrike">
                 <a:solidFill>
@@ -5405,7 +5438,7 @@
               <a:spcAft>
                 <a:spcPts val="0"/>
               </a:spcAft>
-              <a:buSzPct val="77777"/>
+              <a:buSzPts val="1400"/>
               <a:buNone/>
               <a:defRPr b="0" i="0" sz="1800" u="none" cap="none" strike="noStrike">
                 <a:solidFill>
@@ -5427,7 +5460,7 @@
               <a:spcAft>
                 <a:spcPts val="0"/>
               </a:spcAft>
-              <a:buSzPct val="77777"/>
+              <a:buSzPts val="1400"/>
               <a:buNone/>
               <a:defRPr b="0" i="0" sz="1800" u="none" cap="none" strike="noStrike">
                 <a:solidFill>
@@ -5449,7 +5482,7 @@
               <a:spcAft>
                 <a:spcPts val="0"/>
               </a:spcAft>
-              <a:buSzPct val="77777"/>
+              <a:buSzPts val="1400"/>
               <a:buNone/>
               <a:defRPr b="0" i="0" sz="1800" u="none" cap="none" strike="noStrike">
                 <a:solidFill>
@@ -5471,7 +5504,7 @@
               <a:spcAft>
                 <a:spcPts val="0"/>
               </a:spcAft>
-              <a:buSzPct val="77777"/>
+              <a:buSzPts val="1400"/>
               <a:buNone/>
               <a:defRPr b="0" i="0" sz="1800" u="none" cap="none" strike="noStrike">
                 <a:solidFill>
@@ -5493,7 +5526,7 @@
               <a:spcAft>
                 <a:spcPts val="0"/>
               </a:spcAft>
-              <a:buSzPct val="77777"/>
+              <a:buSzPts val="1400"/>
               <a:buNone/>
               <a:defRPr b="0" i="0" sz="1800" u="none" cap="none" strike="noStrike">
                 <a:solidFill>
@@ -5515,7 +5548,7 @@
               <a:spcAft>
                 <a:spcPts val="0"/>
               </a:spcAft>
-              <a:buSzPct val="77777"/>
+              <a:buSzPts val="1400"/>
               <a:buNone/>
               <a:defRPr b="0" i="0" sz="1800" u="none" cap="none" strike="noStrike">
                 <a:solidFill>
@@ -5565,7 +5598,7 @@
               <a:spcAft>
                 <a:spcPts val="0"/>
               </a:spcAft>
-              <a:buSzPct val="77777"/>
+              <a:buSzPts val="1400"/>
               <a:buNone/>
               <a:defRPr b="0" i="0" sz="1800" u="none">
                 <a:solidFill>
@@ -5587,7 +5620,7 @@
               <a:spcAft>
                 <a:spcPts val="0"/>
               </a:spcAft>
-              <a:buSzPct val="77777"/>
+              <a:buSzPts val="1400"/>
               <a:buNone/>
               <a:defRPr b="0" i="0" sz="1800" u="none" cap="none" strike="noStrike">
                 <a:solidFill>
@@ -5609,7 +5642,7 @@
               <a:spcAft>
                 <a:spcPts val="0"/>
               </a:spcAft>
-              <a:buSzPct val="77777"/>
+              <a:buSzPts val="1400"/>
               <a:buNone/>
               <a:defRPr b="0" i="0" sz="1800" u="none" cap="none" strike="noStrike">
                 <a:solidFill>
@@ -5631,7 +5664,7 @@
               <a:spcAft>
                 <a:spcPts val="0"/>
               </a:spcAft>
-              <a:buSzPct val="77777"/>
+              <a:buSzPts val="1400"/>
               <a:buNone/>
               <a:defRPr b="0" i="0" sz="1800" u="none" cap="none" strike="noStrike">
                 <a:solidFill>
@@ -5653,7 +5686,7 @@
               <a:spcAft>
                 <a:spcPts val="0"/>
               </a:spcAft>
-              <a:buSzPct val="77777"/>
+              <a:buSzPts val="1400"/>
               <a:buNone/>
               <a:defRPr b="0" i="0" sz="1800" u="none" cap="none" strike="noStrike">
                 <a:solidFill>
@@ -5675,7 +5708,7 @@
               <a:spcAft>
                 <a:spcPts val="0"/>
               </a:spcAft>
-              <a:buSzPct val="77777"/>
+              <a:buSzPts val="1400"/>
               <a:buNone/>
               <a:defRPr b="0" i="0" sz="1800" u="none" cap="none" strike="noStrike">
                 <a:solidFill>
@@ -5697,7 +5730,7 @@
               <a:spcAft>
                 <a:spcPts val="0"/>
               </a:spcAft>
-              <a:buSzPct val="77777"/>
+              <a:buSzPts val="1400"/>
               <a:buNone/>
               <a:defRPr b="0" i="0" sz="1800" u="none" cap="none" strike="noStrike">
                 <a:solidFill>
@@ -5719,7 +5752,7 @@
               <a:spcAft>
                 <a:spcPts val="0"/>
               </a:spcAft>
-              <a:buSzPct val="77777"/>
+              <a:buSzPts val="1400"/>
               <a:buNone/>
               <a:defRPr b="0" i="0" sz="1800" u="none" cap="none" strike="noStrike">
                 <a:solidFill>
@@ -5741,7 +5774,7 @@
               <a:spcAft>
                 <a:spcPts val="0"/>
               </a:spcAft>
-              <a:buSzPct val="77777"/>
+              <a:buSzPts val="1400"/>
               <a:buNone/>
               <a:defRPr b="0" i="0" sz="1800" u="none" cap="none" strike="noStrike">
                 <a:solidFill>
@@ -5797,7 +5830,6 @@
               <a:buClr>
                 <a:srgbClr val="898989"/>
               </a:buClr>
-              <a:buSzPct val="25000"/>
               <a:buFont typeface="Calibri"/>
               <a:buNone/>
             </a:pPr>
@@ -5872,7 +5904,7 @@
               <a:spcAft>
                 <a:spcPts val="0"/>
               </a:spcAft>
-              <a:buSzPct val="70000"/>
+              <a:buSzPts val="1400"/>
               <a:buNone/>
               <a:defRPr b="1" i="0" sz="2000" u="none" cap="none" strike="noStrike">
                 <a:solidFill>
@@ -5891,7 +5923,7 @@
               <a:spcAft>
                 <a:spcPts val="0"/>
               </a:spcAft>
-              <a:buSzPct val="31818"/>
+              <a:buSzPts val="1400"/>
               <a:buNone/>
               <a:defRPr b="0" i="0" sz="4400" u="none" cap="none" strike="noStrike">
                 <a:solidFill>
@@ -5910,7 +5942,7 @@
               <a:spcAft>
                 <a:spcPts val="0"/>
               </a:spcAft>
-              <a:buSzPct val="31818"/>
+              <a:buSzPts val="1400"/>
               <a:buNone/>
               <a:defRPr b="0" i="0" sz="4400" u="none" cap="none" strike="noStrike">
                 <a:solidFill>
@@ -5929,7 +5961,7 @@
               <a:spcAft>
                 <a:spcPts val="0"/>
               </a:spcAft>
-              <a:buSzPct val="31818"/>
+              <a:buSzPts val="1400"/>
               <a:buNone/>
               <a:defRPr b="0" i="0" sz="4400" u="none" cap="none" strike="noStrike">
                 <a:solidFill>
@@ -5948,7 +5980,7 @@
               <a:spcAft>
                 <a:spcPts val="0"/>
               </a:spcAft>
-              <a:buSzPct val="31818"/>
+              <a:buSzPts val="1400"/>
               <a:buNone/>
               <a:defRPr b="0" i="0" sz="4400" u="none" cap="none" strike="noStrike">
                 <a:solidFill>
@@ -5967,7 +5999,7 @@
               <a:spcAft>
                 <a:spcPts val="0"/>
               </a:spcAft>
-              <a:buSzPct val="31818"/>
+              <a:buSzPts val="1400"/>
               <a:buNone/>
               <a:defRPr b="0" i="0" sz="4400" u="none" cap="none" strike="noStrike">
                 <a:solidFill>
@@ -5986,7 +6018,7 @@
               <a:spcAft>
                 <a:spcPts val="0"/>
               </a:spcAft>
-              <a:buSzPct val="31818"/>
+              <a:buSzPts val="1400"/>
               <a:buNone/>
               <a:defRPr b="0" i="0" sz="4400" u="none" cap="none" strike="noStrike">
                 <a:solidFill>
@@ -6005,7 +6037,7 @@
               <a:spcAft>
                 <a:spcPts val="0"/>
               </a:spcAft>
-              <a:buSzPct val="31818"/>
+              <a:buSzPts val="1400"/>
               <a:buNone/>
               <a:defRPr b="0" i="0" sz="4400" u="none" cap="none" strike="noStrike">
                 <a:solidFill>
@@ -6024,7 +6056,7 @@
               <a:spcAft>
                 <a:spcPts val="0"/>
               </a:spcAft>
-              <a:buSzPct val="31818"/>
+              <a:buSzPts val="1400"/>
               <a:buNone/>
               <a:defRPr b="0" i="0" sz="4400" u="none" cap="none" strike="noStrike">
                 <a:solidFill>
@@ -6074,7 +6106,7 @@
               <a:buClr>
                 <a:schemeClr val="dk1"/>
               </a:buClr>
-              <a:buSzPct val="100000"/>
+              <a:buSzPts val="3200"/>
               <a:buFont typeface="Arial"/>
               <a:buChar char="•"/>
               <a:defRPr sz="3200">
@@ -6097,7 +6129,7 @@
               <a:buClr>
                 <a:schemeClr val="dk1"/>
               </a:buClr>
-              <a:buSzPct val="100000"/>
+              <a:buSzPts val="2800"/>
               <a:buFont typeface="Arial"/>
               <a:buChar char="–"/>
               <a:defRPr b="0" i="0" sz="2800" u="none" cap="none" strike="noStrike">
@@ -6120,7 +6152,7 @@
               <a:buClr>
                 <a:schemeClr val="dk1"/>
               </a:buClr>
-              <a:buSzPct val="100000"/>
+              <a:buSzPts val="2400"/>
               <a:buFont typeface="Arial"/>
               <a:buChar char="•"/>
               <a:defRPr b="0" i="0" sz="2400" u="none" cap="none" strike="noStrike">
@@ -6143,7 +6175,7 @@
               <a:buClr>
                 <a:schemeClr val="dk1"/>
               </a:buClr>
-              <a:buSzPct val="100000"/>
+              <a:buSzPts val="2000"/>
               <a:buFont typeface="Arial"/>
               <a:buChar char="–"/>
               <a:defRPr b="0" i="0" sz="2000" u="none" cap="none" strike="noStrike">
@@ -6166,7 +6198,7 @@
               <a:buClr>
                 <a:schemeClr val="dk1"/>
               </a:buClr>
-              <a:buSzPct val="100000"/>
+              <a:buSzPts val="2000"/>
               <a:buFont typeface="Arial"/>
               <a:buChar char="»"/>
               <a:defRPr b="0" i="0" sz="2000" u="none" cap="none" strike="noStrike">
@@ -6186,7 +6218,7 @@
               <a:buClr>
                 <a:schemeClr val="dk1"/>
               </a:buClr>
-              <a:buSzPct val="100000"/>
+              <a:buSzPts val="2000"/>
               <a:buFont typeface="Arial"/>
               <a:buChar char="•"/>
               <a:defRPr b="0" i="0" sz="2000" u="none" cap="none" strike="noStrike">
@@ -6206,7 +6238,7 @@
               <a:buClr>
                 <a:schemeClr val="dk1"/>
               </a:buClr>
-              <a:buSzPct val="100000"/>
+              <a:buSzPts val="2000"/>
               <a:buFont typeface="Arial"/>
               <a:buChar char="•"/>
               <a:defRPr b="0" i="0" sz="2000" u="none" cap="none" strike="noStrike">
@@ -6226,7 +6258,7 @@
               <a:buClr>
                 <a:schemeClr val="dk1"/>
               </a:buClr>
-              <a:buSzPct val="100000"/>
+              <a:buSzPts val="2000"/>
               <a:buFont typeface="Arial"/>
               <a:buChar char="•"/>
               <a:defRPr b="0" i="0" sz="2000" u="none" cap="none" strike="noStrike">
@@ -6246,7 +6278,7 @@
               <a:buClr>
                 <a:schemeClr val="dk1"/>
               </a:buClr>
-              <a:buSzPct val="100000"/>
+              <a:buSzPts val="2000"/>
               <a:buFont typeface="Arial"/>
               <a:buChar char="•"/>
               <a:defRPr b="0" i="0" sz="2000" u="none" cap="none" strike="noStrike">
@@ -6297,7 +6329,7 @@
               <a:buClr>
                 <a:schemeClr val="dk1"/>
               </a:buClr>
-              <a:buSzPct val="228571"/>
+              <a:buSzPts val="3200"/>
               <a:buFont typeface="Arial"/>
               <a:buNone/>
               <a:defRPr sz="1400">
@@ -6320,7 +6352,7 @@
               <a:buClr>
                 <a:schemeClr val="dk1"/>
               </a:buClr>
-              <a:buSzPct val="233333"/>
+              <a:buSzPts val="2800"/>
               <a:buFont typeface="Arial"/>
               <a:buNone/>
               <a:defRPr b="0" i="0" sz="1200" u="none" cap="none" strike="noStrike">
@@ -6343,7 +6375,7 @@
               <a:buClr>
                 <a:schemeClr val="dk1"/>
               </a:buClr>
-              <a:buSzPct val="240000"/>
+              <a:buSzPts val="2400"/>
               <a:buFont typeface="Arial"/>
               <a:buNone/>
               <a:defRPr b="0" i="0" sz="1000" u="none" cap="none" strike="noStrike">
@@ -6366,7 +6398,7 @@
               <a:buClr>
                 <a:schemeClr val="dk1"/>
               </a:buClr>
-              <a:buSzPct val="222222"/>
+              <a:buSzPts val="2000"/>
               <a:buFont typeface="Arial"/>
               <a:buNone/>
               <a:defRPr b="0" i="0" sz="900" u="none" cap="none" strike="noStrike">
@@ -6389,7 +6421,7 @@
               <a:buClr>
                 <a:schemeClr val="dk1"/>
               </a:buClr>
-              <a:buSzPct val="222222"/>
+              <a:buSzPts val="2000"/>
               <a:buFont typeface="Arial"/>
               <a:buNone/>
               <a:defRPr b="0" i="0" sz="900" u="none" cap="none" strike="noStrike">
@@ -6409,7 +6441,7 @@
               <a:buClr>
                 <a:schemeClr val="dk1"/>
               </a:buClr>
-              <a:buSzPct val="222222"/>
+              <a:buSzPts val="2000"/>
               <a:buFont typeface="Arial"/>
               <a:buNone/>
               <a:defRPr b="0" i="0" sz="900" u="none" cap="none" strike="noStrike">
@@ -6429,7 +6461,7 @@
               <a:buClr>
                 <a:schemeClr val="dk1"/>
               </a:buClr>
-              <a:buSzPct val="222222"/>
+              <a:buSzPts val="2000"/>
               <a:buFont typeface="Arial"/>
               <a:buNone/>
               <a:defRPr b="0" i="0" sz="900" u="none" cap="none" strike="noStrike">
@@ -6449,7 +6481,7 @@
               <a:buClr>
                 <a:schemeClr val="dk1"/>
               </a:buClr>
-              <a:buSzPct val="222222"/>
+              <a:buSzPts val="2000"/>
               <a:buFont typeface="Arial"/>
               <a:buNone/>
               <a:defRPr b="0" i="0" sz="900" u="none" cap="none" strike="noStrike">
@@ -6469,7 +6501,7 @@
               <a:buClr>
                 <a:schemeClr val="dk1"/>
               </a:buClr>
-              <a:buSzPct val="222222"/>
+              <a:buSzPts val="2000"/>
               <a:buFont typeface="Arial"/>
               <a:buNone/>
               <a:defRPr b="0" i="0" sz="900" u="none" cap="none" strike="noStrike">
@@ -6520,7 +6552,7 @@
               <a:spcAft>
                 <a:spcPts val="0"/>
               </a:spcAft>
-              <a:buSzPct val="116666"/>
+              <a:buSzPts val="1400"/>
               <a:buNone/>
               <a:defRPr b="0" i="0" sz="1200" u="none">
                 <a:solidFill>
@@ -6542,7 +6574,7 @@
               <a:spcAft>
                 <a:spcPts val="0"/>
               </a:spcAft>
-              <a:buSzPct val="77777"/>
+              <a:buSzPts val="1400"/>
               <a:buNone/>
               <a:defRPr b="0" i="0" sz="1800" u="none" cap="none" strike="noStrike">
                 <a:solidFill>
@@ -6564,7 +6596,7 @@
               <a:spcAft>
                 <a:spcPts val="0"/>
               </a:spcAft>
-              <a:buSzPct val="77777"/>
+              <a:buSzPts val="1400"/>
               <a:buNone/>
               <a:defRPr b="0" i="0" sz="1800" u="none" cap="none" strike="noStrike">
                 <a:solidFill>
@@ -6586,7 +6618,7 @@
               <a:spcAft>
                 <a:spcPts val="0"/>
               </a:spcAft>
-              <a:buSzPct val="77777"/>
+              <a:buSzPts val="1400"/>
               <a:buNone/>
               <a:defRPr b="0" i="0" sz="1800" u="none" cap="none" strike="noStrike">
                 <a:solidFill>
@@ -6608,7 +6640,7 @@
               <a:spcAft>
                 <a:spcPts val="0"/>
               </a:spcAft>
-              <a:buSzPct val="77777"/>
+              <a:buSzPts val="1400"/>
               <a:buNone/>
               <a:defRPr b="0" i="0" sz="1800" u="none" cap="none" strike="noStrike">
                 <a:solidFill>
@@ -6630,7 +6662,7 @@
               <a:spcAft>
                 <a:spcPts val="0"/>
               </a:spcAft>
-              <a:buSzPct val="77777"/>
+              <a:buSzPts val="1400"/>
               <a:buNone/>
               <a:defRPr b="0" i="0" sz="1800" u="none" cap="none" strike="noStrike">
                 <a:solidFill>
@@ -6652,7 +6684,7 @@
               <a:spcAft>
                 <a:spcPts val="0"/>
               </a:spcAft>
-              <a:buSzPct val="77777"/>
+              <a:buSzPts val="1400"/>
               <a:buNone/>
               <a:defRPr b="0" i="0" sz="1800" u="none" cap="none" strike="noStrike">
                 <a:solidFill>
@@ -6674,7 +6706,7 @@
               <a:spcAft>
                 <a:spcPts val="0"/>
               </a:spcAft>
-              <a:buSzPct val="77777"/>
+              <a:buSzPts val="1400"/>
               <a:buNone/>
               <a:defRPr b="0" i="0" sz="1800" u="none" cap="none" strike="noStrike">
                 <a:solidFill>
@@ -6696,7 +6728,7 @@
               <a:spcAft>
                 <a:spcPts val="0"/>
               </a:spcAft>
-              <a:buSzPct val="77777"/>
+              <a:buSzPts val="1400"/>
               <a:buNone/>
               <a:defRPr b="0" i="0" sz="1800" u="none" cap="none" strike="noStrike">
                 <a:solidFill>
@@ -6746,7 +6778,7 @@
               <a:spcAft>
                 <a:spcPts val="0"/>
               </a:spcAft>
-              <a:buSzPct val="77777"/>
+              <a:buSzPts val="1400"/>
               <a:buNone/>
               <a:defRPr b="0" i="0" sz="1800" u="none">
                 <a:solidFill>
@@ -6768,7 +6800,7 @@
               <a:spcAft>
                 <a:spcPts val="0"/>
               </a:spcAft>
-              <a:buSzPct val="77777"/>
+              <a:buSzPts val="1400"/>
               <a:buNone/>
               <a:defRPr b="0" i="0" sz="1800" u="none" cap="none" strike="noStrike">
                 <a:solidFill>
@@ -6790,7 +6822,7 @@
               <a:spcAft>
                 <a:spcPts val="0"/>
               </a:spcAft>
-              <a:buSzPct val="77777"/>
+              <a:buSzPts val="1400"/>
               <a:buNone/>
               <a:defRPr b="0" i="0" sz="1800" u="none" cap="none" strike="noStrike">
                 <a:solidFill>
@@ -6812,7 +6844,7 @@
               <a:spcAft>
                 <a:spcPts val="0"/>
               </a:spcAft>
-              <a:buSzPct val="77777"/>
+              <a:buSzPts val="1400"/>
               <a:buNone/>
               <a:defRPr b="0" i="0" sz="1800" u="none" cap="none" strike="noStrike">
                 <a:solidFill>
@@ -6834,7 +6866,7 @@
               <a:spcAft>
                 <a:spcPts val="0"/>
               </a:spcAft>
-              <a:buSzPct val="77777"/>
+              <a:buSzPts val="1400"/>
               <a:buNone/>
               <a:defRPr b="0" i="0" sz="1800" u="none" cap="none" strike="noStrike">
                 <a:solidFill>
@@ -6856,7 +6888,7 @@
               <a:spcAft>
                 <a:spcPts val="0"/>
               </a:spcAft>
-              <a:buSzPct val="77777"/>
+              <a:buSzPts val="1400"/>
               <a:buNone/>
               <a:defRPr b="0" i="0" sz="1800" u="none" cap="none" strike="noStrike">
                 <a:solidFill>
@@ -6878,7 +6910,7 @@
               <a:spcAft>
                 <a:spcPts val="0"/>
               </a:spcAft>
-              <a:buSzPct val="77777"/>
+              <a:buSzPts val="1400"/>
               <a:buNone/>
               <a:defRPr b="0" i="0" sz="1800" u="none" cap="none" strike="noStrike">
                 <a:solidFill>
@@ -6900,7 +6932,7 @@
               <a:spcAft>
                 <a:spcPts val="0"/>
               </a:spcAft>
-              <a:buSzPct val="77777"/>
+              <a:buSzPts val="1400"/>
               <a:buNone/>
               <a:defRPr b="0" i="0" sz="1800" u="none" cap="none" strike="noStrike">
                 <a:solidFill>
@@ -6922,7 +6954,7 @@
               <a:spcAft>
                 <a:spcPts val="0"/>
               </a:spcAft>
-              <a:buSzPct val="77777"/>
+              <a:buSzPts val="1400"/>
               <a:buNone/>
               <a:defRPr b="0" i="0" sz="1800" u="none" cap="none" strike="noStrike">
                 <a:solidFill>
@@ -6978,7 +7010,6 @@
               <a:buClr>
                 <a:srgbClr val="898989"/>
               </a:buClr>
-              <a:buSzPct val="25000"/>
               <a:buFont typeface="Calibri"/>
               <a:buNone/>
             </a:pPr>
@@ -7056,7 +7087,7 @@
               <a:spcAft>
                 <a:spcPts val="0"/>
               </a:spcAft>
-              <a:buSzPct val="116666"/>
+              <a:buSzPts val="1400"/>
               <a:buNone/>
               <a:defRPr b="0" i="0" sz="1200" u="none">
                 <a:solidFill>
@@ -7078,7 +7109,7 @@
               <a:spcAft>
                 <a:spcPts val="0"/>
               </a:spcAft>
-              <a:buSzPct val="77777"/>
+              <a:buSzPts val="1400"/>
               <a:buNone/>
               <a:defRPr b="0" i="0" sz="1800" u="none" cap="none" strike="noStrike">
                 <a:solidFill>
@@ -7100,7 +7131,7 @@
               <a:spcAft>
                 <a:spcPts val="0"/>
               </a:spcAft>
-              <a:buSzPct val="77777"/>
+              <a:buSzPts val="1400"/>
               <a:buNone/>
               <a:defRPr b="0" i="0" sz="1800" u="none" cap="none" strike="noStrike">
                 <a:solidFill>
@@ -7122,7 +7153,7 @@
               <a:spcAft>
                 <a:spcPts val="0"/>
               </a:spcAft>
-              <a:buSzPct val="77777"/>
+              <a:buSzPts val="1400"/>
               <a:buNone/>
               <a:defRPr b="0" i="0" sz="1800" u="none" cap="none" strike="noStrike">
                 <a:solidFill>
@@ -7144,7 +7175,7 @@
               <a:spcAft>
                 <a:spcPts val="0"/>
               </a:spcAft>
-              <a:buSzPct val="77777"/>
+              <a:buSzPts val="1400"/>
               <a:buNone/>
               <a:defRPr b="0" i="0" sz="1800" u="none" cap="none" strike="noStrike">
                 <a:solidFill>
@@ -7166,7 +7197,7 @@
               <a:spcAft>
                 <a:spcPts val="0"/>
               </a:spcAft>
-              <a:buSzPct val="77777"/>
+              <a:buSzPts val="1400"/>
               <a:buNone/>
               <a:defRPr b="0" i="0" sz="1800" u="none" cap="none" strike="noStrike">
                 <a:solidFill>
@@ -7188,7 +7219,7 @@
               <a:spcAft>
                 <a:spcPts val="0"/>
               </a:spcAft>
-              <a:buSzPct val="77777"/>
+              <a:buSzPts val="1400"/>
               <a:buNone/>
               <a:defRPr b="0" i="0" sz="1800" u="none" cap="none" strike="noStrike">
                 <a:solidFill>
@@ -7210,7 +7241,7 @@
               <a:spcAft>
                 <a:spcPts val="0"/>
               </a:spcAft>
-              <a:buSzPct val="77777"/>
+              <a:buSzPts val="1400"/>
               <a:buNone/>
               <a:defRPr b="0" i="0" sz="1800" u="none" cap="none" strike="noStrike">
                 <a:solidFill>
@@ -7232,7 +7263,7 @@
               <a:spcAft>
                 <a:spcPts val="0"/>
               </a:spcAft>
-              <a:buSzPct val="77777"/>
+              <a:buSzPts val="1400"/>
               <a:buNone/>
               <a:defRPr b="0" i="0" sz="1800" u="none" cap="none" strike="noStrike">
                 <a:solidFill>
@@ -7282,7 +7313,7 @@
               <a:spcAft>
                 <a:spcPts val="0"/>
               </a:spcAft>
-              <a:buSzPct val="77777"/>
+              <a:buSzPts val="1400"/>
               <a:buNone/>
               <a:defRPr b="0" i="0" sz="1800" u="none">
                 <a:solidFill>
@@ -7304,7 +7335,7 @@
               <a:spcAft>
                 <a:spcPts val="0"/>
               </a:spcAft>
-              <a:buSzPct val="77777"/>
+              <a:buSzPts val="1400"/>
               <a:buNone/>
               <a:defRPr b="0" i="0" sz="1800" u="none" cap="none" strike="noStrike">
                 <a:solidFill>
@@ -7326,7 +7357,7 @@
               <a:spcAft>
                 <a:spcPts val="0"/>
               </a:spcAft>
-              <a:buSzPct val="77777"/>
+              <a:buSzPts val="1400"/>
               <a:buNone/>
               <a:defRPr b="0" i="0" sz="1800" u="none" cap="none" strike="noStrike">
                 <a:solidFill>
@@ -7348,7 +7379,7 @@
               <a:spcAft>
                 <a:spcPts val="0"/>
               </a:spcAft>
-              <a:buSzPct val="77777"/>
+              <a:buSzPts val="1400"/>
               <a:buNone/>
               <a:defRPr b="0" i="0" sz="1800" u="none" cap="none" strike="noStrike">
                 <a:solidFill>
@@ -7370,7 +7401,7 @@
               <a:spcAft>
                 <a:spcPts val="0"/>
               </a:spcAft>
-              <a:buSzPct val="77777"/>
+              <a:buSzPts val="1400"/>
               <a:buNone/>
               <a:defRPr b="0" i="0" sz="1800" u="none" cap="none" strike="noStrike">
                 <a:solidFill>
@@ -7392,7 +7423,7 @@
               <a:spcAft>
                 <a:spcPts val="0"/>
               </a:spcAft>
-              <a:buSzPct val="77777"/>
+              <a:buSzPts val="1400"/>
               <a:buNone/>
               <a:defRPr b="0" i="0" sz="1800" u="none" cap="none" strike="noStrike">
                 <a:solidFill>
@@ -7414,7 +7445,7 @@
               <a:spcAft>
                 <a:spcPts val="0"/>
               </a:spcAft>
-              <a:buSzPct val="77777"/>
+              <a:buSzPts val="1400"/>
               <a:buNone/>
               <a:defRPr b="0" i="0" sz="1800" u="none" cap="none" strike="noStrike">
                 <a:solidFill>
@@ -7436,7 +7467,7 @@
               <a:spcAft>
                 <a:spcPts val="0"/>
               </a:spcAft>
-              <a:buSzPct val="77777"/>
+              <a:buSzPts val="1400"/>
               <a:buNone/>
               <a:defRPr b="0" i="0" sz="1800" u="none" cap="none" strike="noStrike">
                 <a:solidFill>
@@ -7458,7 +7489,7 @@
               <a:spcAft>
                 <a:spcPts val="0"/>
               </a:spcAft>
-              <a:buSzPct val="77777"/>
+              <a:buSzPts val="1400"/>
               <a:buNone/>
               <a:defRPr b="0" i="0" sz="1800" u="none" cap="none" strike="noStrike">
                 <a:solidFill>
@@ -7514,7 +7545,6 @@
               <a:buClr>
                 <a:srgbClr val="898989"/>
               </a:buClr>
-              <a:buSzPct val="25000"/>
               <a:buFont typeface="Calibri"/>
               <a:buNone/>
             </a:pPr>
@@ -7589,7 +7619,7 @@
               <a:spcAft>
                 <a:spcPts val="0"/>
               </a:spcAft>
-              <a:buSzPct val="31818"/>
+              <a:buSzPts val="1400"/>
               <a:buNone/>
               <a:defRPr b="0" i="0" sz="4400" u="none" cap="none" strike="noStrike">
                 <a:solidFill>
@@ -7608,7 +7638,7 @@
               <a:spcAft>
                 <a:spcPts val="0"/>
               </a:spcAft>
-              <a:buSzPct val="31818"/>
+              <a:buSzPts val="1400"/>
               <a:buNone/>
               <a:defRPr b="0" i="0" sz="4400" u="none" cap="none" strike="noStrike">
                 <a:solidFill>
@@ -7627,7 +7657,7 @@
               <a:spcAft>
                 <a:spcPts val="0"/>
               </a:spcAft>
-              <a:buSzPct val="31818"/>
+              <a:buSzPts val="1400"/>
               <a:buNone/>
               <a:defRPr b="0" i="0" sz="4400" u="none" cap="none" strike="noStrike">
                 <a:solidFill>
@@ -7646,7 +7676,7 @@
               <a:spcAft>
                 <a:spcPts val="0"/>
               </a:spcAft>
-              <a:buSzPct val="31818"/>
+              <a:buSzPts val="1400"/>
               <a:buNone/>
               <a:defRPr b="0" i="0" sz="4400" u="none" cap="none" strike="noStrike">
                 <a:solidFill>
@@ -7665,7 +7695,7 @@
               <a:spcAft>
                 <a:spcPts val="0"/>
               </a:spcAft>
-              <a:buSzPct val="31818"/>
+              <a:buSzPts val="1400"/>
               <a:buNone/>
               <a:defRPr b="0" i="0" sz="4400" u="none" cap="none" strike="noStrike">
                 <a:solidFill>
@@ -7684,7 +7714,7 @@
               <a:spcAft>
                 <a:spcPts val="0"/>
               </a:spcAft>
-              <a:buSzPct val="31818"/>
+              <a:buSzPts val="1400"/>
               <a:buNone/>
               <a:defRPr b="0" i="0" sz="4400" u="none" cap="none" strike="noStrike">
                 <a:solidFill>
@@ -7703,7 +7733,7 @@
               <a:spcAft>
                 <a:spcPts val="0"/>
               </a:spcAft>
-              <a:buSzPct val="31818"/>
+              <a:buSzPts val="1400"/>
               <a:buNone/>
               <a:defRPr b="0" i="0" sz="4400" u="none" cap="none" strike="noStrike">
                 <a:solidFill>
@@ -7722,7 +7752,7 @@
               <a:spcAft>
                 <a:spcPts val="0"/>
               </a:spcAft>
-              <a:buSzPct val="31818"/>
+              <a:buSzPts val="1400"/>
               <a:buNone/>
               <a:defRPr b="0" i="0" sz="4400" u="none" cap="none" strike="noStrike">
                 <a:solidFill>
@@ -7741,7 +7771,7 @@
               <a:spcAft>
                 <a:spcPts val="0"/>
               </a:spcAft>
-              <a:buSzPct val="31818"/>
+              <a:buSzPts val="1400"/>
               <a:buNone/>
               <a:defRPr b="0" i="0" sz="4400" u="none" cap="none" strike="noStrike">
                 <a:solidFill>
@@ -7791,7 +7821,7 @@
               <a:spcAft>
                 <a:spcPts val="0"/>
               </a:spcAft>
-              <a:buSzPct val="116666"/>
+              <a:buSzPts val="1400"/>
               <a:buNone/>
               <a:defRPr b="0" i="0" sz="1200" u="none">
                 <a:solidFill>
@@ -7813,7 +7843,7 @@
               <a:spcAft>
                 <a:spcPts val="0"/>
               </a:spcAft>
-              <a:buSzPct val="77777"/>
+              <a:buSzPts val="1400"/>
               <a:buNone/>
               <a:defRPr b="0" i="0" sz="1800" u="none" cap="none" strike="noStrike">
                 <a:solidFill>
@@ -7835,7 +7865,7 @@
               <a:spcAft>
                 <a:spcPts val="0"/>
               </a:spcAft>
-              <a:buSzPct val="77777"/>
+              <a:buSzPts val="1400"/>
               <a:buNone/>
               <a:defRPr b="0" i="0" sz="1800" u="none" cap="none" strike="noStrike">
                 <a:solidFill>
@@ -7857,7 +7887,7 @@
               <a:spcAft>
                 <a:spcPts val="0"/>
               </a:spcAft>
-              <a:buSzPct val="77777"/>
+              <a:buSzPts val="1400"/>
               <a:buNone/>
               <a:defRPr b="0" i="0" sz="1800" u="none" cap="none" strike="noStrike">
                 <a:solidFill>
@@ -7879,7 +7909,7 @@
               <a:spcAft>
                 <a:spcPts val="0"/>
               </a:spcAft>
-              <a:buSzPct val="77777"/>
+              <a:buSzPts val="1400"/>
               <a:buNone/>
               <a:defRPr b="0" i="0" sz="1800" u="none" cap="none" strike="noStrike">
                 <a:solidFill>
@@ -7901,7 +7931,7 @@
               <a:spcAft>
                 <a:spcPts val="0"/>
               </a:spcAft>
-              <a:buSzPct val="77777"/>
+              <a:buSzPts val="1400"/>
               <a:buNone/>
               <a:defRPr b="0" i="0" sz="1800" u="none" cap="none" strike="noStrike">
                 <a:solidFill>
@@ -7923,7 +7953,7 @@
               <a:spcAft>
                 <a:spcPts val="0"/>
               </a:spcAft>
-              <a:buSzPct val="77777"/>
+              <a:buSzPts val="1400"/>
               <a:buNone/>
               <a:defRPr b="0" i="0" sz="1800" u="none" cap="none" strike="noStrike">
                 <a:solidFill>
@@ -7945,7 +7975,7 @@
               <a:spcAft>
                 <a:spcPts val="0"/>
               </a:spcAft>
-              <a:buSzPct val="77777"/>
+              <a:buSzPts val="1400"/>
               <a:buNone/>
               <a:defRPr b="0" i="0" sz="1800" u="none" cap="none" strike="noStrike">
                 <a:solidFill>
@@ -7967,7 +7997,7 @@
               <a:spcAft>
                 <a:spcPts val="0"/>
               </a:spcAft>
-              <a:buSzPct val="77777"/>
+              <a:buSzPts val="1400"/>
               <a:buNone/>
               <a:defRPr b="0" i="0" sz="1800" u="none" cap="none" strike="noStrike">
                 <a:solidFill>
@@ -8017,7 +8047,7 @@
               <a:spcAft>
                 <a:spcPts val="0"/>
               </a:spcAft>
-              <a:buSzPct val="77777"/>
+              <a:buSzPts val="1400"/>
               <a:buNone/>
               <a:defRPr b="0" i="0" sz="1800" u="none">
                 <a:solidFill>
@@ -8039,7 +8069,7 @@
               <a:spcAft>
                 <a:spcPts val="0"/>
               </a:spcAft>
-              <a:buSzPct val="77777"/>
+              <a:buSzPts val="1400"/>
               <a:buNone/>
               <a:defRPr b="0" i="0" sz="1800" u="none" cap="none" strike="noStrike">
                 <a:solidFill>
@@ -8061,7 +8091,7 @@
               <a:spcAft>
                 <a:spcPts val="0"/>
               </a:spcAft>
-              <a:buSzPct val="77777"/>
+              <a:buSzPts val="1400"/>
               <a:buNone/>
               <a:defRPr b="0" i="0" sz="1800" u="none" cap="none" strike="noStrike">
                 <a:solidFill>
@@ -8083,7 +8113,7 @@
               <a:spcAft>
                 <a:spcPts val="0"/>
               </a:spcAft>
-              <a:buSzPct val="77777"/>
+              <a:buSzPts val="1400"/>
               <a:buNone/>
               <a:defRPr b="0" i="0" sz="1800" u="none" cap="none" strike="noStrike">
                 <a:solidFill>
@@ -8105,7 +8135,7 @@
               <a:spcAft>
                 <a:spcPts val="0"/>
               </a:spcAft>
-              <a:buSzPct val="77777"/>
+              <a:buSzPts val="1400"/>
               <a:buNone/>
               <a:defRPr b="0" i="0" sz="1800" u="none" cap="none" strike="noStrike">
                 <a:solidFill>
@@ -8127,7 +8157,7 @@
               <a:spcAft>
                 <a:spcPts val="0"/>
               </a:spcAft>
-              <a:buSzPct val="77777"/>
+              <a:buSzPts val="1400"/>
               <a:buNone/>
               <a:defRPr b="0" i="0" sz="1800" u="none" cap="none" strike="noStrike">
                 <a:solidFill>
@@ -8149,7 +8179,7 @@
               <a:spcAft>
                 <a:spcPts val="0"/>
               </a:spcAft>
-              <a:buSzPct val="77777"/>
+              <a:buSzPts val="1400"/>
               <a:buNone/>
               <a:defRPr b="0" i="0" sz="1800" u="none" cap="none" strike="noStrike">
                 <a:solidFill>
@@ -8171,7 +8201,7 @@
               <a:spcAft>
                 <a:spcPts val="0"/>
               </a:spcAft>
-              <a:buSzPct val="77777"/>
+              <a:buSzPts val="1400"/>
               <a:buNone/>
               <a:defRPr b="0" i="0" sz="1800" u="none" cap="none" strike="noStrike">
                 <a:solidFill>
@@ -8193,7 +8223,7 @@
               <a:spcAft>
                 <a:spcPts val="0"/>
               </a:spcAft>
-              <a:buSzPct val="77777"/>
+              <a:buSzPts val="1400"/>
               <a:buNone/>
               <a:defRPr b="0" i="0" sz="1800" u="none" cap="none" strike="noStrike">
                 <a:solidFill>
@@ -8249,7 +8279,6 @@
               <a:buClr>
                 <a:srgbClr val="898989"/>
               </a:buClr>
-              <a:buSzPct val="25000"/>
               <a:buFont typeface="Calibri"/>
               <a:buNone/>
             </a:pPr>
@@ -8324,7 +8353,7 @@
               <a:spcAft>
                 <a:spcPts val="0"/>
               </a:spcAft>
-              <a:buSzPct val="31818"/>
+              <a:buSzPts val="1400"/>
               <a:buNone/>
               <a:defRPr b="0" i="0" sz="4400" u="none" cap="none" strike="noStrike">
                 <a:solidFill>
@@ -8343,7 +8372,7 @@
               <a:spcAft>
                 <a:spcPts val="0"/>
               </a:spcAft>
-              <a:buSzPct val="31818"/>
+              <a:buSzPts val="1400"/>
               <a:buNone/>
               <a:defRPr b="0" i="0" sz="4400" u="none" cap="none" strike="noStrike">
                 <a:solidFill>
@@ -8362,7 +8391,7 @@
               <a:spcAft>
                 <a:spcPts val="0"/>
               </a:spcAft>
-              <a:buSzPct val="31818"/>
+              <a:buSzPts val="1400"/>
               <a:buNone/>
               <a:defRPr b="0" i="0" sz="4400" u="none" cap="none" strike="noStrike">
                 <a:solidFill>
@@ -8381,7 +8410,7 @@
               <a:spcAft>
                 <a:spcPts val="0"/>
               </a:spcAft>
-              <a:buSzPct val="31818"/>
+              <a:buSzPts val="1400"/>
               <a:buNone/>
               <a:defRPr b="0" i="0" sz="4400" u="none" cap="none" strike="noStrike">
                 <a:solidFill>
@@ -8400,7 +8429,7 @@
               <a:spcAft>
                 <a:spcPts val="0"/>
               </a:spcAft>
-              <a:buSzPct val="31818"/>
+              <a:buSzPts val="1400"/>
               <a:buNone/>
               <a:defRPr b="0" i="0" sz="4400" u="none" cap="none" strike="noStrike">
                 <a:solidFill>
@@ -8419,7 +8448,7 @@
               <a:spcAft>
                 <a:spcPts val="0"/>
               </a:spcAft>
-              <a:buSzPct val="31818"/>
+              <a:buSzPts val="1400"/>
               <a:buNone/>
               <a:defRPr b="0" i="0" sz="4400" u="none" cap="none" strike="noStrike">
                 <a:solidFill>
@@ -8438,7 +8467,7 @@
               <a:spcAft>
                 <a:spcPts val="0"/>
               </a:spcAft>
-              <a:buSzPct val="31818"/>
+              <a:buSzPts val="1400"/>
               <a:buNone/>
               <a:defRPr b="0" i="0" sz="4400" u="none" cap="none" strike="noStrike">
                 <a:solidFill>
@@ -8457,7 +8486,7 @@
               <a:spcAft>
                 <a:spcPts val="0"/>
               </a:spcAft>
-              <a:buSzPct val="31818"/>
+              <a:buSzPts val="1400"/>
               <a:buNone/>
               <a:defRPr b="0" i="0" sz="4400" u="none" cap="none" strike="noStrike">
                 <a:solidFill>
@@ -8476,7 +8505,7 @@
               <a:spcAft>
                 <a:spcPts val="0"/>
               </a:spcAft>
-              <a:buSzPct val="31818"/>
+              <a:buSzPts val="1400"/>
               <a:buNone/>
               <a:defRPr b="0" i="0" sz="4400" u="none" cap="none" strike="noStrike">
                 <a:solidFill>
@@ -8526,7 +8555,7 @@
               <a:buClr>
                 <a:schemeClr val="dk1"/>
               </a:buClr>
-              <a:buSzPct val="133333"/>
+              <a:buSzPts val="3200"/>
               <a:buFont typeface="Arial"/>
               <a:buNone/>
               <a:defRPr b="1" sz="2400">
@@ -8549,7 +8578,7 @@
               <a:buClr>
                 <a:schemeClr val="dk1"/>
               </a:buClr>
-              <a:buSzPct val="140000"/>
+              <a:buSzPts val="2800"/>
               <a:buFont typeface="Arial"/>
               <a:buNone/>
               <a:defRPr b="1" i="0" sz="2000" u="none" cap="none" strike="noStrike">
@@ -8572,7 +8601,7 @@
               <a:buClr>
                 <a:schemeClr val="dk1"/>
               </a:buClr>
-              <a:buSzPct val="133333"/>
+              <a:buSzPts val="2400"/>
               <a:buFont typeface="Arial"/>
               <a:buNone/>
               <a:defRPr b="1" i="0" sz="1800" u="none" cap="none" strike="noStrike">
@@ -8595,7 +8624,7 @@
               <a:buClr>
                 <a:schemeClr val="dk1"/>
               </a:buClr>
-              <a:buSzPct val="125000"/>
+              <a:buSzPts val="2000"/>
               <a:buFont typeface="Arial"/>
               <a:buNone/>
               <a:defRPr b="1" i="0" sz="1600" u="none" cap="none" strike="noStrike">
@@ -8618,7 +8647,7 @@
               <a:buClr>
                 <a:schemeClr val="dk1"/>
               </a:buClr>
-              <a:buSzPct val="125000"/>
+              <a:buSzPts val="2000"/>
               <a:buFont typeface="Arial"/>
               <a:buNone/>
               <a:defRPr b="1" i="0" sz="1600" u="none" cap="none" strike="noStrike">
@@ -8638,7 +8667,7 @@
               <a:buClr>
                 <a:schemeClr val="dk1"/>
               </a:buClr>
-              <a:buSzPct val="125000"/>
+              <a:buSzPts val="2000"/>
               <a:buFont typeface="Arial"/>
               <a:buNone/>
               <a:defRPr b="1" i="0" sz="1600" u="none" cap="none" strike="noStrike">
@@ -8658,7 +8687,7 @@
               <a:buClr>
                 <a:schemeClr val="dk1"/>
               </a:buClr>
-              <a:buSzPct val="125000"/>
+              <a:buSzPts val="2000"/>
               <a:buFont typeface="Arial"/>
               <a:buNone/>
               <a:defRPr b="1" i="0" sz="1600" u="none" cap="none" strike="noStrike">
@@ -8678,7 +8707,7 @@
               <a:buClr>
                 <a:schemeClr val="dk1"/>
               </a:buClr>
-              <a:buSzPct val="125000"/>
+              <a:buSzPts val="2000"/>
               <a:buFont typeface="Arial"/>
               <a:buNone/>
               <a:defRPr b="1" i="0" sz="1600" u="none" cap="none" strike="noStrike">
@@ -8698,7 +8727,7 @@
               <a:buClr>
                 <a:schemeClr val="dk1"/>
               </a:buClr>
-              <a:buSzPct val="125000"/>
+              <a:buSzPts val="2000"/>
               <a:buFont typeface="Arial"/>
               <a:buNone/>
               <a:defRPr b="1" i="0" sz="1600" u="none" cap="none" strike="noStrike">
@@ -8749,7 +8778,7 @@
               <a:buClr>
                 <a:schemeClr val="dk1"/>
               </a:buClr>
-              <a:buSzPct val="100000"/>
+              <a:buSzPts val="2400"/>
               <a:buFont typeface="Arial"/>
               <a:buChar char="•"/>
               <a:defRPr sz="2400">
@@ -8772,7 +8801,7 @@
               <a:buClr>
                 <a:schemeClr val="dk1"/>
               </a:buClr>
-              <a:buSzPct val="100000"/>
+              <a:buSzPts val="2000"/>
               <a:buFont typeface="Arial"/>
               <a:buChar char="–"/>
               <a:defRPr b="0" i="0" sz="2000" u="none" cap="none" strike="noStrike">
@@ -8795,7 +8824,7 @@
               <a:buClr>
                 <a:schemeClr val="dk1"/>
               </a:buClr>
-              <a:buSzPct val="100000"/>
+              <a:buSzPts val="1800"/>
               <a:buFont typeface="Arial"/>
               <a:buChar char="•"/>
               <a:defRPr b="0" i="0" sz="1800" u="none" cap="none" strike="noStrike">
@@ -8818,7 +8847,7 @@
               <a:buClr>
                 <a:schemeClr val="dk1"/>
               </a:buClr>
-              <a:buSzPct val="100000"/>
+              <a:buSzPts val="1600"/>
               <a:buFont typeface="Arial"/>
               <a:buChar char="–"/>
               <a:defRPr b="0" i="0" sz="1600" u="none" cap="none" strike="noStrike">
@@ -8841,7 +8870,7 @@
               <a:buClr>
                 <a:schemeClr val="dk1"/>
               </a:buClr>
-              <a:buSzPct val="100000"/>
+              <a:buSzPts val="1600"/>
               <a:buFont typeface="Arial"/>
               <a:buChar char="»"/>
               <a:defRPr b="0" i="0" sz="1600" u="none" cap="none" strike="noStrike">
@@ -8861,7 +8890,7 @@
               <a:buClr>
                 <a:schemeClr val="dk1"/>
               </a:buClr>
-              <a:buSzPct val="100000"/>
+              <a:buSzPts val="1600"/>
               <a:buFont typeface="Arial"/>
               <a:buChar char="•"/>
               <a:defRPr b="0" i="0" sz="1600" u="none" cap="none" strike="noStrike">
@@ -8881,7 +8910,7 @@
               <a:buClr>
                 <a:schemeClr val="dk1"/>
               </a:buClr>
-              <a:buSzPct val="100000"/>
+              <a:buSzPts val="1600"/>
               <a:buFont typeface="Arial"/>
               <a:buChar char="•"/>
               <a:defRPr b="0" i="0" sz="1600" u="none" cap="none" strike="noStrike">
@@ -8901,7 +8930,7 @@
               <a:buClr>
                 <a:schemeClr val="dk1"/>
               </a:buClr>
-              <a:buSzPct val="100000"/>
+              <a:buSzPts val="1600"/>
               <a:buFont typeface="Arial"/>
               <a:buChar char="•"/>
               <a:defRPr b="0" i="0" sz="1600" u="none" cap="none" strike="noStrike">
@@ -8921,7 +8950,7 @@
               <a:buClr>
                 <a:schemeClr val="dk1"/>
               </a:buClr>
-              <a:buSzPct val="100000"/>
+              <a:buSzPts val="1600"/>
               <a:buFont typeface="Arial"/>
               <a:buChar char="•"/>
               <a:defRPr b="0" i="0" sz="1600" u="none" cap="none" strike="noStrike">
@@ -8972,7 +9001,7 @@
               <a:buClr>
                 <a:schemeClr val="dk1"/>
               </a:buClr>
-              <a:buSzPct val="133333"/>
+              <a:buSzPts val="3200"/>
               <a:buFont typeface="Arial"/>
               <a:buNone/>
               <a:defRPr b="1" sz="2400">
@@ -8995,7 +9024,7 @@
               <a:buClr>
                 <a:schemeClr val="dk1"/>
               </a:buClr>
-              <a:buSzPct val="140000"/>
+              <a:buSzPts val="2800"/>
               <a:buFont typeface="Arial"/>
               <a:buNone/>
               <a:defRPr b="1" i="0" sz="2000" u="none" cap="none" strike="noStrike">
@@ -9018,7 +9047,7 @@
               <a:buClr>
                 <a:schemeClr val="dk1"/>
               </a:buClr>
-              <a:buSzPct val="133333"/>
+              <a:buSzPts val="2400"/>
               <a:buFont typeface="Arial"/>
               <a:buNone/>
               <a:defRPr b="1" i="0" sz="1800" u="none" cap="none" strike="noStrike">
@@ -9041,7 +9070,7 @@
               <a:buClr>
                 <a:schemeClr val="dk1"/>
               </a:buClr>
-              <a:buSzPct val="125000"/>
+              <a:buSzPts val="2000"/>
               <a:buFont typeface="Arial"/>
               <a:buNone/>
               <a:defRPr b="1" i="0" sz="1600" u="none" cap="none" strike="noStrike">
@@ -9064,7 +9093,7 @@
               <a:buClr>
                 <a:schemeClr val="dk1"/>
               </a:buClr>
-              <a:buSzPct val="125000"/>
+              <a:buSzPts val="2000"/>
               <a:buFont typeface="Arial"/>
               <a:buNone/>
               <a:defRPr b="1" i="0" sz="1600" u="none" cap="none" strike="noStrike">
@@ -9084,7 +9113,7 @@
               <a:buClr>
                 <a:schemeClr val="dk1"/>
               </a:buClr>
-              <a:buSzPct val="125000"/>
+              <a:buSzPts val="2000"/>
               <a:buFont typeface="Arial"/>
               <a:buNone/>
               <a:defRPr b="1" i="0" sz="1600" u="none" cap="none" strike="noStrike">
@@ -9104,7 +9133,7 @@
               <a:buClr>
                 <a:schemeClr val="dk1"/>
               </a:buClr>
-              <a:buSzPct val="125000"/>
+              <a:buSzPts val="2000"/>
               <a:buFont typeface="Arial"/>
               <a:buNone/>
               <a:defRPr b="1" i="0" sz="1600" u="none" cap="none" strike="noStrike">
@@ -9124,7 +9153,7 @@
               <a:buClr>
                 <a:schemeClr val="dk1"/>
               </a:buClr>
-              <a:buSzPct val="125000"/>
+              <a:buSzPts val="2000"/>
               <a:buFont typeface="Arial"/>
               <a:buNone/>
               <a:defRPr b="1" i="0" sz="1600" u="none" cap="none" strike="noStrike">
@@ -9144,7 +9173,7 @@
               <a:buClr>
                 <a:schemeClr val="dk1"/>
               </a:buClr>
-              <a:buSzPct val="125000"/>
+              <a:buSzPts val="2000"/>
               <a:buFont typeface="Arial"/>
               <a:buNone/>
               <a:defRPr b="1" i="0" sz="1600" u="none" cap="none" strike="noStrike">
@@ -9195,7 +9224,7 @@
               <a:buClr>
                 <a:schemeClr val="dk1"/>
               </a:buClr>
-              <a:buSzPct val="100000"/>
+              <a:buSzPts val="2400"/>
               <a:buFont typeface="Arial"/>
               <a:buChar char="•"/>
               <a:defRPr sz="2400">
@@ -9218,7 +9247,7 @@
               <a:buClr>
                 <a:schemeClr val="dk1"/>
               </a:buClr>
-              <a:buSzPct val="100000"/>
+              <a:buSzPts val="2000"/>
               <a:buFont typeface="Arial"/>
               <a:buChar char="–"/>
               <a:defRPr b="0" i="0" sz="2000" u="none" cap="none" strike="noStrike">
@@ -9241,7 +9270,7 @@
               <a:buClr>
                 <a:schemeClr val="dk1"/>
               </a:buClr>
-              <a:buSzPct val="100000"/>
+              <a:buSzPts val="1800"/>
               <a:buFont typeface="Arial"/>
               <a:buChar char="•"/>
               <a:defRPr b="0" i="0" sz="1800" u="none" cap="none" strike="noStrike">
@@ -9264,7 +9293,7 @@
               <a:buClr>
                 <a:schemeClr val="dk1"/>
               </a:buClr>
-              <a:buSzPct val="100000"/>
+              <a:buSzPts val="1600"/>
               <a:buFont typeface="Arial"/>
               <a:buChar char="–"/>
               <a:defRPr b="0" i="0" sz="1600" u="none" cap="none" strike="noStrike">
@@ -9287,7 +9316,7 @@
               <a:buClr>
                 <a:schemeClr val="dk1"/>
               </a:buClr>
-              <a:buSzPct val="100000"/>
+              <a:buSzPts val="1600"/>
               <a:buFont typeface="Arial"/>
               <a:buChar char="»"/>
               <a:defRPr b="0" i="0" sz="1600" u="none" cap="none" strike="noStrike">
@@ -9307,7 +9336,7 @@
               <a:buClr>
                 <a:schemeClr val="dk1"/>
               </a:buClr>
-              <a:buSzPct val="100000"/>
+              <a:buSzPts val="1600"/>
               <a:buFont typeface="Arial"/>
               <a:buChar char="•"/>
               <a:defRPr b="0" i="0" sz="1600" u="none" cap="none" strike="noStrike">
@@ -9327,7 +9356,7 @@
               <a:buClr>
                 <a:schemeClr val="dk1"/>
               </a:buClr>
-              <a:buSzPct val="100000"/>
+              <a:buSzPts val="1600"/>
               <a:buFont typeface="Arial"/>
               <a:buChar char="•"/>
               <a:defRPr b="0" i="0" sz="1600" u="none" cap="none" strike="noStrike">
@@ -9347,7 +9376,7 @@
               <a:buClr>
                 <a:schemeClr val="dk1"/>
               </a:buClr>
-              <a:buSzPct val="100000"/>
+              <a:buSzPts val="1600"/>
               <a:buFont typeface="Arial"/>
               <a:buChar char="•"/>
               <a:defRPr b="0" i="0" sz="1600" u="none" cap="none" strike="noStrike">
@@ -9367,7 +9396,7 @@
               <a:buClr>
                 <a:schemeClr val="dk1"/>
               </a:buClr>
-              <a:buSzPct val="100000"/>
+              <a:buSzPts val="1600"/>
               <a:buFont typeface="Arial"/>
               <a:buChar char="•"/>
               <a:defRPr b="0" i="0" sz="1600" u="none" cap="none" strike="noStrike">
@@ -9418,7 +9447,7 @@
               <a:spcAft>
                 <a:spcPts val="0"/>
               </a:spcAft>
-              <a:buSzPct val="116666"/>
+              <a:buSzPts val="1400"/>
               <a:buNone/>
               <a:defRPr b="0" i="0" sz="1200" u="none">
                 <a:solidFill>
@@ -9440,7 +9469,7 @@
               <a:spcAft>
                 <a:spcPts val="0"/>
               </a:spcAft>
-              <a:buSzPct val="77777"/>
+              <a:buSzPts val="1400"/>
               <a:buNone/>
               <a:defRPr b="0" i="0" sz="1800" u="none" cap="none" strike="noStrike">
                 <a:solidFill>
@@ -9462,7 +9491,7 @@
               <a:spcAft>
                 <a:spcPts val="0"/>
               </a:spcAft>
-              <a:buSzPct val="77777"/>
+              <a:buSzPts val="1400"/>
               <a:buNone/>
               <a:defRPr b="0" i="0" sz="1800" u="none" cap="none" strike="noStrike">
                 <a:solidFill>
@@ -9484,7 +9513,7 @@
               <a:spcAft>
                 <a:spcPts val="0"/>
               </a:spcAft>
-              <a:buSzPct val="77777"/>
+              <a:buSzPts val="1400"/>
               <a:buNone/>
               <a:defRPr b="0" i="0" sz="1800" u="none" cap="none" strike="noStrike">
                 <a:solidFill>
@@ -9506,7 +9535,7 @@
               <a:spcAft>
                 <a:spcPts val="0"/>
               </a:spcAft>
-              <a:buSzPct val="77777"/>
+              <a:buSzPts val="1400"/>
               <a:buNone/>
               <a:defRPr b="0" i="0" sz="1800" u="none" cap="none" strike="noStrike">
                 <a:solidFill>
@@ -9528,7 +9557,7 @@
               <a:spcAft>
                 <a:spcPts val="0"/>
               </a:spcAft>
-              <a:buSzPct val="77777"/>
+              <a:buSzPts val="1400"/>
               <a:buNone/>
               <a:defRPr b="0" i="0" sz="1800" u="none" cap="none" strike="noStrike">
                 <a:solidFill>
@@ -9550,7 +9579,7 @@
               <a:spcAft>
                 <a:spcPts val="0"/>
               </a:spcAft>
-              <a:buSzPct val="77777"/>
+              <a:buSzPts val="1400"/>
               <a:buNone/>
               <a:defRPr b="0" i="0" sz="1800" u="none" cap="none" strike="noStrike">
                 <a:solidFill>
@@ -9572,7 +9601,7 @@
               <a:spcAft>
                 <a:spcPts val="0"/>
               </a:spcAft>
-              <a:buSzPct val="77777"/>
+              <a:buSzPts val="1400"/>
               <a:buNone/>
               <a:defRPr b="0" i="0" sz="1800" u="none" cap="none" strike="noStrike">
                 <a:solidFill>
@@ -9594,7 +9623,7 @@
               <a:spcAft>
                 <a:spcPts val="0"/>
               </a:spcAft>
-              <a:buSzPct val="77777"/>
+              <a:buSzPts val="1400"/>
               <a:buNone/>
               <a:defRPr b="0" i="0" sz="1800" u="none" cap="none" strike="noStrike">
                 <a:solidFill>
@@ -9644,7 +9673,7 @@
               <a:spcAft>
                 <a:spcPts val="0"/>
               </a:spcAft>
-              <a:buSzPct val="77777"/>
+              <a:buSzPts val="1400"/>
               <a:buNone/>
               <a:defRPr b="0" i="0" sz="1800" u="none">
                 <a:solidFill>
@@ -9666,7 +9695,7 @@
               <a:spcAft>
                 <a:spcPts val="0"/>
               </a:spcAft>
-              <a:buSzPct val="77777"/>
+              <a:buSzPts val="1400"/>
               <a:buNone/>
               <a:defRPr b="0" i="0" sz="1800" u="none" cap="none" strike="noStrike">
                 <a:solidFill>
@@ -9688,7 +9717,7 @@
               <a:spcAft>
                 <a:spcPts val="0"/>
               </a:spcAft>
-              <a:buSzPct val="77777"/>
+              <a:buSzPts val="1400"/>
               <a:buNone/>
               <a:defRPr b="0" i="0" sz="1800" u="none" cap="none" strike="noStrike">
                 <a:solidFill>
@@ -9710,7 +9739,7 @@
               <a:spcAft>
                 <a:spcPts val="0"/>
               </a:spcAft>
-              <a:buSzPct val="77777"/>
+              <a:buSzPts val="1400"/>
               <a:buNone/>
               <a:defRPr b="0" i="0" sz="1800" u="none" cap="none" strike="noStrike">
                 <a:solidFill>
@@ -9732,7 +9761,7 @@
               <a:spcAft>
                 <a:spcPts val="0"/>
               </a:spcAft>
-              <a:buSzPct val="77777"/>
+              <a:buSzPts val="1400"/>
               <a:buNone/>
               <a:defRPr b="0" i="0" sz="1800" u="none" cap="none" strike="noStrike">
                 <a:solidFill>
@@ -9754,7 +9783,7 @@
               <a:spcAft>
                 <a:spcPts val="0"/>
               </a:spcAft>
-              <a:buSzPct val="77777"/>
+              <a:buSzPts val="1400"/>
               <a:buNone/>
               <a:defRPr b="0" i="0" sz="1800" u="none" cap="none" strike="noStrike">
                 <a:solidFill>
@@ -9776,7 +9805,7 @@
               <a:spcAft>
                 <a:spcPts val="0"/>
               </a:spcAft>
-              <a:buSzPct val="77777"/>
+              <a:buSzPts val="1400"/>
               <a:buNone/>
               <a:defRPr b="0" i="0" sz="1800" u="none" cap="none" strike="noStrike">
                 <a:solidFill>
@@ -9798,7 +9827,7 @@
               <a:spcAft>
                 <a:spcPts val="0"/>
               </a:spcAft>
-              <a:buSzPct val="77777"/>
+              <a:buSzPts val="1400"/>
               <a:buNone/>
               <a:defRPr b="0" i="0" sz="1800" u="none" cap="none" strike="noStrike">
                 <a:solidFill>
@@ -9820,7 +9849,7 @@
               <a:spcAft>
                 <a:spcPts val="0"/>
               </a:spcAft>
-              <a:buSzPct val="77777"/>
+              <a:buSzPts val="1400"/>
               <a:buNone/>
               <a:defRPr b="0" i="0" sz="1800" u="none" cap="none" strike="noStrike">
                 <a:solidFill>
@@ -9876,7 +9905,6 @@
               <a:buClr>
                 <a:srgbClr val="898989"/>
               </a:buClr>
-              <a:buSzPct val="25000"/>
               <a:buFont typeface="Calibri"/>
               <a:buNone/>
             </a:pPr>
@@ -9944,63 +9972,72 @@
               <a:spcBef>
                 <a:spcPts val="0"/>
               </a:spcBef>
-              <a:buSzPct val="100000"/>
+              <a:buSzPts val="3600"/>
+              <a:buNone/>
               <a:defRPr sz="3600"/>
             </a:lvl1pPr>
             <a:lvl2pPr lvl="1" algn="ctr">
               <a:spcBef>
                 <a:spcPts val="0"/>
               </a:spcBef>
-              <a:buSzPct val="100000"/>
+              <a:buSzPts val="3600"/>
+              <a:buNone/>
               <a:defRPr sz="3600"/>
             </a:lvl2pPr>
             <a:lvl3pPr lvl="2" algn="ctr">
               <a:spcBef>
                 <a:spcPts val="0"/>
               </a:spcBef>
-              <a:buSzPct val="100000"/>
+              <a:buSzPts val="3600"/>
+              <a:buNone/>
               <a:defRPr sz="3600"/>
             </a:lvl3pPr>
             <a:lvl4pPr lvl="3" algn="ctr">
               <a:spcBef>
                 <a:spcPts val="0"/>
               </a:spcBef>
-              <a:buSzPct val="100000"/>
+              <a:buSzPts val="3600"/>
+              <a:buNone/>
               <a:defRPr sz="3600"/>
             </a:lvl4pPr>
             <a:lvl5pPr lvl="4" algn="ctr">
               <a:spcBef>
                 <a:spcPts val="0"/>
               </a:spcBef>
-              <a:buSzPct val="100000"/>
+              <a:buSzPts val="3600"/>
+              <a:buNone/>
               <a:defRPr sz="3600"/>
             </a:lvl5pPr>
             <a:lvl6pPr lvl="5" algn="ctr">
               <a:spcBef>
                 <a:spcPts val="0"/>
               </a:spcBef>
-              <a:buSzPct val="100000"/>
+              <a:buSzPts val="3600"/>
+              <a:buNone/>
               <a:defRPr sz="3600"/>
             </a:lvl6pPr>
             <a:lvl7pPr lvl="6" algn="ctr">
               <a:spcBef>
                 <a:spcPts val="0"/>
               </a:spcBef>
-              <a:buSzPct val="100000"/>
+              <a:buSzPts val="3600"/>
+              <a:buNone/>
               <a:defRPr sz="3600"/>
             </a:lvl7pPr>
             <a:lvl8pPr lvl="7" algn="ctr">
               <a:spcBef>
                 <a:spcPts val="0"/>
               </a:spcBef>
-              <a:buSzPct val="100000"/>
+              <a:buSzPts val="3600"/>
+              <a:buNone/>
               <a:defRPr sz="3600"/>
             </a:lvl8pPr>
             <a:lvl9pPr lvl="8" algn="ctr">
               <a:spcBef>
                 <a:spcPts val="0"/>
               </a:spcBef>
-              <a:buSzPct val="100000"/>
+              <a:buSzPts val="3600"/>
+              <a:buNone/>
               <a:defRPr sz="3600"/>
             </a:lvl9pPr>
           </a:lstStyle>
@@ -10030,7 +10067,7 @@
           </a:bodyPr>
           <a:lstStyle/>
           <a:p>
-            <a:pPr lvl="0">
+            <a:pPr indent="0" lvl="0" marL="0">
               <a:spcBef>
                 <a:spcPts val="0"/>
               </a:spcBef>
@@ -10099,7 +10136,7 @@
               <a:spcAft>
                 <a:spcPts val="0"/>
               </a:spcAft>
-              <a:buSzPct val="31818"/>
+              <a:buSzPts val="1400"/>
               <a:buNone/>
               <a:defRPr b="0" i="0" sz="4400" u="none" cap="none" strike="noStrike">
                 <a:solidFill>
@@ -10118,7 +10155,7 @@
               <a:spcAft>
                 <a:spcPts val="0"/>
               </a:spcAft>
-              <a:buSzPct val="31818"/>
+              <a:buSzPts val="1400"/>
               <a:buNone/>
               <a:defRPr b="0" i="0" sz="4400" u="none" cap="none" strike="noStrike">
                 <a:solidFill>
@@ -10137,7 +10174,7 @@
               <a:spcAft>
                 <a:spcPts val="0"/>
               </a:spcAft>
-              <a:buSzPct val="31818"/>
+              <a:buSzPts val="1400"/>
               <a:buNone/>
               <a:defRPr b="0" i="0" sz="4400" u="none" cap="none" strike="noStrike">
                 <a:solidFill>
@@ -10156,7 +10193,7 @@
               <a:spcAft>
                 <a:spcPts val="0"/>
               </a:spcAft>
-              <a:buSzPct val="31818"/>
+              <a:buSzPts val="1400"/>
               <a:buNone/>
               <a:defRPr b="0" i="0" sz="4400" u="none" cap="none" strike="noStrike">
                 <a:solidFill>
@@ -10175,7 +10212,7 @@
               <a:spcAft>
                 <a:spcPts val="0"/>
               </a:spcAft>
-              <a:buSzPct val="31818"/>
+              <a:buSzPts val="1400"/>
               <a:buNone/>
               <a:defRPr b="0" i="0" sz="4400" u="none" cap="none" strike="noStrike">
                 <a:solidFill>
@@ -10194,7 +10231,7 @@
               <a:spcAft>
                 <a:spcPts val="0"/>
               </a:spcAft>
-              <a:buSzPct val="31818"/>
+              <a:buSzPts val="1400"/>
               <a:buNone/>
               <a:defRPr b="0" i="0" sz="4400" u="none" cap="none" strike="noStrike">
                 <a:solidFill>
@@ -10213,7 +10250,7 @@
               <a:spcAft>
                 <a:spcPts val="0"/>
               </a:spcAft>
-              <a:buSzPct val="31818"/>
+              <a:buSzPts val="1400"/>
               <a:buNone/>
               <a:defRPr b="0" i="0" sz="4400" u="none" cap="none" strike="noStrike">
                 <a:solidFill>
@@ -10232,7 +10269,7 @@
               <a:spcAft>
                 <a:spcPts val="0"/>
               </a:spcAft>
-              <a:buSzPct val="31818"/>
+              <a:buSzPts val="1400"/>
               <a:buNone/>
               <a:defRPr b="0" i="0" sz="4400" u="none" cap="none" strike="noStrike">
                 <a:solidFill>
@@ -10251,7 +10288,7 @@
               <a:spcAft>
                 <a:spcPts val="0"/>
               </a:spcAft>
-              <a:buSzPct val="31818"/>
+              <a:buSzPts val="1400"/>
               <a:buNone/>
               <a:defRPr b="0" i="0" sz="4400" u="none" cap="none" strike="noStrike">
                 <a:solidFill>
@@ -10301,7 +10338,7 @@
               <a:buClr>
                 <a:schemeClr val="dk1"/>
               </a:buClr>
-              <a:buSzPct val="100000"/>
+              <a:buSzPts val="2800"/>
               <a:buFont typeface="Arial"/>
               <a:buChar char="•"/>
               <a:defRPr sz="2800">
@@ -10324,7 +10361,7 @@
               <a:buClr>
                 <a:schemeClr val="dk1"/>
               </a:buClr>
-              <a:buSzPct val="100000"/>
+              <a:buSzPts val="2400"/>
               <a:buFont typeface="Arial"/>
               <a:buChar char="–"/>
               <a:defRPr b="0" i="0" sz="2400" u="none" cap="none" strike="noStrike">
@@ -10347,7 +10384,7 @@
               <a:buClr>
                 <a:schemeClr val="dk1"/>
               </a:buClr>
-              <a:buSzPct val="100000"/>
+              <a:buSzPts val="2000"/>
               <a:buFont typeface="Arial"/>
               <a:buChar char="•"/>
               <a:defRPr b="0" i="0" sz="2000" u="none" cap="none" strike="noStrike">
@@ -10370,7 +10407,7 @@
               <a:buClr>
                 <a:schemeClr val="dk1"/>
               </a:buClr>
-              <a:buSzPct val="100000"/>
+              <a:buSzPts val="1800"/>
               <a:buFont typeface="Arial"/>
               <a:buChar char="–"/>
               <a:defRPr b="0" i="0" sz="1800" u="none" cap="none" strike="noStrike">
@@ -10393,7 +10430,7 @@
               <a:buClr>
                 <a:schemeClr val="dk1"/>
               </a:buClr>
-              <a:buSzPct val="100000"/>
+              <a:buSzPts val="1800"/>
               <a:buFont typeface="Arial"/>
               <a:buChar char="»"/>
               <a:defRPr b="0" i="0" sz="1800" u="none" cap="none" strike="noStrike">
@@ -10413,7 +10450,7 @@
               <a:buClr>
                 <a:schemeClr val="dk1"/>
               </a:buClr>
-              <a:buSzPct val="100000"/>
+              <a:buSzPts val="1800"/>
               <a:buFont typeface="Arial"/>
               <a:buChar char="•"/>
               <a:defRPr b="0" i="0" sz="1800" u="none" cap="none" strike="noStrike">
@@ -10433,7 +10470,7 @@
               <a:buClr>
                 <a:schemeClr val="dk1"/>
               </a:buClr>
-              <a:buSzPct val="100000"/>
+              <a:buSzPts val="1800"/>
               <a:buFont typeface="Arial"/>
               <a:buChar char="•"/>
               <a:defRPr b="0" i="0" sz="1800" u="none" cap="none" strike="noStrike">
@@ -10453,7 +10490,7 @@
               <a:buClr>
                 <a:schemeClr val="dk1"/>
               </a:buClr>
-              <a:buSzPct val="100000"/>
+              <a:buSzPts val="1800"/>
               <a:buFont typeface="Arial"/>
               <a:buChar char="•"/>
               <a:defRPr b="0" i="0" sz="1800" u="none" cap="none" strike="noStrike">
@@ -10473,7 +10510,7 @@
               <a:buClr>
                 <a:schemeClr val="dk1"/>
               </a:buClr>
-              <a:buSzPct val="100000"/>
+              <a:buSzPts val="1800"/>
               <a:buFont typeface="Arial"/>
               <a:buChar char="•"/>
               <a:defRPr b="0" i="0" sz="1800" u="none" cap="none" strike="noStrike">
@@ -10524,7 +10561,7 @@
               <a:buClr>
                 <a:schemeClr val="dk1"/>
               </a:buClr>
-              <a:buSzPct val="100000"/>
+              <a:buSzPts val="2800"/>
               <a:buFont typeface="Arial"/>
               <a:buChar char="•"/>
               <a:defRPr sz="2800">
@@ -10547,7 +10584,7 @@
               <a:buClr>
                 <a:schemeClr val="dk1"/>
               </a:buClr>
-              <a:buSzPct val="100000"/>
+              <a:buSzPts val="2400"/>
               <a:buFont typeface="Arial"/>
               <a:buChar char="–"/>
               <a:defRPr b="0" i="0" sz="2400" u="none" cap="none" strike="noStrike">
@@ -10570,7 +10607,7 @@
               <a:buClr>
                 <a:schemeClr val="dk1"/>
               </a:buClr>
-              <a:buSzPct val="100000"/>
+              <a:buSzPts val="2000"/>
               <a:buFont typeface="Arial"/>
               <a:buChar char="•"/>
               <a:defRPr b="0" i="0" sz="2000" u="none" cap="none" strike="noStrike">
@@ -10593,7 +10630,7 @@
               <a:buClr>
                 <a:schemeClr val="dk1"/>
               </a:buClr>
-              <a:buSzPct val="100000"/>
+              <a:buSzPts val="1800"/>
               <a:buFont typeface="Arial"/>
               <a:buChar char="–"/>
               <a:defRPr b="0" i="0" sz="1800" u="none" cap="none" strike="noStrike">
@@ -10616,7 +10653,7 @@
               <a:buClr>
                 <a:schemeClr val="dk1"/>
               </a:buClr>
-              <a:buSzPct val="100000"/>
+              <a:buSzPts val="1800"/>
               <a:buFont typeface="Arial"/>
               <a:buChar char="»"/>
               <a:defRPr b="0" i="0" sz="1800" u="none" cap="none" strike="noStrike">
@@ -10636,7 +10673,7 @@
               <a:buClr>
                 <a:schemeClr val="dk1"/>
               </a:buClr>
-              <a:buSzPct val="100000"/>
+              <a:buSzPts val="1800"/>
               <a:buFont typeface="Arial"/>
               <a:buChar char="•"/>
               <a:defRPr b="0" i="0" sz="1800" u="none" cap="none" strike="noStrike">
@@ -10656,7 +10693,7 @@
               <a:buClr>
                 <a:schemeClr val="dk1"/>
               </a:buClr>
-              <a:buSzPct val="100000"/>
+              <a:buSzPts val="1800"/>
               <a:buFont typeface="Arial"/>
               <a:buChar char="•"/>
               <a:defRPr b="0" i="0" sz="1800" u="none" cap="none" strike="noStrike">
@@ -10676,7 +10713,7 @@
               <a:buClr>
                 <a:schemeClr val="dk1"/>
               </a:buClr>
-              <a:buSzPct val="100000"/>
+              <a:buSzPts val="1800"/>
               <a:buFont typeface="Arial"/>
               <a:buChar char="•"/>
               <a:defRPr b="0" i="0" sz="1800" u="none" cap="none" strike="noStrike">
@@ -10696,7 +10733,7 @@
               <a:buClr>
                 <a:schemeClr val="dk1"/>
               </a:buClr>
-              <a:buSzPct val="100000"/>
+              <a:buSzPts val="1800"/>
               <a:buFont typeface="Arial"/>
               <a:buChar char="•"/>
               <a:defRPr b="0" i="0" sz="1800" u="none" cap="none" strike="noStrike">
@@ -10747,7 +10784,7 @@
               <a:spcAft>
                 <a:spcPts val="0"/>
               </a:spcAft>
-              <a:buSzPct val="116666"/>
+              <a:buSzPts val="1400"/>
               <a:buNone/>
               <a:defRPr b="0" i="0" sz="1200" u="none">
                 <a:solidFill>
@@ -10769,7 +10806,7 @@
               <a:spcAft>
                 <a:spcPts val="0"/>
               </a:spcAft>
-              <a:buSzPct val="77777"/>
+              <a:buSzPts val="1400"/>
               <a:buNone/>
               <a:defRPr b="0" i="0" sz="1800" u="none" cap="none" strike="noStrike">
                 <a:solidFill>
@@ -10791,7 +10828,7 @@
               <a:spcAft>
                 <a:spcPts val="0"/>
               </a:spcAft>
-              <a:buSzPct val="77777"/>
+              <a:buSzPts val="1400"/>
               <a:buNone/>
               <a:defRPr b="0" i="0" sz="1800" u="none" cap="none" strike="noStrike">
                 <a:solidFill>
@@ -10813,7 +10850,7 @@
               <a:spcAft>
                 <a:spcPts val="0"/>
               </a:spcAft>
-              <a:buSzPct val="77777"/>
+              <a:buSzPts val="1400"/>
               <a:buNone/>
               <a:defRPr b="0" i="0" sz="1800" u="none" cap="none" strike="noStrike">
                 <a:solidFill>
@@ -10835,7 +10872,7 @@
               <a:spcAft>
                 <a:spcPts val="0"/>
               </a:spcAft>
-              <a:buSzPct val="77777"/>
+              <a:buSzPts val="1400"/>
               <a:buNone/>
               <a:defRPr b="0" i="0" sz="1800" u="none" cap="none" strike="noStrike">
                 <a:solidFill>
@@ -10857,7 +10894,7 @@
               <a:spcAft>
                 <a:spcPts val="0"/>
               </a:spcAft>
-              <a:buSzPct val="77777"/>
+              <a:buSzPts val="1400"/>
               <a:buNone/>
               <a:defRPr b="0" i="0" sz="1800" u="none" cap="none" strike="noStrike">
                 <a:solidFill>
@@ -10879,7 +10916,7 @@
               <a:spcAft>
                 <a:spcPts val="0"/>
               </a:spcAft>
-              <a:buSzPct val="77777"/>
+              <a:buSzPts val="1400"/>
               <a:buNone/>
               <a:defRPr b="0" i="0" sz="1800" u="none" cap="none" strike="noStrike">
                 <a:solidFill>
@@ -10901,7 +10938,7 @@
               <a:spcAft>
                 <a:spcPts val="0"/>
               </a:spcAft>
-              <a:buSzPct val="77777"/>
+              <a:buSzPts val="1400"/>
               <a:buNone/>
               <a:defRPr b="0" i="0" sz="1800" u="none" cap="none" strike="noStrike">
                 <a:solidFill>
@@ -10923,7 +10960,7 @@
               <a:spcAft>
                 <a:spcPts val="0"/>
               </a:spcAft>
-              <a:buSzPct val="77777"/>
+              <a:buSzPts val="1400"/>
               <a:buNone/>
               <a:defRPr b="0" i="0" sz="1800" u="none" cap="none" strike="noStrike">
                 <a:solidFill>
@@ -10973,7 +11010,7 @@
               <a:spcAft>
                 <a:spcPts val="0"/>
               </a:spcAft>
-              <a:buSzPct val="77777"/>
+              <a:buSzPts val="1400"/>
               <a:buNone/>
               <a:defRPr b="0" i="0" sz="1800" u="none">
                 <a:solidFill>
@@ -10995,7 +11032,7 @@
               <a:spcAft>
                 <a:spcPts val="0"/>
               </a:spcAft>
-              <a:buSzPct val="77777"/>
+              <a:buSzPts val="1400"/>
               <a:buNone/>
               <a:defRPr b="0" i="0" sz="1800" u="none" cap="none" strike="noStrike">
                 <a:solidFill>
@@ -11017,7 +11054,7 @@
               <a:spcAft>
                 <a:spcPts val="0"/>
               </a:spcAft>
-              <a:buSzPct val="77777"/>
+              <a:buSzPts val="1400"/>
               <a:buNone/>
               <a:defRPr b="0" i="0" sz="1800" u="none" cap="none" strike="noStrike">
                 <a:solidFill>
@@ -11039,7 +11076,7 @@
               <a:spcAft>
                 <a:spcPts val="0"/>
               </a:spcAft>
-              <a:buSzPct val="77777"/>
+              <a:buSzPts val="1400"/>
               <a:buNone/>
               <a:defRPr b="0" i="0" sz="1800" u="none" cap="none" strike="noStrike">
                 <a:solidFill>
@@ -11061,7 +11098,7 @@
               <a:spcAft>
                 <a:spcPts val="0"/>
               </a:spcAft>
-              <a:buSzPct val="77777"/>
+              <a:buSzPts val="1400"/>
               <a:buNone/>
               <a:defRPr b="0" i="0" sz="1800" u="none" cap="none" strike="noStrike">
                 <a:solidFill>
@@ -11083,7 +11120,7 @@
               <a:spcAft>
                 <a:spcPts val="0"/>
               </a:spcAft>
-              <a:buSzPct val="77777"/>
+              <a:buSzPts val="1400"/>
               <a:buNone/>
               <a:defRPr b="0" i="0" sz="1800" u="none" cap="none" strike="noStrike">
                 <a:solidFill>
@@ -11105,7 +11142,7 @@
               <a:spcAft>
                 <a:spcPts val="0"/>
               </a:spcAft>
-              <a:buSzPct val="77777"/>
+              <a:buSzPts val="1400"/>
               <a:buNone/>
               <a:defRPr b="0" i="0" sz="1800" u="none" cap="none" strike="noStrike">
                 <a:solidFill>
@@ -11127,7 +11164,7 @@
               <a:spcAft>
                 <a:spcPts val="0"/>
               </a:spcAft>
-              <a:buSzPct val="77777"/>
+              <a:buSzPts val="1400"/>
               <a:buNone/>
               <a:defRPr b="0" i="0" sz="1800" u="none" cap="none" strike="noStrike">
                 <a:solidFill>
@@ -11149,7 +11186,7 @@
               <a:spcAft>
                 <a:spcPts val="0"/>
               </a:spcAft>
-              <a:buSzPct val="77777"/>
+              <a:buSzPts val="1400"/>
               <a:buNone/>
               <a:defRPr b="0" i="0" sz="1800" u="none" cap="none" strike="noStrike">
                 <a:solidFill>
@@ -11205,7 +11242,6 @@
               <a:buClr>
                 <a:srgbClr val="898989"/>
               </a:buClr>
-              <a:buSzPct val="25000"/>
               <a:buFont typeface="Calibri"/>
               <a:buNone/>
             </a:pPr>
@@ -11280,7 +11316,7 @@
               <a:spcAft>
                 <a:spcPts val="0"/>
               </a:spcAft>
-              <a:buSzPct val="35000"/>
+              <a:buSzPts val="1400"/>
               <a:buNone/>
               <a:defRPr b="1" i="0" sz="4000" u="none" cap="none" strike="noStrike">
                 <a:solidFill>
@@ -11299,7 +11335,7 @@
               <a:spcAft>
                 <a:spcPts val="0"/>
               </a:spcAft>
-              <a:buSzPct val="31818"/>
+              <a:buSzPts val="1400"/>
               <a:buNone/>
               <a:defRPr b="0" i="0" sz="4400" u="none" cap="none" strike="noStrike">
                 <a:solidFill>
@@ -11318,7 +11354,7 @@
               <a:spcAft>
                 <a:spcPts val="0"/>
               </a:spcAft>
-              <a:buSzPct val="31818"/>
+              <a:buSzPts val="1400"/>
               <a:buNone/>
               <a:defRPr b="0" i="0" sz="4400" u="none" cap="none" strike="noStrike">
                 <a:solidFill>
@@ -11337,7 +11373,7 @@
               <a:spcAft>
                 <a:spcPts val="0"/>
               </a:spcAft>
-              <a:buSzPct val="31818"/>
+              <a:buSzPts val="1400"/>
               <a:buNone/>
               <a:defRPr b="0" i="0" sz="4400" u="none" cap="none" strike="noStrike">
                 <a:solidFill>
@@ -11356,7 +11392,7 @@
               <a:spcAft>
                 <a:spcPts val="0"/>
               </a:spcAft>
-              <a:buSzPct val="31818"/>
+              <a:buSzPts val="1400"/>
               <a:buNone/>
               <a:defRPr b="0" i="0" sz="4400" u="none" cap="none" strike="noStrike">
                 <a:solidFill>
@@ -11375,7 +11411,7 @@
               <a:spcAft>
                 <a:spcPts val="0"/>
               </a:spcAft>
-              <a:buSzPct val="31818"/>
+              <a:buSzPts val="1400"/>
               <a:buNone/>
               <a:defRPr b="0" i="0" sz="4400" u="none" cap="none" strike="noStrike">
                 <a:solidFill>
@@ -11394,7 +11430,7 @@
               <a:spcAft>
                 <a:spcPts val="0"/>
               </a:spcAft>
-              <a:buSzPct val="31818"/>
+              <a:buSzPts val="1400"/>
               <a:buNone/>
               <a:defRPr b="0" i="0" sz="4400" u="none" cap="none" strike="noStrike">
                 <a:solidFill>
@@ -11413,7 +11449,7 @@
               <a:spcAft>
                 <a:spcPts val="0"/>
               </a:spcAft>
-              <a:buSzPct val="31818"/>
+              <a:buSzPts val="1400"/>
               <a:buNone/>
               <a:defRPr b="0" i="0" sz="4400" u="none" cap="none" strike="noStrike">
                 <a:solidFill>
@@ -11432,7 +11468,7 @@
               <a:spcAft>
                 <a:spcPts val="0"/>
               </a:spcAft>
-              <a:buSzPct val="31818"/>
+              <a:buSzPts val="1400"/>
               <a:buNone/>
               <a:defRPr b="0" i="0" sz="4400" u="none" cap="none" strike="noStrike">
                 <a:solidFill>
@@ -11482,7 +11518,7 @@
               <a:buClr>
                 <a:srgbClr val="888888"/>
               </a:buClr>
-              <a:buSzPct val="160000"/>
+              <a:buSzPts val="3200"/>
               <a:buFont typeface="Arial"/>
               <a:buNone/>
               <a:defRPr sz="2000">
@@ -11505,7 +11541,7 @@
               <a:buClr>
                 <a:srgbClr val="888888"/>
               </a:buClr>
-              <a:buSzPct val="155555"/>
+              <a:buSzPts val="2800"/>
               <a:buFont typeface="Arial"/>
               <a:buNone/>
               <a:defRPr b="0" i="0" sz="1800" u="none" cap="none" strike="noStrike">
@@ -11528,7 +11564,7 @@
               <a:buClr>
                 <a:srgbClr val="888888"/>
               </a:buClr>
-              <a:buSzPct val="150000"/>
+              <a:buSzPts val="2400"/>
               <a:buFont typeface="Arial"/>
               <a:buNone/>
               <a:defRPr b="0" i="0" sz="1600" u="none" cap="none" strike="noStrike">
@@ -11551,7 +11587,7 @@
               <a:buClr>
                 <a:srgbClr val="888888"/>
               </a:buClr>
-              <a:buSzPct val="142857"/>
+              <a:buSzPts val="2000"/>
               <a:buFont typeface="Arial"/>
               <a:buNone/>
               <a:defRPr b="0" i="0" sz="1400" u="none" cap="none" strike="noStrike">
@@ -11574,7 +11610,7 @@
               <a:buClr>
                 <a:srgbClr val="888888"/>
               </a:buClr>
-              <a:buSzPct val="142857"/>
+              <a:buSzPts val="2000"/>
               <a:buFont typeface="Arial"/>
               <a:buNone/>
               <a:defRPr b="0" i="0" sz="1400" u="none" cap="none" strike="noStrike">
@@ -11594,7 +11630,7 @@
               <a:buClr>
                 <a:srgbClr val="888888"/>
               </a:buClr>
-              <a:buSzPct val="142857"/>
+              <a:buSzPts val="2000"/>
               <a:buFont typeface="Arial"/>
               <a:buNone/>
               <a:defRPr b="0" i="0" sz="1400" u="none" cap="none" strike="noStrike">
@@ -11614,7 +11650,7 @@
               <a:buClr>
                 <a:srgbClr val="888888"/>
               </a:buClr>
-              <a:buSzPct val="142857"/>
+              <a:buSzPts val="2000"/>
               <a:buFont typeface="Arial"/>
               <a:buNone/>
               <a:defRPr b="0" i="0" sz="1400" u="none" cap="none" strike="noStrike">
@@ -11634,7 +11670,7 @@
               <a:buClr>
                 <a:srgbClr val="888888"/>
               </a:buClr>
-              <a:buSzPct val="142857"/>
+              <a:buSzPts val="2000"/>
               <a:buFont typeface="Arial"/>
               <a:buNone/>
               <a:defRPr b="0" i="0" sz="1400" u="none" cap="none" strike="noStrike">
@@ -11654,7 +11690,7 @@
               <a:buClr>
                 <a:srgbClr val="888888"/>
               </a:buClr>
-              <a:buSzPct val="142857"/>
+              <a:buSzPts val="2000"/>
               <a:buFont typeface="Arial"/>
               <a:buNone/>
               <a:defRPr b="0" i="0" sz="1400" u="none" cap="none" strike="noStrike">
@@ -11705,7 +11741,7 @@
               <a:spcAft>
                 <a:spcPts val="0"/>
               </a:spcAft>
-              <a:buSzPct val="116666"/>
+              <a:buSzPts val="1400"/>
               <a:buNone/>
               <a:defRPr b="0" i="0" sz="1200" u="none">
                 <a:solidFill>
@@ -11727,7 +11763,7 @@
               <a:spcAft>
                 <a:spcPts val="0"/>
               </a:spcAft>
-              <a:buSzPct val="77777"/>
+              <a:buSzPts val="1400"/>
               <a:buNone/>
               <a:defRPr b="0" i="0" sz="1800" u="none" cap="none" strike="noStrike">
                 <a:solidFill>
@@ -11749,7 +11785,7 @@
               <a:spcAft>
                 <a:spcPts val="0"/>
               </a:spcAft>
-              <a:buSzPct val="77777"/>
+              <a:buSzPts val="1400"/>
               <a:buNone/>
               <a:defRPr b="0" i="0" sz="1800" u="none" cap="none" strike="noStrike">
                 <a:solidFill>
@@ -11771,7 +11807,7 @@
               <a:spcAft>
                 <a:spcPts val="0"/>
               </a:spcAft>
-              <a:buSzPct val="77777"/>
+              <a:buSzPts val="1400"/>
               <a:buNone/>
               <a:defRPr b="0" i="0" sz="1800" u="none" cap="none" strike="noStrike">
                 <a:solidFill>
@@ -11793,7 +11829,7 @@
               <a:spcAft>
                 <a:spcPts val="0"/>
               </a:spcAft>
-              <a:buSzPct val="77777"/>
+              <a:buSzPts val="1400"/>
               <a:buNone/>
               <a:defRPr b="0" i="0" sz="1800" u="none" cap="none" strike="noStrike">
                 <a:solidFill>
@@ -11815,7 +11851,7 @@
               <a:spcAft>
                 <a:spcPts val="0"/>
               </a:spcAft>
-              <a:buSzPct val="77777"/>
+              <a:buSzPts val="1400"/>
               <a:buNone/>
               <a:defRPr b="0" i="0" sz="1800" u="none" cap="none" strike="noStrike">
                 <a:solidFill>
@@ -11837,7 +11873,7 @@
               <a:spcAft>
                 <a:spcPts val="0"/>
               </a:spcAft>
-              <a:buSzPct val="77777"/>
+              <a:buSzPts val="1400"/>
               <a:buNone/>
               <a:defRPr b="0" i="0" sz="1800" u="none" cap="none" strike="noStrike">
                 <a:solidFill>
@@ -11859,7 +11895,7 @@
               <a:spcAft>
                 <a:spcPts val="0"/>
               </a:spcAft>
-              <a:buSzPct val="77777"/>
+              <a:buSzPts val="1400"/>
               <a:buNone/>
               <a:defRPr b="0" i="0" sz="1800" u="none" cap="none" strike="noStrike">
                 <a:solidFill>
@@ -11881,7 +11917,7 @@
               <a:spcAft>
                 <a:spcPts val="0"/>
               </a:spcAft>
-              <a:buSzPct val="77777"/>
+              <a:buSzPts val="1400"/>
               <a:buNone/>
               <a:defRPr b="0" i="0" sz="1800" u="none" cap="none" strike="noStrike">
                 <a:solidFill>
@@ -11931,7 +11967,7 @@
               <a:spcAft>
                 <a:spcPts val="0"/>
               </a:spcAft>
-              <a:buSzPct val="77777"/>
+              <a:buSzPts val="1400"/>
               <a:buNone/>
               <a:defRPr b="0" i="0" sz="1800" u="none">
                 <a:solidFill>
@@ -11953,7 +11989,7 @@
               <a:spcAft>
                 <a:spcPts val="0"/>
               </a:spcAft>
-              <a:buSzPct val="77777"/>
+              <a:buSzPts val="1400"/>
               <a:buNone/>
               <a:defRPr b="0" i="0" sz="1800" u="none" cap="none" strike="noStrike">
                 <a:solidFill>
@@ -11975,7 +12011,7 @@
               <a:spcAft>
                 <a:spcPts val="0"/>
               </a:spcAft>
-              <a:buSzPct val="77777"/>
+              <a:buSzPts val="1400"/>
               <a:buNone/>
               <a:defRPr b="0" i="0" sz="1800" u="none" cap="none" strike="noStrike">
                 <a:solidFill>
@@ -11997,7 +12033,7 @@
               <a:spcAft>
                 <a:spcPts val="0"/>
               </a:spcAft>
-              <a:buSzPct val="77777"/>
+              <a:buSzPts val="1400"/>
               <a:buNone/>
               <a:defRPr b="0" i="0" sz="1800" u="none" cap="none" strike="noStrike">
                 <a:solidFill>
@@ -12019,7 +12055,7 @@
               <a:spcAft>
                 <a:spcPts val="0"/>
               </a:spcAft>
-              <a:buSzPct val="77777"/>
+              <a:buSzPts val="1400"/>
               <a:buNone/>
               <a:defRPr b="0" i="0" sz="1800" u="none" cap="none" strike="noStrike">
                 <a:solidFill>
@@ -12041,7 +12077,7 @@
               <a:spcAft>
                 <a:spcPts val="0"/>
               </a:spcAft>
-              <a:buSzPct val="77777"/>
+              <a:buSzPts val="1400"/>
               <a:buNone/>
               <a:defRPr b="0" i="0" sz="1800" u="none" cap="none" strike="noStrike">
                 <a:solidFill>
@@ -12063,7 +12099,7 @@
               <a:spcAft>
                 <a:spcPts val="0"/>
               </a:spcAft>
-              <a:buSzPct val="77777"/>
+              <a:buSzPts val="1400"/>
               <a:buNone/>
               <a:defRPr b="0" i="0" sz="1800" u="none" cap="none" strike="noStrike">
                 <a:solidFill>
@@ -12085,7 +12121,7 @@
               <a:spcAft>
                 <a:spcPts val="0"/>
               </a:spcAft>
-              <a:buSzPct val="77777"/>
+              <a:buSzPts val="1400"/>
               <a:buNone/>
               <a:defRPr b="0" i="0" sz="1800" u="none" cap="none" strike="noStrike">
                 <a:solidFill>
@@ -12107,7 +12143,7 @@
               <a:spcAft>
                 <a:spcPts val="0"/>
               </a:spcAft>
-              <a:buSzPct val="77777"/>
+              <a:buSzPts val="1400"/>
               <a:buNone/>
               <a:defRPr b="0" i="0" sz="1800" u="none" cap="none" strike="noStrike">
                 <a:solidFill>
@@ -12163,7 +12199,6 @@
               <a:buClr>
                 <a:srgbClr val="898989"/>
               </a:buClr>
-              <a:buSzPct val="25000"/>
               <a:buFont typeface="Calibri"/>
               <a:buNone/>
             </a:pPr>
@@ -12238,7 +12273,7 @@
               <a:spcAft>
                 <a:spcPts val="0"/>
               </a:spcAft>
-              <a:buSzPct val="31818"/>
+              <a:buSzPts val="1400"/>
               <a:buNone/>
               <a:defRPr b="0" i="0" sz="4400" u="none" cap="none" strike="noStrike">
                 <a:solidFill>
@@ -12257,7 +12292,7 @@
               <a:spcAft>
                 <a:spcPts val="0"/>
               </a:spcAft>
-              <a:buSzPct val="31818"/>
+              <a:buSzPts val="1400"/>
               <a:buNone/>
               <a:defRPr b="0" i="0" sz="4400" u="none" cap="none" strike="noStrike">
                 <a:solidFill>
@@ -12276,7 +12311,7 @@
               <a:spcAft>
                 <a:spcPts val="0"/>
               </a:spcAft>
-              <a:buSzPct val="31818"/>
+              <a:buSzPts val="1400"/>
               <a:buNone/>
               <a:defRPr b="0" i="0" sz="4400" u="none" cap="none" strike="noStrike">
                 <a:solidFill>
@@ -12295,7 +12330,7 @@
               <a:spcAft>
                 <a:spcPts val="0"/>
               </a:spcAft>
-              <a:buSzPct val="31818"/>
+              <a:buSzPts val="1400"/>
               <a:buNone/>
               <a:defRPr b="0" i="0" sz="4400" u="none" cap="none" strike="noStrike">
                 <a:solidFill>
@@ -12314,7 +12349,7 @@
               <a:spcAft>
                 <a:spcPts val="0"/>
               </a:spcAft>
-              <a:buSzPct val="31818"/>
+              <a:buSzPts val="1400"/>
               <a:buNone/>
               <a:defRPr b="0" i="0" sz="4400" u="none" cap="none" strike="noStrike">
                 <a:solidFill>
@@ -12333,7 +12368,7 @@
               <a:spcAft>
                 <a:spcPts val="0"/>
               </a:spcAft>
-              <a:buSzPct val="31818"/>
+              <a:buSzPts val="1400"/>
               <a:buNone/>
               <a:defRPr b="0" i="0" sz="4400" u="none" cap="none" strike="noStrike">
                 <a:solidFill>
@@ -12352,7 +12387,7 @@
               <a:spcAft>
                 <a:spcPts val="0"/>
               </a:spcAft>
-              <a:buSzPct val="31818"/>
+              <a:buSzPts val="1400"/>
               <a:buNone/>
               <a:defRPr b="0" i="0" sz="4400" u="none" cap="none" strike="noStrike">
                 <a:solidFill>
@@ -12371,7 +12406,7 @@
               <a:spcAft>
                 <a:spcPts val="0"/>
               </a:spcAft>
-              <a:buSzPct val="31818"/>
+              <a:buSzPts val="1400"/>
               <a:buNone/>
               <a:defRPr b="0" i="0" sz="4400" u="none" cap="none" strike="noStrike">
                 <a:solidFill>
@@ -12390,7 +12425,7 @@
               <a:spcAft>
                 <a:spcPts val="0"/>
               </a:spcAft>
-              <a:buSzPct val="31818"/>
+              <a:buSzPts val="1400"/>
               <a:buNone/>
               <a:defRPr b="0" i="0" sz="4400" u="none" cap="none" strike="noStrike">
                 <a:solidFill>
@@ -12440,7 +12475,7 @@
               <a:buClr>
                 <a:srgbClr val="888888"/>
               </a:buClr>
-              <a:buSzPct val="100000"/>
+              <a:buSzPts val="3200"/>
               <a:buFont typeface="Arial"/>
               <a:buNone/>
               <a:defRPr sz="3200">
@@ -12463,7 +12498,7 @@
               <a:buClr>
                 <a:srgbClr val="888888"/>
               </a:buClr>
-              <a:buSzPct val="100000"/>
+              <a:buSzPts val="2800"/>
               <a:buFont typeface="Arial"/>
               <a:buNone/>
               <a:defRPr b="0" i="0" sz="2800" u="none" cap="none" strike="noStrike">
@@ -12486,7 +12521,7 @@
               <a:buClr>
                 <a:srgbClr val="888888"/>
               </a:buClr>
-              <a:buSzPct val="100000"/>
+              <a:buSzPts val="2400"/>
               <a:buFont typeface="Arial"/>
               <a:buNone/>
               <a:defRPr b="0" i="0" sz="2400" u="none" cap="none" strike="noStrike">
@@ -12509,7 +12544,7 @@
               <a:buClr>
                 <a:srgbClr val="888888"/>
               </a:buClr>
-              <a:buSzPct val="100000"/>
+              <a:buSzPts val="2000"/>
               <a:buFont typeface="Arial"/>
               <a:buNone/>
               <a:defRPr b="0" i="0" sz="2000" u="none" cap="none" strike="noStrike">
@@ -12532,7 +12567,7 @@
               <a:buClr>
                 <a:srgbClr val="888888"/>
               </a:buClr>
-              <a:buSzPct val="100000"/>
+              <a:buSzPts val="2000"/>
               <a:buFont typeface="Arial"/>
               <a:buNone/>
               <a:defRPr b="0" i="0" sz="2000" u="none" cap="none" strike="noStrike">
@@ -12552,7 +12587,7 @@
               <a:buClr>
                 <a:srgbClr val="888888"/>
               </a:buClr>
-              <a:buSzPct val="100000"/>
+              <a:buSzPts val="2000"/>
               <a:buFont typeface="Arial"/>
               <a:buNone/>
               <a:defRPr b="0" i="0" sz="2000" u="none" cap="none" strike="noStrike">
@@ -12572,7 +12607,7 @@
               <a:buClr>
                 <a:srgbClr val="888888"/>
               </a:buClr>
-              <a:buSzPct val="100000"/>
+              <a:buSzPts val="2000"/>
               <a:buFont typeface="Arial"/>
               <a:buNone/>
               <a:defRPr b="0" i="0" sz="2000" u="none" cap="none" strike="noStrike">
@@ -12592,7 +12627,7 @@
               <a:buClr>
                 <a:srgbClr val="888888"/>
               </a:buClr>
-              <a:buSzPct val="100000"/>
+              <a:buSzPts val="2000"/>
               <a:buFont typeface="Arial"/>
               <a:buNone/>
               <a:defRPr b="0" i="0" sz="2000" u="none" cap="none" strike="noStrike">
@@ -12612,7 +12647,7 @@
               <a:buClr>
                 <a:srgbClr val="888888"/>
               </a:buClr>
-              <a:buSzPct val="100000"/>
+              <a:buSzPts val="2000"/>
               <a:buFont typeface="Arial"/>
               <a:buNone/>
               <a:defRPr b="0" i="0" sz="2000" u="none" cap="none" strike="noStrike">
@@ -12663,7 +12698,7 @@
               <a:spcAft>
                 <a:spcPts val="0"/>
               </a:spcAft>
-              <a:buSzPct val="116666"/>
+              <a:buSzPts val="1400"/>
               <a:buNone/>
               <a:defRPr b="0" i="0" sz="1200" u="none">
                 <a:solidFill>
@@ -12685,7 +12720,7 @@
               <a:spcAft>
                 <a:spcPts val="0"/>
               </a:spcAft>
-              <a:buSzPct val="77777"/>
+              <a:buSzPts val="1400"/>
               <a:buNone/>
               <a:defRPr b="0" i="0" sz="1800" u="none" cap="none" strike="noStrike">
                 <a:solidFill>
@@ -12707,7 +12742,7 @@
               <a:spcAft>
                 <a:spcPts val="0"/>
               </a:spcAft>
-              <a:buSzPct val="77777"/>
+              <a:buSzPts val="1400"/>
               <a:buNone/>
               <a:defRPr b="0" i="0" sz="1800" u="none" cap="none" strike="noStrike">
                 <a:solidFill>
@@ -12729,7 +12764,7 @@
               <a:spcAft>
                 <a:spcPts val="0"/>
               </a:spcAft>
-              <a:buSzPct val="77777"/>
+              <a:buSzPts val="1400"/>
               <a:buNone/>
               <a:defRPr b="0" i="0" sz="1800" u="none" cap="none" strike="noStrike">
                 <a:solidFill>
@@ -12751,7 +12786,7 @@
               <a:spcAft>
                 <a:spcPts val="0"/>
               </a:spcAft>
-              <a:buSzPct val="77777"/>
+              <a:buSzPts val="1400"/>
               <a:buNone/>
               <a:defRPr b="0" i="0" sz="1800" u="none" cap="none" strike="noStrike">
                 <a:solidFill>
@@ -12773,7 +12808,7 @@
               <a:spcAft>
                 <a:spcPts val="0"/>
               </a:spcAft>
-              <a:buSzPct val="77777"/>
+              <a:buSzPts val="1400"/>
               <a:buNone/>
               <a:defRPr b="0" i="0" sz="1800" u="none" cap="none" strike="noStrike">
                 <a:solidFill>
@@ -12795,7 +12830,7 @@
               <a:spcAft>
                 <a:spcPts val="0"/>
               </a:spcAft>
-              <a:buSzPct val="77777"/>
+              <a:buSzPts val="1400"/>
               <a:buNone/>
               <a:defRPr b="0" i="0" sz="1800" u="none" cap="none" strike="noStrike">
                 <a:solidFill>
@@ -12817,7 +12852,7 @@
               <a:spcAft>
                 <a:spcPts val="0"/>
               </a:spcAft>
-              <a:buSzPct val="77777"/>
+              <a:buSzPts val="1400"/>
               <a:buNone/>
               <a:defRPr b="0" i="0" sz="1800" u="none" cap="none" strike="noStrike">
                 <a:solidFill>
@@ -12839,7 +12874,7 @@
               <a:spcAft>
                 <a:spcPts val="0"/>
               </a:spcAft>
-              <a:buSzPct val="77777"/>
+              <a:buSzPts val="1400"/>
               <a:buNone/>
               <a:defRPr b="0" i="0" sz="1800" u="none" cap="none" strike="noStrike">
                 <a:solidFill>
@@ -12889,7 +12924,7 @@
               <a:spcAft>
                 <a:spcPts val="0"/>
               </a:spcAft>
-              <a:buSzPct val="77777"/>
+              <a:buSzPts val="1400"/>
               <a:buNone/>
               <a:defRPr b="0" i="0" sz="1800" u="none">
                 <a:solidFill>
@@ -12911,7 +12946,7 @@
               <a:spcAft>
                 <a:spcPts val="0"/>
               </a:spcAft>
-              <a:buSzPct val="77777"/>
+              <a:buSzPts val="1400"/>
               <a:buNone/>
               <a:defRPr b="0" i="0" sz="1800" u="none" cap="none" strike="noStrike">
                 <a:solidFill>
@@ -12933,7 +12968,7 @@
               <a:spcAft>
                 <a:spcPts val="0"/>
               </a:spcAft>
-              <a:buSzPct val="77777"/>
+              <a:buSzPts val="1400"/>
               <a:buNone/>
               <a:defRPr b="0" i="0" sz="1800" u="none" cap="none" strike="noStrike">
                 <a:solidFill>
@@ -12955,7 +12990,7 @@
               <a:spcAft>
                 <a:spcPts val="0"/>
               </a:spcAft>
-              <a:buSzPct val="77777"/>
+              <a:buSzPts val="1400"/>
               <a:buNone/>
               <a:defRPr b="0" i="0" sz="1800" u="none" cap="none" strike="noStrike">
                 <a:solidFill>
@@ -12977,7 +13012,7 @@
               <a:spcAft>
                 <a:spcPts val="0"/>
               </a:spcAft>
-              <a:buSzPct val="77777"/>
+              <a:buSzPts val="1400"/>
               <a:buNone/>
               <a:defRPr b="0" i="0" sz="1800" u="none" cap="none" strike="noStrike">
                 <a:solidFill>
@@ -12999,7 +13034,7 @@
               <a:spcAft>
                 <a:spcPts val="0"/>
               </a:spcAft>
-              <a:buSzPct val="77777"/>
+              <a:buSzPts val="1400"/>
               <a:buNone/>
               <a:defRPr b="0" i="0" sz="1800" u="none" cap="none" strike="noStrike">
                 <a:solidFill>
@@ -13021,7 +13056,7 @@
               <a:spcAft>
                 <a:spcPts val="0"/>
               </a:spcAft>
-              <a:buSzPct val="77777"/>
+              <a:buSzPts val="1400"/>
               <a:buNone/>
               <a:defRPr b="0" i="0" sz="1800" u="none" cap="none" strike="noStrike">
                 <a:solidFill>
@@ -13043,7 +13078,7 @@
               <a:spcAft>
                 <a:spcPts val="0"/>
               </a:spcAft>
-              <a:buSzPct val="77777"/>
+              <a:buSzPts val="1400"/>
               <a:buNone/>
               <a:defRPr b="0" i="0" sz="1800" u="none" cap="none" strike="noStrike">
                 <a:solidFill>
@@ -13065,7 +13100,7 @@
               <a:spcAft>
                 <a:spcPts val="0"/>
               </a:spcAft>
-              <a:buSzPct val="77777"/>
+              <a:buSzPts val="1400"/>
               <a:buNone/>
               <a:defRPr b="0" i="0" sz="1800" u="none" cap="none" strike="noStrike">
                 <a:solidFill>
@@ -13121,7 +13156,6 @@
               <a:buClr>
                 <a:srgbClr val="898989"/>
               </a:buClr>
-              <a:buSzPct val="25000"/>
               <a:buFont typeface="Calibri"/>
               <a:buNone/>
             </a:pPr>
@@ -13189,54 +13223,72 @@
               <a:spcBef>
                 <a:spcPts val="0"/>
               </a:spcBef>
+              <a:buSzPts val="2800"/>
+              <a:buNone/>
               <a:defRPr/>
             </a:lvl1pPr>
             <a:lvl2pPr lvl="1">
               <a:spcBef>
                 <a:spcPts val="0"/>
               </a:spcBef>
+              <a:buSzPts val="2800"/>
+              <a:buNone/>
               <a:defRPr/>
             </a:lvl2pPr>
             <a:lvl3pPr lvl="2">
               <a:spcBef>
                 <a:spcPts val="0"/>
               </a:spcBef>
+              <a:buSzPts val="2800"/>
+              <a:buNone/>
               <a:defRPr/>
             </a:lvl3pPr>
             <a:lvl4pPr lvl="3">
               <a:spcBef>
                 <a:spcPts val="0"/>
               </a:spcBef>
+              <a:buSzPts val="2800"/>
+              <a:buNone/>
               <a:defRPr/>
             </a:lvl4pPr>
             <a:lvl5pPr lvl="4">
               <a:spcBef>
                 <a:spcPts val="0"/>
               </a:spcBef>
+              <a:buSzPts val="2800"/>
+              <a:buNone/>
               <a:defRPr/>
             </a:lvl5pPr>
             <a:lvl6pPr lvl="5">
               <a:spcBef>
                 <a:spcPts val="0"/>
               </a:spcBef>
+              <a:buSzPts val="2800"/>
+              <a:buNone/>
               <a:defRPr/>
             </a:lvl6pPr>
             <a:lvl7pPr lvl="6">
               <a:spcBef>
                 <a:spcPts val="0"/>
               </a:spcBef>
+              <a:buSzPts val="2800"/>
+              <a:buNone/>
               <a:defRPr/>
             </a:lvl7pPr>
             <a:lvl8pPr lvl="7">
               <a:spcBef>
                 <a:spcPts val="0"/>
               </a:spcBef>
+              <a:buSzPts val="2800"/>
+              <a:buNone/>
               <a:defRPr/>
             </a:lvl8pPr>
             <a:lvl9pPr lvl="8">
               <a:spcBef>
                 <a:spcPts val="0"/>
               </a:spcBef>
+              <a:buSzPts val="2800"/>
+              <a:buNone/>
               <a:defRPr/>
             </a:lvl9pPr>
           </a:lstStyle>
@@ -13267,54 +13319,72 @@
               <a:spcBef>
                 <a:spcPts val="0"/>
               </a:spcBef>
+              <a:buSzPts val="1800"/>
+              <a:buChar char="●"/>
               <a:defRPr/>
             </a:lvl1pPr>
             <a:lvl2pPr lvl="1">
               <a:spcBef>
                 <a:spcPts val="0"/>
               </a:spcBef>
+              <a:buSzPts val="1400"/>
+              <a:buChar char="○"/>
               <a:defRPr/>
             </a:lvl2pPr>
             <a:lvl3pPr lvl="2">
               <a:spcBef>
                 <a:spcPts val="0"/>
               </a:spcBef>
+              <a:buSzPts val="1400"/>
+              <a:buChar char="■"/>
               <a:defRPr/>
             </a:lvl3pPr>
             <a:lvl4pPr lvl="3">
               <a:spcBef>
                 <a:spcPts val="0"/>
               </a:spcBef>
+              <a:buSzPts val="1400"/>
+              <a:buChar char="●"/>
               <a:defRPr/>
             </a:lvl4pPr>
             <a:lvl5pPr lvl="4">
               <a:spcBef>
                 <a:spcPts val="0"/>
               </a:spcBef>
+              <a:buSzPts val="1400"/>
+              <a:buChar char="○"/>
               <a:defRPr/>
             </a:lvl5pPr>
             <a:lvl6pPr lvl="5">
               <a:spcBef>
                 <a:spcPts val="0"/>
               </a:spcBef>
+              <a:buSzPts val="1400"/>
+              <a:buChar char="■"/>
               <a:defRPr/>
             </a:lvl6pPr>
             <a:lvl7pPr lvl="6">
               <a:spcBef>
                 <a:spcPts val="0"/>
               </a:spcBef>
+              <a:buSzPts val="1400"/>
+              <a:buChar char="●"/>
               <a:defRPr/>
             </a:lvl7pPr>
             <a:lvl8pPr lvl="7">
               <a:spcBef>
                 <a:spcPts val="0"/>
               </a:spcBef>
+              <a:buSzPts val="1400"/>
+              <a:buChar char="○"/>
               <a:defRPr/>
             </a:lvl8pPr>
             <a:lvl9pPr lvl="8">
               <a:spcBef>
                 <a:spcPts val="0"/>
               </a:spcBef>
+              <a:buSzPts val="1400"/>
+              <a:buChar char="■"/>
               <a:defRPr/>
             </a:lvl9pPr>
           </a:lstStyle>
@@ -13344,7 +13414,7 @@
           </a:bodyPr>
           <a:lstStyle/>
           <a:p>
-            <a:pPr lvl="0">
+            <a:pPr indent="0" lvl="0" marL="0">
               <a:spcBef>
                 <a:spcPts val="0"/>
               </a:spcBef>
@@ -13406,54 +13476,72 @@
               <a:spcBef>
                 <a:spcPts val="0"/>
               </a:spcBef>
+              <a:buSzPts val="2800"/>
+              <a:buNone/>
               <a:defRPr/>
             </a:lvl1pPr>
             <a:lvl2pPr lvl="1">
               <a:spcBef>
                 <a:spcPts val="0"/>
               </a:spcBef>
+              <a:buSzPts val="2800"/>
+              <a:buNone/>
               <a:defRPr/>
             </a:lvl2pPr>
             <a:lvl3pPr lvl="2">
               <a:spcBef>
                 <a:spcPts val="0"/>
               </a:spcBef>
+              <a:buSzPts val="2800"/>
+              <a:buNone/>
               <a:defRPr/>
             </a:lvl3pPr>
             <a:lvl4pPr lvl="3">
               <a:spcBef>
                 <a:spcPts val="0"/>
               </a:spcBef>
+              <a:buSzPts val="2800"/>
+              <a:buNone/>
               <a:defRPr/>
             </a:lvl4pPr>
             <a:lvl5pPr lvl="4">
               <a:spcBef>
                 <a:spcPts val="0"/>
               </a:spcBef>
+              <a:buSzPts val="2800"/>
+              <a:buNone/>
               <a:defRPr/>
             </a:lvl5pPr>
             <a:lvl6pPr lvl="5">
               <a:spcBef>
                 <a:spcPts val="0"/>
               </a:spcBef>
+              <a:buSzPts val="2800"/>
+              <a:buNone/>
               <a:defRPr/>
             </a:lvl6pPr>
             <a:lvl7pPr lvl="6">
               <a:spcBef>
                 <a:spcPts val="0"/>
               </a:spcBef>
+              <a:buSzPts val="2800"/>
+              <a:buNone/>
               <a:defRPr/>
             </a:lvl7pPr>
             <a:lvl8pPr lvl="7">
               <a:spcBef>
                 <a:spcPts val="0"/>
               </a:spcBef>
+              <a:buSzPts val="2800"/>
+              <a:buNone/>
               <a:defRPr/>
             </a:lvl8pPr>
             <a:lvl9pPr lvl="8">
               <a:spcBef>
                 <a:spcPts val="0"/>
               </a:spcBef>
+              <a:buSzPts val="2800"/>
+              <a:buNone/>
               <a:defRPr/>
             </a:lvl9pPr>
           </a:lstStyle>
@@ -13484,63 +13572,72 @@
               <a:spcBef>
                 <a:spcPts val="0"/>
               </a:spcBef>
-              <a:buSzPct val="100000"/>
+              <a:buSzPts val="1400"/>
+              <a:buChar char="●"/>
               <a:defRPr sz="1400"/>
             </a:lvl1pPr>
             <a:lvl2pPr lvl="1">
               <a:spcBef>
                 <a:spcPts val="0"/>
               </a:spcBef>
-              <a:buSzPct val="100000"/>
+              <a:buSzPts val="1200"/>
+              <a:buChar char="○"/>
               <a:defRPr sz="1200"/>
             </a:lvl2pPr>
             <a:lvl3pPr lvl="2">
               <a:spcBef>
                 <a:spcPts val="0"/>
               </a:spcBef>
-              <a:buSzPct val="100000"/>
+              <a:buSzPts val="1200"/>
+              <a:buChar char="■"/>
               <a:defRPr sz="1200"/>
             </a:lvl3pPr>
             <a:lvl4pPr lvl="3">
               <a:spcBef>
                 <a:spcPts val="0"/>
               </a:spcBef>
-              <a:buSzPct val="100000"/>
+              <a:buSzPts val="1200"/>
+              <a:buChar char="●"/>
               <a:defRPr sz="1200"/>
             </a:lvl4pPr>
             <a:lvl5pPr lvl="4">
               <a:spcBef>
                 <a:spcPts val="0"/>
               </a:spcBef>
-              <a:buSzPct val="100000"/>
+              <a:buSzPts val="1200"/>
+              <a:buChar char="○"/>
               <a:defRPr sz="1200"/>
             </a:lvl5pPr>
             <a:lvl6pPr lvl="5">
               <a:spcBef>
                 <a:spcPts val="0"/>
               </a:spcBef>
-              <a:buSzPct val="100000"/>
+              <a:buSzPts val="1200"/>
+              <a:buChar char="■"/>
               <a:defRPr sz="1200"/>
             </a:lvl6pPr>
             <a:lvl7pPr lvl="6">
               <a:spcBef>
                 <a:spcPts val="0"/>
               </a:spcBef>
-              <a:buSzPct val="100000"/>
+              <a:buSzPts val="1200"/>
+              <a:buChar char="●"/>
               <a:defRPr sz="1200"/>
             </a:lvl7pPr>
             <a:lvl8pPr lvl="7">
               <a:spcBef>
                 <a:spcPts val="0"/>
               </a:spcBef>
-              <a:buSzPct val="100000"/>
+              <a:buSzPts val="1200"/>
+              <a:buChar char="○"/>
               <a:defRPr sz="1200"/>
             </a:lvl8pPr>
             <a:lvl9pPr lvl="8">
               <a:spcBef>
                 <a:spcPts val="0"/>
               </a:spcBef>
-              <a:buSzPct val="100000"/>
+              <a:buSzPts val="1200"/>
+              <a:buChar char="■"/>
               <a:defRPr sz="1200"/>
             </a:lvl9pPr>
           </a:lstStyle>
@@ -13571,63 +13668,72 @@
               <a:spcBef>
                 <a:spcPts val="0"/>
               </a:spcBef>
-              <a:buSzPct val="100000"/>
+              <a:buSzPts val="1400"/>
+              <a:buChar char="●"/>
               <a:defRPr sz="1400"/>
             </a:lvl1pPr>
             <a:lvl2pPr lvl="1">
               <a:spcBef>
                 <a:spcPts val="0"/>
               </a:spcBef>
-              <a:buSzPct val="100000"/>
+              <a:buSzPts val="1200"/>
+              <a:buChar char="○"/>
               <a:defRPr sz="1200"/>
             </a:lvl2pPr>
             <a:lvl3pPr lvl="2">
               <a:spcBef>
                 <a:spcPts val="0"/>
               </a:spcBef>
-              <a:buSzPct val="100000"/>
+              <a:buSzPts val="1200"/>
+              <a:buChar char="■"/>
               <a:defRPr sz="1200"/>
             </a:lvl3pPr>
             <a:lvl4pPr lvl="3">
               <a:spcBef>
                 <a:spcPts val="0"/>
               </a:spcBef>
-              <a:buSzPct val="100000"/>
+              <a:buSzPts val="1200"/>
+              <a:buChar char="●"/>
               <a:defRPr sz="1200"/>
             </a:lvl4pPr>
             <a:lvl5pPr lvl="4">
               <a:spcBef>
                 <a:spcPts val="0"/>
               </a:spcBef>
-              <a:buSzPct val="100000"/>
+              <a:buSzPts val="1200"/>
+              <a:buChar char="○"/>
               <a:defRPr sz="1200"/>
             </a:lvl5pPr>
             <a:lvl6pPr lvl="5">
               <a:spcBef>
                 <a:spcPts val="0"/>
               </a:spcBef>
-              <a:buSzPct val="100000"/>
+              <a:buSzPts val="1200"/>
+              <a:buChar char="■"/>
               <a:defRPr sz="1200"/>
             </a:lvl6pPr>
             <a:lvl7pPr lvl="6">
               <a:spcBef>
                 <a:spcPts val="0"/>
               </a:spcBef>
-              <a:buSzPct val="100000"/>
+              <a:buSzPts val="1200"/>
+              <a:buChar char="●"/>
               <a:defRPr sz="1200"/>
             </a:lvl7pPr>
             <a:lvl8pPr lvl="7">
               <a:spcBef>
                 <a:spcPts val="0"/>
               </a:spcBef>
-              <a:buSzPct val="100000"/>
+              <a:buSzPts val="1200"/>
+              <a:buChar char="○"/>
               <a:defRPr sz="1200"/>
             </a:lvl8pPr>
             <a:lvl9pPr lvl="8">
               <a:spcBef>
                 <a:spcPts val="0"/>
               </a:spcBef>
-              <a:buSzPct val="100000"/>
+              <a:buSzPts val="1200"/>
+              <a:buChar char="■"/>
               <a:defRPr sz="1200"/>
             </a:lvl9pPr>
           </a:lstStyle>
@@ -13657,7 +13763,7 @@
           </a:bodyPr>
           <a:lstStyle/>
           <a:p>
-            <a:pPr lvl="0">
+            <a:pPr indent="0" lvl="0" marL="0">
               <a:spcBef>
                 <a:spcPts val="0"/>
               </a:spcBef>
@@ -13719,54 +13825,72 @@
               <a:spcBef>
                 <a:spcPts val="0"/>
               </a:spcBef>
+              <a:buSzPts val="2800"/>
+              <a:buNone/>
               <a:defRPr/>
             </a:lvl1pPr>
             <a:lvl2pPr lvl="1">
               <a:spcBef>
                 <a:spcPts val="0"/>
               </a:spcBef>
+              <a:buSzPts val="2800"/>
+              <a:buNone/>
               <a:defRPr/>
             </a:lvl2pPr>
             <a:lvl3pPr lvl="2">
               <a:spcBef>
                 <a:spcPts val="0"/>
               </a:spcBef>
+              <a:buSzPts val="2800"/>
+              <a:buNone/>
               <a:defRPr/>
             </a:lvl3pPr>
             <a:lvl4pPr lvl="3">
               <a:spcBef>
                 <a:spcPts val="0"/>
               </a:spcBef>
+              <a:buSzPts val="2800"/>
+              <a:buNone/>
               <a:defRPr/>
             </a:lvl4pPr>
             <a:lvl5pPr lvl="4">
               <a:spcBef>
                 <a:spcPts val="0"/>
               </a:spcBef>
+              <a:buSzPts val="2800"/>
+              <a:buNone/>
               <a:defRPr/>
             </a:lvl5pPr>
             <a:lvl6pPr lvl="5">
               <a:spcBef>
                 <a:spcPts val="0"/>
               </a:spcBef>
+              <a:buSzPts val="2800"/>
+              <a:buNone/>
               <a:defRPr/>
             </a:lvl6pPr>
             <a:lvl7pPr lvl="6">
               <a:spcBef>
                 <a:spcPts val="0"/>
               </a:spcBef>
+              <a:buSzPts val="2800"/>
+              <a:buNone/>
               <a:defRPr/>
             </a:lvl7pPr>
             <a:lvl8pPr lvl="7">
               <a:spcBef>
                 <a:spcPts val="0"/>
               </a:spcBef>
+              <a:buSzPts val="2800"/>
+              <a:buNone/>
               <a:defRPr/>
             </a:lvl8pPr>
             <a:lvl9pPr lvl="8">
               <a:spcBef>
                 <a:spcPts val="0"/>
               </a:spcBef>
+              <a:buSzPts val="2800"/>
+              <a:buNone/>
               <a:defRPr/>
             </a:lvl9pPr>
           </a:lstStyle>
@@ -13796,7 +13920,7 @@
           </a:bodyPr>
           <a:lstStyle/>
           <a:p>
-            <a:pPr lvl="0">
+            <a:pPr indent="0" lvl="0" marL="0">
               <a:spcBef>
                 <a:spcPts val="0"/>
               </a:spcBef>
@@ -13858,63 +13982,72 @@
               <a:spcBef>
                 <a:spcPts val="0"/>
               </a:spcBef>
-              <a:buSzPct val="100000"/>
+              <a:buSzPts val="2400"/>
+              <a:buNone/>
               <a:defRPr sz="2400"/>
             </a:lvl1pPr>
             <a:lvl2pPr lvl="1">
               <a:spcBef>
                 <a:spcPts val="0"/>
               </a:spcBef>
-              <a:buSzPct val="100000"/>
+              <a:buSzPts val="2400"/>
+              <a:buNone/>
               <a:defRPr sz="2400"/>
             </a:lvl2pPr>
             <a:lvl3pPr lvl="2">
               <a:spcBef>
                 <a:spcPts val="0"/>
               </a:spcBef>
-              <a:buSzPct val="100000"/>
+              <a:buSzPts val="2400"/>
+              <a:buNone/>
               <a:defRPr sz="2400"/>
             </a:lvl3pPr>
             <a:lvl4pPr lvl="3">
               <a:spcBef>
                 <a:spcPts val="0"/>
               </a:spcBef>
-              <a:buSzPct val="100000"/>
+              <a:buSzPts val="2400"/>
+              <a:buNone/>
               <a:defRPr sz="2400"/>
             </a:lvl4pPr>
             <a:lvl5pPr lvl="4">
               <a:spcBef>
                 <a:spcPts val="0"/>
               </a:spcBef>
-              <a:buSzPct val="100000"/>
+              <a:buSzPts val="2400"/>
+              <a:buNone/>
               <a:defRPr sz="2400"/>
             </a:lvl5pPr>
             <a:lvl6pPr lvl="5">
               <a:spcBef>
                 <a:spcPts val="0"/>
               </a:spcBef>
-              <a:buSzPct val="100000"/>
+              <a:buSzPts val="2400"/>
+              <a:buNone/>
               <a:defRPr sz="2400"/>
             </a:lvl6pPr>
             <a:lvl7pPr lvl="6">
               <a:spcBef>
                 <a:spcPts val="0"/>
               </a:spcBef>
-              <a:buSzPct val="100000"/>
+              <a:buSzPts val="2400"/>
+              <a:buNone/>
               <a:defRPr sz="2400"/>
             </a:lvl7pPr>
             <a:lvl8pPr lvl="7">
               <a:spcBef>
                 <a:spcPts val="0"/>
               </a:spcBef>
-              <a:buSzPct val="100000"/>
+              <a:buSzPts val="2400"/>
+              <a:buNone/>
               <a:defRPr sz="2400"/>
             </a:lvl8pPr>
             <a:lvl9pPr lvl="8">
               <a:spcBef>
                 <a:spcPts val="0"/>
               </a:spcBef>
-              <a:buSzPct val="100000"/>
+              <a:buSzPts val="2400"/>
+              <a:buNone/>
               <a:defRPr sz="2400"/>
             </a:lvl9pPr>
           </a:lstStyle>
@@ -13945,63 +14078,72 @@
               <a:spcBef>
                 <a:spcPts val="0"/>
               </a:spcBef>
-              <a:buSzPct val="100000"/>
+              <a:buSzPts val="1200"/>
+              <a:buChar char="●"/>
               <a:defRPr sz="1200"/>
             </a:lvl1pPr>
             <a:lvl2pPr lvl="1">
               <a:spcBef>
                 <a:spcPts val="0"/>
               </a:spcBef>
-              <a:buSzPct val="100000"/>
+              <a:buSzPts val="1200"/>
+              <a:buChar char="○"/>
               <a:defRPr sz="1200"/>
             </a:lvl2pPr>
             <a:lvl3pPr lvl="2">
               <a:spcBef>
                 <a:spcPts val="0"/>
               </a:spcBef>
-              <a:buSzPct val="100000"/>
+              <a:buSzPts val="1200"/>
+              <a:buChar char="■"/>
               <a:defRPr sz="1200"/>
             </a:lvl3pPr>
             <a:lvl4pPr lvl="3">
               <a:spcBef>
                 <a:spcPts val="0"/>
               </a:spcBef>
-              <a:buSzPct val="100000"/>
+              <a:buSzPts val="1200"/>
+              <a:buChar char="●"/>
               <a:defRPr sz="1200"/>
             </a:lvl4pPr>
             <a:lvl5pPr lvl="4">
               <a:spcBef>
                 <a:spcPts val="0"/>
               </a:spcBef>
-              <a:buSzPct val="100000"/>
+              <a:buSzPts val="1200"/>
+              <a:buChar char="○"/>
               <a:defRPr sz="1200"/>
             </a:lvl5pPr>
             <a:lvl6pPr lvl="5">
               <a:spcBef>
                 <a:spcPts val="0"/>
               </a:spcBef>
-              <a:buSzPct val="100000"/>
+              <a:buSzPts val="1200"/>
+              <a:buChar char="■"/>
               <a:defRPr sz="1200"/>
             </a:lvl6pPr>
             <a:lvl7pPr lvl="6">
               <a:spcBef>
                 <a:spcPts val="0"/>
               </a:spcBef>
-              <a:buSzPct val="100000"/>
+              <a:buSzPts val="1200"/>
+              <a:buChar char="●"/>
               <a:defRPr sz="1200"/>
             </a:lvl7pPr>
             <a:lvl8pPr lvl="7">
               <a:spcBef>
                 <a:spcPts val="0"/>
               </a:spcBef>
-              <a:buSzPct val="100000"/>
+              <a:buSzPts val="1200"/>
+              <a:buChar char="○"/>
               <a:defRPr sz="1200"/>
             </a:lvl8pPr>
             <a:lvl9pPr lvl="8">
               <a:spcBef>
                 <a:spcPts val="0"/>
               </a:spcBef>
-              <a:buSzPct val="100000"/>
+              <a:buSzPts val="1200"/>
+              <a:buChar char="■"/>
               <a:defRPr sz="1200"/>
             </a:lvl9pPr>
           </a:lstStyle>
@@ -14031,7 +14173,7 @@
           </a:bodyPr>
           <a:lstStyle/>
           <a:p>
-            <a:pPr lvl="0">
+            <a:pPr indent="0" lvl="0" marL="0">
               <a:spcBef>
                 <a:spcPts val="0"/>
               </a:spcBef>
@@ -14093,63 +14235,72 @@
               <a:spcBef>
                 <a:spcPts val="0"/>
               </a:spcBef>
-              <a:buSzPct val="100000"/>
+              <a:buSzPts val="4800"/>
+              <a:buNone/>
               <a:defRPr sz="4800"/>
             </a:lvl1pPr>
             <a:lvl2pPr lvl="1">
               <a:spcBef>
                 <a:spcPts val="0"/>
               </a:spcBef>
-              <a:buSzPct val="100000"/>
+              <a:buSzPts val="4800"/>
+              <a:buNone/>
               <a:defRPr sz="4800"/>
             </a:lvl2pPr>
             <a:lvl3pPr lvl="2">
               <a:spcBef>
                 <a:spcPts val="0"/>
               </a:spcBef>
-              <a:buSzPct val="100000"/>
+              <a:buSzPts val="4800"/>
+              <a:buNone/>
               <a:defRPr sz="4800"/>
             </a:lvl3pPr>
             <a:lvl4pPr lvl="3">
               <a:spcBef>
                 <a:spcPts val="0"/>
               </a:spcBef>
-              <a:buSzPct val="100000"/>
+              <a:buSzPts val="4800"/>
+              <a:buNone/>
               <a:defRPr sz="4800"/>
             </a:lvl4pPr>
             <a:lvl5pPr lvl="4">
               <a:spcBef>
                 <a:spcPts val="0"/>
               </a:spcBef>
-              <a:buSzPct val="100000"/>
+              <a:buSzPts val="4800"/>
+              <a:buNone/>
               <a:defRPr sz="4800"/>
             </a:lvl5pPr>
             <a:lvl6pPr lvl="5">
               <a:spcBef>
                 <a:spcPts val="0"/>
               </a:spcBef>
-              <a:buSzPct val="100000"/>
+              <a:buSzPts val="4800"/>
+              <a:buNone/>
               <a:defRPr sz="4800"/>
             </a:lvl6pPr>
             <a:lvl7pPr lvl="6">
               <a:spcBef>
                 <a:spcPts val="0"/>
               </a:spcBef>
-              <a:buSzPct val="100000"/>
+              <a:buSzPts val="4800"/>
+              <a:buNone/>
               <a:defRPr sz="4800"/>
             </a:lvl7pPr>
             <a:lvl8pPr lvl="7">
               <a:spcBef>
                 <a:spcPts val="0"/>
               </a:spcBef>
-              <a:buSzPct val="100000"/>
+              <a:buSzPts val="4800"/>
+              <a:buNone/>
               <a:defRPr sz="4800"/>
             </a:lvl8pPr>
             <a:lvl9pPr lvl="8">
               <a:spcBef>
                 <a:spcPts val="0"/>
               </a:spcBef>
-              <a:buSzPct val="100000"/>
+              <a:buSzPts val="4800"/>
+              <a:buNone/>
               <a:defRPr sz="4800"/>
             </a:lvl9pPr>
           </a:lstStyle>
@@ -14179,7 +14330,7 @@
           </a:bodyPr>
           <a:lstStyle/>
           <a:p>
-            <a:pPr lvl="0">
+            <a:pPr indent="0" lvl="0" marL="0">
               <a:spcBef>
                 <a:spcPts val="0"/>
               </a:spcBef>
@@ -14244,7 +14395,7 @@
           </a:bodyPr>
           <a:lstStyle/>
           <a:p>
-            <a:pPr lvl="0">
+            <a:pPr indent="0" lvl="0" marL="0">
               <a:spcBef>
                 <a:spcPts val="0"/>
               </a:spcBef>
@@ -14281,63 +14432,72 @@
               <a:spcBef>
                 <a:spcPts val="0"/>
               </a:spcBef>
-              <a:buSzPct val="100000"/>
+              <a:buSzPts val="4200"/>
+              <a:buNone/>
               <a:defRPr sz="4200"/>
             </a:lvl1pPr>
             <a:lvl2pPr lvl="1" algn="ctr">
               <a:spcBef>
                 <a:spcPts val="0"/>
               </a:spcBef>
-              <a:buSzPct val="100000"/>
+              <a:buSzPts val="4200"/>
+              <a:buNone/>
               <a:defRPr sz="4200"/>
             </a:lvl2pPr>
             <a:lvl3pPr lvl="2" algn="ctr">
               <a:spcBef>
                 <a:spcPts val="0"/>
               </a:spcBef>
-              <a:buSzPct val="100000"/>
+              <a:buSzPts val="4200"/>
+              <a:buNone/>
               <a:defRPr sz="4200"/>
             </a:lvl3pPr>
             <a:lvl4pPr lvl="3" algn="ctr">
               <a:spcBef>
                 <a:spcPts val="0"/>
               </a:spcBef>
-              <a:buSzPct val="100000"/>
+              <a:buSzPts val="4200"/>
+              <a:buNone/>
               <a:defRPr sz="4200"/>
             </a:lvl4pPr>
             <a:lvl5pPr lvl="4" algn="ctr">
               <a:spcBef>
                 <a:spcPts val="0"/>
               </a:spcBef>
-              <a:buSzPct val="100000"/>
+              <a:buSzPts val="4200"/>
+              <a:buNone/>
               <a:defRPr sz="4200"/>
             </a:lvl5pPr>
             <a:lvl6pPr lvl="5" algn="ctr">
               <a:spcBef>
                 <a:spcPts val="0"/>
               </a:spcBef>
-              <a:buSzPct val="100000"/>
+              <a:buSzPts val="4200"/>
+              <a:buNone/>
               <a:defRPr sz="4200"/>
             </a:lvl6pPr>
             <a:lvl7pPr lvl="6" algn="ctr">
               <a:spcBef>
                 <a:spcPts val="0"/>
               </a:spcBef>
-              <a:buSzPct val="100000"/>
+              <a:buSzPts val="4200"/>
+              <a:buNone/>
               <a:defRPr sz="4200"/>
             </a:lvl7pPr>
             <a:lvl8pPr lvl="7" algn="ctr">
               <a:spcBef>
                 <a:spcPts val="0"/>
               </a:spcBef>
-              <a:buSzPct val="100000"/>
+              <a:buSzPts val="4200"/>
+              <a:buNone/>
               <a:defRPr sz="4200"/>
             </a:lvl8pPr>
             <a:lvl9pPr lvl="8" algn="ctr">
               <a:spcBef>
                 <a:spcPts val="0"/>
               </a:spcBef>
-              <a:buSzPct val="100000"/>
+              <a:buSzPts val="4200"/>
+              <a:buNone/>
               <a:defRPr sz="4200"/>
             </a:lvl9pPr>
           </a:lstStyle>
@@ -14374,7 +14534,7 @@
               <a:spcAft>
                 <a:spcPts val="0"/>
               </a:spcAft>
-              <a:buSzPct val="100000"/>
+              <a:buSzPts val="2100"/>
               <a:buNone/>
               <a:defRPr sz="2100"/>
             </a:lvl1pPr>
@@ -14388,7 +14548,7 @@
               <a:spcAft>
                 <a:spcPts val="0"/>
               </a:spcAft>
-              <a:buSzPct val="100000"/>
+              <a:buSzPts val="2100"/>
               <a:buNone/>
               <a:defRPr sz="2100"/>
             </a:lvl2pPr>
@@ -14402,7 +14562,7 @@
               <a:spcAft>
                 <a:spcPts val="0"/>
               </a:spcAft>
-              <a:buSzPct val="100000"/>
+              <a:buSzPts val="2100"/>
               <a:buNone/>
               <a:defRPr sz="2100"/>
             </a:lvl3pPr>
@@ -14416,7 +14576,7 @@
               <a:spcAft>
                 <a:spcPts val="0"/>
               </a:spcAft>
-              <a:buSzPct val="100000"/>
+              <a:buSzPts val="2100"/>
               <a:buNone/>
               <a:defRPr sz="2100"/>
             </a:lvl4pPr>
@@ -14430,7 +14590,7 @@
               <a:spcAft>
                 <a:spcPts val="0"/>
               </a:spcAft>
-              <a:buSzPct val="100000"/>
+              <a:buSzPts val="2100"/>
               <a:buNone/>
               <a:defRPr sz="2100"/>
             </a:lvl5pPr>
@@ -14444,7 +14604,7 @@
               <a:spcAft>
                 <a:spcPts val="0"/>
               </a:spcAft>
-              <a:buSzPct val="100000"/>
+              <a:buSzPts val="2100"/>
               <a:buNone/>
               <a:defRPr sz="2100"/>
             </a:lvl6pPr>
@@ -14458,7 +14618,7 @@
               <a:spcAft>
                 <a:spcPts val="0"/>
               </a:spcAft>
-              <a:buSzPct val="100000"/>
+              <a:buSzPts val="2100"/>
               <a:buNone/>
               <a:defRPr sz="2100"/>
             </a:lvl7pPr>
@@ -14472,7 +14632,7 @@
               <a:spcAft>
                 <a:spcPts val="0"/>
               </a:spcAft>
-              <a:buSzPct val="100000"/>
+              <a:buSzPts val="2100"/>
               <a:buNone/>
               <a:defRPr sz="2100"/>
             </a:lvl8pPr>
@@ -14486,7 +14646,7 @@
               <a:spcAft>
                 <a:spcPts val="0"/>
               </a:spcAft>
-              <a:buSzPct val="100000"/>
+              <a:buSzPts val="2100"/>
               <a:buNone/>
               <a:defRPr sz="2100"/>
             </a:lvl9pPr>
@@ -14518,54 +14678,72 @@
               <a:spcBef>
                 <a:spcPts val="0"/>
               </a:spcBef>
+              <a:buSzPts val="1800"/>
+              <a:buChar char="●"/>
               <a:defRPr/>
             </a:lvl1pPr>
             <a:lvl2pPr lvl="1">
               <a:spcBef>
                 <a:spcPts val="0"/>
               </a:spcBef>
+              <a:buSzPts val="1400"/>
+              <a:buChar char="○"/>
               <a:defRPr/>
             </a:lvl2pPr>
             <a:lvl3pPr lvl="2">
               <a:spcBef>
                 <a:spcPts val="0"/>
               </a:spcBef>
+              <a:buSzPts val="1400"/>
+              <a:buChar char="■"/>
               <a:defRPr/>
             </a:lvl3pPr>
             <a:lvl4pPr lvl="3">
               <a:spcBef>
                 <a:spcPts val="0"/>
               </a:spcBef>
+              <a:buSzPts val="1400"/>
+              <a:buChar char="●"/>
               <a:defRPr/>
             </a:lvl4pPr>
             <a:lvl5pPr lvl="4">
               <a:spcBef>
                 <a:spcPts val="0"/>
               </a:spcBef>
+              <a:buSzPts val="1400"/>
+              <a:buChar char="○"/>
               <a:defRPr/>
             </a:lvl5pPr>
             <a:lvl6pPr lvl="5">
               <a:spcBef>
                 <a:spcPts val="0"/>
               </a:spcBef>
+              <a:buSzPts val="1400"/>
+              <a:buChar char="■"/>
               <a:defRPr/>
             </a:lvl6pPr>
             <a:lvl7pPr lvl="6">
               <a:spcBef>
                 <a:spcPts val="0"/>
               </a:spcBef>
+              <a:buSzPts val="1400"/>
+              <a:buChar char="●"/>
               <a:defRPr/>
             </a:lvl7pPr>
             <a:lvl8pPr lvl="7">
               <a:spcBef>
                 <a:spcPts val="0"/>
               </a:spcBef>
+              <a:buSzPts val="1400"/>
+              <a:buChar char="○"/>
               <a:defRPr/>
             </a:lvl8pPr>
             <a:lvl9pPr lvl="8">
               <a:spcBef>
                 <a:spcPts val="0"/>
               </a:spcBef>
+              <a:buSzPts val="1400"/>
+              <a:buChar char="■"/>
               <a:defRPr/>
             </a:lvl9pPr>
           </a:lstStyle>
@@ -14595,7 +14773,7 @@
           </a:bodyPr>
           <a:lstStyle/>
           <a:p>
-            <a:pPr lvl="0">
+            <a:pPr indent="0" lvl="0" marL="0">
               <a:spcBef>
                 <a:spcPts val="0"/>
               </a:spcBef>
@@ -14663,6 +14841,7 @@
               <a:spcAft>
                 <a:spcPts val="0"/>
               </a:spcAft>
+              <a:buSzPts val="1800"/>
               <a:buNone/>
               <a:defRPr/>
             </a:lvl1pPr>
@@ -14693,7 +14872,7 @@
           </a:bodyPr>
           <a:lstStyle/>
           <a:p>
-            <a:pPr lvl="0">
+            <a:pPr indent="0" lvl="0" marL="0">
               <a:spcBef>
                 <a:spcPts val="0"/>
               </a:spcBef>
@@ -14769,7 +14948,7 @@
               <a:buClr>
                 <a:schemeClr val="dk1"/>
               </a:buClr>
-              <a:buSzPct val="100000"/>
+              <a:buSzPts val="2800"/>
               <a:buNone/>
               <a:defRPr sz="2800">
                 <a:solidFill>
@@ -14784,7 +14963,7 @@
               <a:buClr>
                 <a:schemeClr val="dk1"/>
               </a:buClr>
-              <a:buSzPct val="100000"/>
+              <a:buSzPts val="2800"/>
               <a:buNone/>
               <a:defRPr sz="2800">
                 <a:solidFill>
@@ -14799,7 +14978,7 @@
               <a:buClr>
                 <a:schemeClr val="dk1"/>
               </a:buClr>
-              <a:buSzPct val="100000"/>
+              <a:buSzPts val="2800"/>
               <a:buNone/>
               <a:defRPr sz="2800">
                 <a:solidFill>
@@ -14814,7 +14993,7 @@
               <a:buClr>
                 <a:schemeClr val="dk1"/>
               </a:buClr>
-              <a:buSzPct val="100000"/>
+              <a:buSzPts val="2800"/>
               <a:buNone/>
               <a:defRPr sz="2800">
                 <a:solidFill>
@@ -14829,7 +15008,7 @@
               <a:buClr>
                 <a:schemeClr val="dk1"/>
               </a:buClr>
-              <a:buSzPct val="100000"/>
+              <a:buSzPts val="2800"/>
               <a:buNone/>
               <a:defRPr sz="2800">
                 <a:solidFill>
@@ -14844,7 +15023,7 @@
               <a:buClr>
                 <a:schemeClr val="dk1"/>
               </a:buClr>
-              <a:buSzPct val="100000"/>
+              <a:buSzPts val="2800"/>
               <a:buNone/>
               <a:defRPr sz="2800">
                 <a:solidFill>
@@ -14859,7 +15038,7 @@
               <a:buClr>
                 <a:schemeClr val="dk1"/>
               </a:buClr>
-              <a:buSzPct val="100000"/>
+              <a:buSzPts val="2800"/>
               <a:buNone/>
               <a:defRPr sz="2800">
                 <a:solidFill>
@@ -14874,7 +15053,7 @@
               <a:buClr>
                 <a:schemeClr val="dk1"/>
               </a:buClr>
-              <a:buSzPct val="100000"/>
+              <a:buSzPts val="2800"/>
               <a:buNone/>
               <a:defRPr sz="2800">
                 <a:solidFill>
@@ -14889,7 +15068,7 @@
               <a:buClr>
                 <a:schemeClr val="dk1"/>
               </a:buClr>
-              <a:buSzPct val="100000"/>
+              <a:buSzPts val="2800"/>
               <a:buNone/>
               <a:defRPr sz="2800">
                 <a:solidFill>
@@ -14938,7 +15117,7 @@
               <a:buClr>
                 <a:schemeClr val="dk2"/>
               </a:buClr>
-              <a:buSzPct val="100000"/>
+              <a:buSzPts val="1800"/>
               <a:buChar char="●"/>
               <a:defRPr sz="1800">
                 <a:solidFill>
@@ -14959,6 +15138,7 @@
               <a:buClr>
                 <a:schemeClr val="dk2"/>
               </a:buClr>
+              <a:buSzPts val="1400"/>
               <a:buChar char="○"/>
               <a:defRPr>
                 <a:solidFill>
@@ -14979,6 +15159,7 @@
               <a:buClr>
                 <a:schemeClr val="dk2"/>
               </a:buClr>
+              <a:buSzPts val="1400"/>
               <a:buChar char="■"/>
               <a:defRPr>
                 <a:solidFill>
@@ -14999,6 +15180,7 @@
               <a:buClr>
                 <a:schemeClr val="dk2"/>
               </a:buClr>
+              <a:buSzPts val="1400"/>
               <a:buChar char="●"/>
               <a:defRPr>
                 <a:solidFill>
@@ -15019,6 +15201,7 @@
               <a:buClr>
                 <a:schemeClr val="dk2"/>
               </a:buClr>
+              <a:buSzPts val="1400"/>
               <a:buChar char="○"/>
               <a:defRPr>
                 <a:solidFill>
@@ -15039,6 +15222,7 @@
               <a:buClr>
                 <a:schemeClr val="dk2"/>
               </a:buClr>
+              <a:buSzPts val="1400"/>
               <a:buChar char="■"/>
               <a:defRPr>
                 <a:solidFill>
@@ -15059,6 +15243,7 @@
               <a:buClr>
                 <a:schemeClr val="dk2"/>
               </a:buClr>
+              <a:buSzPts val="1400"/>
               <a:buChar char="●"/>
               <a:defRPr>
                 <a:solidFill>
@@ -15079,6 +15264,7 @@
               <a:buClr>
                 <a:schemeClr val="dk2"/>
               </a:buClr>
+              <a:buSzPts val="1400"/>
               <a:buChar char="○"/>
               <a:defRPr>
                 <a:solidFill>
@@ -15099,6 +15285,7 @@
               <a:buClr>
                 <a:schemeClr val="dk2"/>
               </a:buClr>
+              <a:buSzPts val="1400"/>
               <a:buChar char="■"/>
               <a:defRPr>
                 <a:solidFill>
@@ -15137,7 +15324,7 @@
           </a:bodyPr>
           <a:lstStyle/>
           <a:p>
-            <a:pPr lvl="0" algn="r">
+            <a:pPr indent="0" lvl="0" marL="0" algn="r">
               <a:spcBef>
                 <a:spcPts val="0"/>
               </a:spcBef>
@@ -15669,7 +15856,7 @@
               <a:spcAft>
                 <a:spcPts val="0"/>
               </a:spcAft>
-              <a:buSzPct val="31818"/>
+              <a:buSzPts val="1400"/>
               <a:buNone/>
               <a:defRPr b="0" i="0" sz="4400" u="none" cap="none" strike="noStrike">
                 <a:solidFill>
@@ -15688,7 +15875,7 @@
               <a:spcAft>
                 <a:spcPts val="0"/>
               </a:spcAft>
-              <a:buSzPct val="31818"/>
+              <a:buSzPts val="1400"/>
               <a:buNone/>
               <a:defRPr b="0" i="0" sz="4400" u="none" cap="none" strike="noStrike">
                 <a:solidFill>
@@ -15707,7 +15894,7 @@
               <a:spcAft>
                 <a:spcPts val="0"/>
               </a:spcAft>
-              <a:buSzPct val="31818"/>
+              <a:buSzPts val="1400"/>
               <a:buNone/>
               <a:defRPr b="0" i="0" sz="4400" u="none" cap="none" strike="noStrike">
                 <a:solidFill>
@@ -15726,7 +15913,7 @@
               <a:spcAft>
                 <a:spcPts val="0"/>
               </a:spcAft>
-              <a:buSzPct val="31818"/>
+              <a:buSzPts val="1400"/>
               <a:buNone/>
               <a:defRPr b="0" i="0" sz="4400" u="none" cap="none" strike="noStrike">
                 <a:solidFill>
@@ -15745,7 +15932,7 @@
               <a:spcAft>
                 <a:spcPts val="0"/>
               </a:spcAft>
-              <a:buSzPct val="31818"/>
+              <a:buSzPts val="1400"/>
               <a:buNone/>
               <a:defRPr b="0" i="0" sz="4400" u="none" cap="none" strike="noStrike">
                 <a:solidFill>
@@ -15764,7 +15951,7 @@
               <a:spcAft>
                 <a:spcPts val="0"/>
               </a:spcAft>
-              <a:buSzPct val="31818"/>
+              <a:buSzPts val="1400"/>
               <a:buNone/>
               <a:defRPr b="0" i="0" sz="4400" u="none" cap="none" strike="noStrike">
                 <a:solidFill>
@@ -15783,7 +15970,7 @@
               <a:spcAft>
                 <a:spcPts val="0"/>
               </a:spcAft>
-              <a:buSzPct val="31818"/>
+              <a:buSzPts val="1400"/>
               <a:buNone/>
               <a:defRPr b="0" i="0" sz="4400" u="none" cap="none" strike="noStrike">
                 <a:solidFill>
@@ -15802,7 +15989,7 @@
               <a:spcAft>
                 <a:spcPts val="0"/>
               </a:spcAft>
-              <a:buSzPct val="31818"/>
+              <a:buSzPts val="1400"/>
               <a:buNone/>
               <a:defRPr b="0" i="0" sz="4400" u="none" cap="none" strike="noStrike">
                 <a:solidFill>
@@ -15821,7 +16008,7 @@
               <a:spcAft>
                 <a:spcPts val="0"/>
               </a:spcAft>
-              <a:buSzPct val="31818"/>
+              <a:buSzPts val="1400"/>
               <a:buNone/>
               <a:defRPr b="0" i="0" sz="4400" u="none" cap="none" strike="noStrike">
                 <a:solidFill>
@@ -15871,7 +16058,7 @@
               <a:buClr>
                 <a:schemeClr val="dk1"/>
               </a:buClr>
-              <a:buSzPct val="100000"/>
+              <a:buSzPts val="3200"/>
               <a:buFont typeface="Arial"/>
               <a:buChar char="•"/>
               <a:defRPr b="0" i="0" sz="3200" u="none" cap="none" strike="noStrike">
@@ -15894,7 +16081,7 @@
               <a:buClr>
                 <a:schemeClr val="dk1"/>
               </a:buClr>
-              <a:buSzPct val="100000"/>
+              <a:buSzPts val="2800"/>
               <a:buFont typeface="Arial"/>
               <a:buChar char="–"/>
               <a:defRPr b="0" i="0" sz="2800" u="none" cap="none" strike="noStrike">
@@ -15917,7 +16104,7 @@
               <a:buClr>
                 <a:schemeClr val="dk1"/>
               </a:buClr>
-              <a:buSzPct val="100000"/>
+              <a:buSzPts val="2400"/>
               <a:buFont typeface="Arial"/>
               <a:buChar char="•"/>
               <a:defRPr b="0" i="0" sz="2400" u="none" cap="none" strike="noStrike">
@@ -15940,7 +16127,7 @@
               <a:buClr>
                 <a:schemeClr val="dk1"/>
               </a:buClr>
-              <a:buSzPct val="100000"/>
+              <a:buSzPts val="2000"/>
               <a:buFont typeface="Arial"/>
               <a:buChar char="–"/>
               <a:defRPr b="0" i="0" sz="2000" u="none" cap="none" strike="noStrike">
@@ -15963,7 +16150,7 @@
               <a:buClr>
                 <a:schemeClr val="dk1"/>
               </a:buClr>
-              <a:buSzPct val="100000"/>
+              <a:buSzPts val="2000"/>
               <a:buFont typeface="Arial"/>
               <a:buChar char="»"/>
               <a:defRPr b="0" i="0" sz="2000" u="none" cap="none" strike="noStrike">
@@ -15983,7 +16170,7 @@
               <a:buClr>
                 <a:schemeClr val="dk1"/>
               </a:buClr>
-              <a:buSzPct val="100000"/>
+              <a:buSzPts val="2000"/>
               <a:buFont typeface="Arial"/>
               <a:buChar char="•"/>
               <a:defRPr b="0" i="0" sz="2000" u="none" cap="none" strike="noStrike">
@@ -16003,7 +16190,7 @@
               <a:buClr>
                 <a:schemeClr val="dk1"/>
               </a:buClr>
-              <a:buSzPct val="100000"/>
+              <a:buSzPts val="2000"/>
               <a:buFont typeface="Arial"/>
               <a:buChar char="•"/>
               <a:defRPr b="0" i="0" sz="2000" u="none" cap="none" strike="noStrike">
@@ -16023,7 +16210,7 @@
               <a:buClr>
                 <a:schemeClr val="dk1"/>
               </a:buClr>
-              <a:buSzPct val="100000"/>
+              <a:buSzPts val="2000"/>
               <a:buFont typeface="Arial"/>
               <a:buChar char="•"/>
               <a:defRPr b="0" i="0" sz="2000" u="none" cap="none" strike="noStrike">
@@ -16043,7 +16230,7 @@
               <a:buClr>
                 <a:schemeClr val="dk1"/>
               </a:buClr>
-              <a:buSzPct val="100000"/>
+              <a:buSzPts val="2000"/>
               <a:buFont typeface="Arial"/>
               <a:buChar char="•"/>
               <a:defRPr b="0" i="0" sz="2000" u="none" cap="none" strike="noStrike">
@@ -16094,7 +16281,7 @@
               <a:spcAft>
                 <a:spcPts val="0"/>
               </a:spcAft>
-              <a:buSzPct val="116666"/>
+              <a:buSzPts val="1400"/>
               <a:buNone/>
               <a:defRPr b="0" i="0" sz="1200" u="none" cap="none" strike="noStrike">
                 <a:solidFill>
@@ -16116,7 +16303,7 @@
               <a:spcAft>
                 <a:spcPts val="0"/>
               </a:spcAft>
-              <a:buSzPct val="77777"/>
+              <a:buSzPts val="1400"/>
               <a:buNone/>
               <a:defRPr b="0" i="0" sz="1800" u="none" cap="none" strike="noStrike">
                 <a:solidFill>
@@ -16138,7 +16325,7 @@
               <a:spcAft>
                 <a:spcPts val="0"/>
               </a:spcAft>
-              <a:buSzPct val="77777"/>
+              <a:buSzPts val="1400"/>
               <a:buNone/>
               <a:defRPr b="0" i="0" sz="1800" u="none" cap="none" strike="noStrike">
                 <a:solidFill>
@@ -16160,7 +16347,7 @@
               <a:spcAft>
                 <a:spcPts val="0"/>
               </a:spcAft>
-              <a:buSzPct val="77777"/>
+              <a:buSzPts val="1400"/>
               <a:buNone/>
               <a:defRPr b="0" i="0" sz="1800" u="none" cap="none" strike="noStrike">
                 <a:solidFill>
@@ -16182,7 +16369,7 @@
               <a:spcAft>
                 <a:spcPts val="0"/>
               </a:spcAft>
-              <a:buSzPct val="77777"/>
+              <a:buSzPts val="1400"/>
               <a:buNone/>
               <a:defRPr b="0" i="0" sz="1800" u="none" cap="none" strike="noStrike">
                 <a:solidFill>
@@ -16204,7 +16391,7 @@
               <a:spcAft>
                 <a:spcPts val="0"/>
               </a:spcAft>
-              <a:buSzPct val="77777"/>
+              <a:buSzPts val="1400"/>
               <a:buNone/>
               <a:defRPr b="0" i="0" sz="1800" u="none" cap="none" strike="noStrike">
                 <a:solidFill>
@@ -16226,7 +16413,7 @@
               <a:spcAft>
                 <a:spcPts val="0"/>
               </a:spcAft>
-              <a:buSzPct val="77777"/>
+              <a:buSzPts val="1400"/>
               <a:buNone/>
               <a:defRPr b="0" i="0" sz="1800" u="none" cap="none" strike="noStrike">
                 <a:solidFill>
@@ -16248,7 +16435,7 @@
               <a:spcAft>
                 <a:spcPts val="0"/>
               </a:spcAft>
-              <a:buSzPct val="77777"/>
+              <a:buSzPts val="1400"/>
               <a:buNone/>
               <a:defRPr b="0" i="0" sz="1800" u="none" cap="none" strike="noStrike">
                 <a:solidFill>
@@ -16270,7 +16457,7 @@
               <a:spcAft>
                 <a:spcPts val="0"/>
               </a:spcAft>
-              <a:buSzPct val="77777"/>
+              <a:buSzPts val="1400"/>
               <a:buNone/>
               <a:defRPr b="0" i="0" sz="1800" u="none" cap="none" strike="noStrike">
                 <a:solidFill>
@@ -16320,7 +16507,7 @@
               <a:spcAft>
                 <a:spcPts val="0"/>
               </a:spcAft>
-              <a:buSzPct val="77777"/>
+              <a:buSzPts val="1400"/>
               <a:buNone/>
               <a:defRPr b="0" i="0" sz="1800" u="none" cap="none" strike="noStrike">
                 <a:solidFill>
@@ -16342,7 +16529,7 @@
               <a:spcAft>
                 <a:spcPts val="0"/>
               </a:spcAft>
-              <a:buSzPct val="77777"/>
+              <a:buSzPts val="1400"/>
               <a:buNone/>
               <a:defRPr b="0" i="0" sz="1800" u="none" cap="none" strike="noStrike">
                 <a:solidFill>
@@ -16364,7 +16551,7 @@
               <a:spcAft>
                 <a:spcPts val="0"/>
               </a:spcAft>
-              <a:buSzPct val="77777"/>
+              <a:buSzPts val="1400"/>
               <a:buNone/>
               <a:defRPr b="0" i="0" sz="1800" u="none" cap="none" strike="noStrike">
                 <a:solidFill>
@@ -16386,7 +16573,7 @@
               <a:spcAft>
                 <a:spcPts val="0"/>
               </a:spcAft>
-              <a:buSzPct val="77777"/>
+              <a:buSzPts val="1400"/>
               <a:buNone/>
               <a:defRPr b="0" i="0" sz="1800" u="none" cap="none" strike="noStrike">
                 <a:solidFill>
@@ -16408,7 +16595,7 @@
               <a:spcAft>
                 <a:spcPts val="0"/>
               </a:spcAft>
-              <a:buSzPct val="77777"/>
+              <a:buSzPts val="1400"/>
               <a:buNone/>
               <a:defRPr b="0" i="0" sz="1800" u="none" cap="none" strike="noStrike">
                 <a:solidFill>
@@ -16430,7 +16617,7 @@
               <a:spcAft>
                 <a:spcPts val="0"/>
               </a:spcAft>
-              <a:buSzPct val="77777"/>
+              <a:buSzPts val="1400"/>
               <a:buNone/>
               <a:defRPr b="0" i="0" sz="1800" u="none" cap="none" strike="noStrike">
                 <a:solidFill>
@@ -16452,7 +16639,7 @@
               <a:spcAft>
                 <a:spcPts val="0"/>
               </a:spcAft>
-              <a:buSzPct val="77777"/>
+              <a:buSzPts val="1400"/>
               <a:buNone/>
               <a:defRPr b="0" i="0" sz="1800" u="none" cap="none" strike="noStrike">
                 <a:solidFill>
@@ -16474,7 +16661,7 @@
               <a:spcAft>
                 <a:spcPts val="0"/>
               </a:spcAft>
-              <a:buSzPct val="77777"/>
+              <a:buSzPts val="1400"/>
               <a:buNone/>
               <a:defRPr b="0" i="0" sz="1800" u="none" cap="none" strike="noStrike">
                 <a:solidFill>
@@ -16496,7 +16683,7 @@
               <a:spcAft>
                 <a:spcPts val="0"/>
               </a:spcAft>
-              <a:buSzPct val="77777"/>
+              <a:buSzPts val="1400"/>
               <a:buNone/>
               <a:defRPr b="0" i="0" sz="1800" u="none" cap="none" strike="noStrike">
                 <a:solidFill>
@@ -16552,7 +16739,6 @@
               <a:buClr>
                 <a:srgbClr val="898989"/>
               </a:buClr>
-              <a:buSzPct val="25000"/>
               <a:buFont typeface="Calibri"/>
               <a:buNone/>
             </a:pPr>
@@ -17096,7 +17282,6 @@
               <a:spcAft>
                 <a:spcPts val="0"/>
               </a:spcAft>
-              <a:buSzPct val="25000"/>
               <a:buNone/>
             </a:pPr>
             <a:r>
@@ -17179,7 +17364,6 @@
               <a:buClr>
                 <a:srgbClr val="17375E"/>
               </a:buClr>
-              <a:buSzPct val="25000"/>
               <a:buFont typeface="Times New Roman"/>
               <a:buNone/>
             </a:pPr>
@@ -17238,7 +17422,6 @@
               <a:buClr>
                 <a:schemeClr val="dk1"/>
               </a:buClr>
-              <a:buSzPct val="25000"/>
               <a:buFont typeface="Arial"/>
               <a:buNone/>
             </a:pPr>
@@ -17261,7 +17444,6 @@
               <a:buClr>
                 <a:schemeClr val="dk1"/>
               </a:buClr>
-              <a:buSzPct val="25000"/>
               <a:buFont typeface="Arial"/>
               <a:buNone/>
             </a:pPr>
@@ -17292,7 +17474,6 @@
               <a:buClr>
                 <a:schemeClr val="dk1"/>
               </a:buClr>
-              <a:buSzPct val="25000"/>
               <a:buFont typeface="Arial"/>
               <a:buNone/>
             </a:pPr>
@@ -17320,7 +17501,6 @@
               <a:buClr>
                 <a:schemeClr val="dk1"/>
               </a:buClr>
-              <a:buSzPct val="25000"/>
               <a:buFont typeface="Arial"/>
               <a:buNone/>
             </a:pPr>
@@ -17360,7 +17540,6 @@
               <a:buClr>
                 <a:schemeClr val="dk1"/>
               </a:buClr>
-              <a:buSzPct val="25000"/>
               <a:buFont typeface="Arial"/>
               <a:buNone/>
             </a:pPr>
@@ -17400,7 +17579,6 @@
               <a:buClr>
                 <a:schemeClr val="dk1"/>
               </a:buClr>
-              <a:buSzPct val="25000"/>
               <a:buFont typeface="Arial"/>
               <a:buNone/>
             </a:pPr>
@@ -17440,7 +17618,6 @@
               <a:buClr>
                 <a:schemeClr val="dk1"/>
               </a:buClr>
-              <a:buSzPct val="25000"/>
               <a:buFont typeface="Arial"/>
               <a:buNone/>
             </a:pPr>
@@ -17471,7 +17648,6 @@
               <a:buClr>
                 <a:schemeClr val="dk1"/>
               </a:buClr>
-              <a:buSzPct val="25000"/>
               <a:buFont typeface="Arial"/>
               <a:buNone/>
             </a:pPr>
@@ -17502,7 +17678,6 @@
               <a:buClr>
                 <a:schemeClr val="dk1"/>
               </a:buClr>
-              <a:buSzPct val="25000"/>
               <a:buFont typeface="Arial"/>
               <a:buNone/>
             </a:pPr>
@@ -17573,7 +17748,6 @@
               <a:buClr>
                 <a:schemeClr val="dk1"/>
               </a:buClr>
-              <a:buSzPct val="25000"/>
               <a:buFont typeface="Times New Roman"/>
               <a:buNone/>
             </a:pPr>
@@ -17687,7 +17861,6 @@
               <a:spcAft>
                 <a:spcPts val="0"/>
               </a:spcAft>
-              <a:buSzPct val="25000"/>
               <a:buNone/>
             </a:pPr>
             <a:r>
@@ -17778,7 +17951,6 @@
               <a:spcAft>
                 <a:spcPts val="0"/>
               </a:spcAft>
-              <a:buSzPct val="25000"/>
               <a:buNone/>
             </a:pPr>
             <a:r>
@@ -17861,7 +18033,6 @@
               <a:buClr>
                 <a:srgbClr val="17375E"/>
               </a:buClr>
-              <a:buSzPct val="25000"/>
               <a:buFont typeface="Times New Roman"/>
               <a:buNone/>
             </a:pPr>
@@ -17907,14 +18078,13 @@
           </a:bodyPr>
           <a:lstStyle/>
           <a:p>
-            <a:pPr lvl="0" rtl="0">
+            <a:pPr indent="0" lvl="0" marL="0" rtl="0">
               <a:spcBef>
                 <a:spcPts val="0"/>
               </a:spcBef>
               <a:buClr>
                 <a:schemeClr val="dk1"/>
               </a:buClr>
-              <a:buSzPct val="25000"/>
               <a:buFont typeface="Times New Roman"/>
               <a:buNone/>
             </a:pPr>
@@ -17970,7 +18140,7 @@
               <a:buClr>
                 <a:schemeClr val="dk1"/>
               </a:buClr>
-              <a:buSzPct val="100000"/>
+              <a:buSzPts val="3200"/>
               <a:buFont typeface="Arial"/>
               <a:buChar char="•"/>
             </a:pPr>
@@ -17998,7 +18168,7 @@
               <a:buClr>
                 <a:schemeClr val="dk1"/>
               </a:buClr>
-              <a:buSzPct val="100000"/>
+              <a:buSzPts val="3200"/>
               <a:buFont typeface="Arial"/>
               <a:buChar char="•"/>
             </a:pPr>
@@ -18104,7 +18274,6 @@
               <a:buClr>
                 <a:srgbClr val="17375E"/>
               </a:buClr>
-              <a:buSzPct val="25000"/>
               <a:buFont typeface="Times New Roman"/>
               <a:buNone/>
             </a:pPr>
@@ -18150,14 +18319,13 @@
           </a:bodyPr>
           <a:lstStyle/>
           <a:p>
-            <a:pPr lvl="0" rtl="0">
+            <a:pPr indent="0" lvl="0" marL="0" rtl="0">
               <a:spcBef>
                 <a:spcPts val="0"/>
               </a:spcBef>
               <a:buClr>
                 <a:schemeClr val="dk1"/>
               </a:buClr>
-              <a:buSzPct val="25000"/>
               <a:buFont typeface="Times New Roman"/>
               <a:buNone/>
             </a:pPr>
@@ -18213,7 +18381,6 @@
               <a:buClr>
                 <a:schemeClr val="dk1"/>
               </a:buClr>
-              <a:buSzPct val="25000"/>
               <a:buFont typeface="Arial"/>
               <a:buNone/>
             </a:pPr>
@@ -18238,8 +18405,9 @@
               <a:spcBef>
                 <a:spcPts val="0"/>
               </a:spcBef>
-              <a:buSzPct val="100000"/>
+              <a:buSzPts val="3200"/>
               <a:buFont typeface="Times New Roman"/>
+              <a:buChar char="•"/>
             </a:pPr>
             <a:r>
               <a:rPr lang="en">
@@ -18301,7 +18469,6 @@
               <a:spcAft>
                 <a:spcPts val="0"/>
               </a:spcAft>
-              <a:buSzPct val="25000"/>
               <a:buNone/>
             </a:pPr>
             <a:r>
@@ -18409,7 +18576,6 @@
               <a:buClr>
                 <a:srgbClr val="17375E"/>
               </a:buClr>
-              <a:buSzPct val="25000"/>
               <a:buFont typeface="Times New Roman"/>
               <a:buNone/>
             </a:pPr>
@@ -18455,14 +18621,13 @@
           </a:bodyPr>
           <a:lstStyle/>
           <a:p>
-            <a:pPr lvl="0" rtl="0">
+            <a:pPr indent="0" lvl="0" marL="0" rtl="0">
               <a:spcBef>
                 <a:spcPts val="0"/>
               </a:spcBef>
               <a:buClr>
                 <a:schemeClr val="dk1"/>
               </a:buClr>
-              <a:buSzPct val="25000"/>
               <a:buFont typeface="Times New Roman"/>
               <a:buNone/>
             </a:pPr>
@@ -18518,7 +18683,6 @@
               <a:buClr>
                 <a:schemeClr val="dk1"/>
               </a:buClr>
-              <a:buSzPct val="25000"/>
               <a:buFont typeface="Arial"/>
               <a:buNone/>
             </a:pPr>
@@ -18540,8 +18704,9 @@
               <a:spcBef>
                 <a:spcPts val="0"/>
               </a:spcBef>
-              <a:buSzPct val="100000"/>
+              <a:buSzPts val="2400"/>
               <a:buFont typeface="Times New Roman"/>
+              <a:buChar char="○"/>
             </a:pPr>
             <a:r>
               <a:rPr lang="en" sz="2400">
@@ -18561,8 +18726,9 @@
               <a:spcBef>
                 <a:spcPts val="0"/>
               </a:spcBef>
-              <a:buSzPct val="100000"/>
+              <a:buSzPts val="2400"/>
               <a:buFont typeface="Times New Roman"/>
+              <a:buChar char="○"/>
             </a:pPr>
             <a:r>
               <a:rPr lang="en" sz="2400">
@@ -18582,8 +18748,9 @@
               <a:spcBef>
                 <a:spcPts val="0"/>
               </a:spcBef>
-              <a:buSzPct val="100000"/>
+              <a:buSzPts val="2400"/>
               <a:buFont typeface="Times New Roman"/>
+              <a:buChar char="○"/>
             </a:pPr>
             <a:r>
               <a:rPr lang="en" sz="2400">
@@ -18606,7 +18773,7 @@
               <a:buClr>
                 <a:schemeClr val="dk1"/>
               </a:buClr>
-              <a:buSzPct val="116666"/>
+              <a:buSzPts val="2800"/>
               <a:buFont typeface="Arial"/>
               <a:buNone/>
             </a:pPr>
@@ -18673,7 +18840,6 @@
               <a:spcAft>
                 <a:spcPts val="0"/>
               </a:spcAft>
-              <a:buSzPct val="25000"/>
               <a:buNone/>
             </a:pPr>
             <a:r>
@@ -18781,7 +18947,6 @@
               <a:buClr>
                 <a:srgbClr val="17375E"/>
               </a:buClr>
-              <a:buSzPct val="25000"/>
               <a:buFont typeface="Times New Roman"/>
               <a:buNone/>
             </a:pPr>
@@ -18827,14 +18992,13 @@
           </a:bodyPr>
           <a:lstStyle/>
           <a:p>
-            <a:pPr lvl="0" rtl="0">
+            <a:pPr indent="0" lvl="0" marL="0" rtl="0">
               <a:spcBef>
                 <a:spcPts val="0"/>
               </a:spcBef>
               <a:buClr>
                 <a:schemeClr val="dk1"/>
               </a:buClr>
-              <a:buSzPct val="25000"/>
               <a:buFont typeface="Times New Roman"/>
               <a:buNone/>
             </a:pPr>
@@ -18890,7 +19054,6 @@
               <a:buClr>
                 <a:schemeClr val="dk1"/>
               </a:buClr>
-              <a:buSzPct val="25000"/>
               <a:buFont typeface="Arial"/>
               <a:buNone/>
             </a:pPr>
@@ -18930,7 +19093,6 @@
               <a:buClr>
                 <a:schemeClr val="dk1"/>
               </a:buClr>
-              <a:buSzPct val="25000"/>
               <a:buFont typeface="Arial"/>
               <a:buNone/>
             </a:pPr>
@@ -18970,7 +19132,6 @@
               <a:buClr>
                 <a:schemeClr val="dk1"/>
               </a:buClr>
-              <a:buSzPct val="25000"/>
               <a:buFont typeface="Arial"/>
               <a:buNone/>
             </a:pPr>
@@ -19007,7 +19168,7 @@
               <a:buClr>
                 <a:schemeClr val="dk1"/>
               </a:buClr>
-              <a:buSzPct val="100000"/>
+              <a:buSzPts val="2800"/>
               <a:buFont typeface="Arial"/>
               <a:buNone/>
             </a:pPr>
@@ -19074,7 +19235,6 @@
               <a:spcAft>
                 <a:spcPts val="0"/>
               </a:spcAft>
-              <a:buSzPct val="25000"/>
               <a:buNone/>
             </a:pPr>
             <a:r>
@@ -19182,7 +19342,6 @@
               <a:buClr>
                 <a:srgbClr val="17375E"/>
               </a:buClr>
-              <a:buSzPct val="25000"/>
               <a:buFont typeface="Times New Roman"/>
               <a:buNone/>
             </a:pPr>
@@ -19228,14 +19387,13 @@
           </a:bodyPr>
           <a:lstStyle/>
           <a:p>
-            <a:pPr lvl="0" rtl="0">
+            <a:pPr indent="0" lvl="0" marL="0" rtl="0">
               <a:spcBef>
                 <a:spcPts val="0"/>
               </a:spcBef>
               <a:buClr>
                 <a:schemeClr val="dk1"/>
               </a:buClr>
-              <a:buSzPct val="25000"/>
               <a:buFont typeface="Times New Roman"/>
               <a:buNone/>
             </a:pPr>
@@ -19299,7 +19457,6 @@
               <a:spcAft>
                 <a:spcPts val="0"/>
               </a:spcAft>
-              <a:buSzPct val="25000"/>
               <a:buNone/>
             </a:pPr>
             <a:r>
@@ -19352,7 +19509,7 @@
           </a:bodyPr>
           <a:lstStyle/>
           <a:p>
-            <a:pPr lvl="0" algn="ctr">
+            <a:pPr indent="0" lvl="0" marL="0" algn="ctr">
               <a:spcBef>
                 <a:spcPts val="0"/>
               </a:spcBef>
@@ -19404,7 +19561,7 @@
           </a:bodyPr>
           <a:lstStyle/>
           <a:p>
-            <a:pPr lvl="0" rtl="0" algn="ctr">
+            <a:pPr indent="0" lvl="0" marL="0" rtl="0" algn="ctr">
               <a:spcBef>
                 <a:spcPts val="0"/>
               </a:spcBef>
@@ -19456,7 +19613,7 @@
           </a:bodyPr>
           <a:lstStyle/>
           <a:p>
-            <a:pPr lvl="0" rtl="0" algn="ctr">
+            <a:pPr indent="0" lvl="0" marL="0" rtl="0" algn="ctr">
               <a:spcBef>
                 <a:spcPts val="0"/>
               </a:spcBef>
@@ -19508,7 +19665,7 @@
           </a:bodyPr>
           <a:lstStyle/>
           <a:p>
-            <a:pPr lvl="0" rtl="0" algn="ctr">
+            <a:pPr indent="0" lvl="0" marL="0" rtl="0" algn="ctr">
               <a:spcBef>
                 <a:spcPts val="0"/>
               </a:spcBef>
@@ -19702,7 +19859,6 @@
               <a:buClr>
                 <a:srgbClr val="17375E"/>
               </a:buClr>
-              <a:buSzPct val="25000"/>
               <a:buFont typeface="Times New Roman"/>
               <a:buNone/>
             </a:pPr>
@@ -19748,14 +19904,13 @@
           </a:bodyPr>
           <a:lstStyle/>
           <a:p>
-            <a:pPr lvl="0" rtl="0">
+            <a:pPr indent="0" lvl="0" marL="0" rtl="0">
               <a:spcBef>
                 <a:spcPts val="0"/>
               </a:spcBef>
               <a:buClr>
                 <a:schemeClr val="dk1"/>
               </a:buClr>
-              <a:buSzPct val="25000"/>
               <a:buFont typeface="Times New Roman"/>
               <a:buNone/>
             </a:pPr>
@@ -19811,7 +19966,6 @@
               <a:buClr>
                 <a:schemeClr val="dk1"/>
               </a:buClr>
-              <a:buSzPct val="25000"/>
               <a:buFont typeface="Arial"/>
               <a:buNone/>
             </a:pPr>
@@ -19851,7 +20005,6 @@
               <a:buClr>
                 <a:schemeClr val="dk1"/>
               </a:buClr>
-              <a:buSzPct val="25000"/>
               <a:buFont typeface="Arial"/>
               <a:buNone/>
             </a:pPr>
@@ -19891,7 +20044,6 @@
               <a:buClr>
                 <a:schemeClr val="dk1"/>
               </a:buClr>
-              <a:buSzPct val="25000"/>
               <a:buFont typeface="Arial"/>
               <a:buNone/>
             </a:pPr>
@@ -19928,7 +20080,7 @@
               <a:buClr>
                 <a:schemeClr val="dk1"/>
               </a:buClr>
-              <a:buSzPct val="100000"/>
+              <a:buSzPts val="2800"/>
               <a:buFont typeface="Arial"/>
               <a:buNone/>
             </a:pPr>
@@ -19995,7 +20147,6 @@
               <a:spcAft>
                 <a:spcPts val="0"/>
               </a:spcAft>
-              <a:buSzPct val="25000"/>
               <a:buNone/>
             </a:pPr>
             <a:r>
@@ -20103,7 +20254,6 @@
               <a:buClr>
                 <a:srgbClr val="17375E"/>
               </a:buClr>
-              <a:buSzPct val="25000"/>
               <a:buFont typeface="Times New Roman"/>
               <a:buNone/>
             </a:pPr>
@@ -20149,14 +20299,13 @@
           </a:bodyPr>
           <a:lstStyle/>
           <a:p>
-            <a:pPr lvl="0" rtl="0">
+            <a:pPr indent="0" lvl="0" marL="0" rtl="0">
               <a:spcBef>
                 <a:spcPts val="0"/>
               </a:spcBef>
               <a:buClr>
                 <a:schemeClr val="dk1"/>
               </a:buClr>
-              <a:buSzPct val="25000"/>
               <a:buFont typeface="Times New Roman"/>
               <a:buNone/>
             </a:pPr>
@@ -20212,7 +20361,6 @@
               <a:buClr>
                 <a:schemeClr val="dk1"/>
               </a:buClr>
-              <a:buSzPct val="25000"/>
               <a:buFont typeface="Arial"/>
               <a:buNone/>
             </a:pPr>
@@ -20252,7 +20400,6 @@
               <a:buClr>
                 <a:schemeClr val="dk1"/>
               </a:buClr>
-              <a:buSzPct val="25000"/>
               <a:buFont typeface="Arial"/>
               <a:buNone/>
             </a:pPr>
@@ -20292,7 +20439,6 @@
               <a:buClr>
                 <a:schemeClr val="dk1"/>
               </a:buClr>
-              <a:buSzPct val="25000"/>
               <a:buFont typeface="Arial"/>
               <a:buNone/>
             </a:pPr>
@@ -20329,7 +20475,7 @@
               <a:buClr>
                 <a:schemeClr val="dk1"/>
               </a:buClr>
-              <a:buSzPct val="100000"/>
+              <a:buSzPts val="2800"/>
               <a:buFont typeface="Arial"/>
               <a:buNone/>
             </a:pPr>
@@ -20396,7 +20542,6 @@
               <a:spcAft>
                 <a:spcPts val="0"/>
               </a:spcAft>
-              <a:buSzPct val="25000"/>
               <a:buNone/>
             </a:pPr>
             <a:r>
@@ -20423,6 +20568,285 @@
 </file>
 
 <file path=ppt/theme/theme1.xml><?xml version="1.0" encoding="utf-8"?>
+<a:theme xmlns:a="http://schemas.openxmlformats.org/drawingml/2006/main" xmlns:r="http://schemas.openxmlformats.org/officeDocument/2006/relationships" name="Simple Light">
+  <a:themeElements>
+    <a:clrScheme name="Simple Light">
+      <a:dk1>
+        <a:srgbClr val="000000"/>
+      </a:dk1>
+      <a:lt1>
+        <a:srgbClr val="FFFFFF"/>
+      </a:lt1>
+      <a:dk2>
+        <a:srgbClr val="595959"/>
+      </a:dk2>
+      <a:lt2>
+        <a:srgbClr val="EEEEEE"/>
+      </a:lt2>
+      <a:accent1>
+        <a:srgbClr val="FFAB40"/>
+      </a:accent1>
+      <a:accent2>
+        <a:srgbClr val="212121"/>
+      </a:accent2>
+      <a:accent3>
+        <a:srgbClr val="78909C"/>
+      </a:accent3>
+      <a:accent4>
+        <a:srgbClr val="FFAB40"/>
+      </a:accent4>
+      <a:accent5>
+        <a:srgbClr val="0097A7"/>
+      </a:accent5>
+      <a:accent6>
+        <a:srgbClr val="EEFF41"/>
+      </a:accent6>
+      <a:hlink>
+        <a:srgbClr val="0097A7"/>
+      </a:hlink>
+      <a:folHlink>
+        <a:srgbClr val="0097A7"/>
+      </a:folHlink>
+    </a:clrScheme>
+    <a:fontScheme name="Office">
+      <a:majorFont>
+        <a:latin typeface="Arial"/>
+        <a:ea typeface=""/>
+        <a:cs typeface=""/>
+        <a:font script="Jpan" typeface="ＭＳ Ｐゴシック"/>
+        <a:font script="Hang" typeface="맑은 고딕"/>
+        <a:font script="Hans" typeface="宋体"/>
+        <a:font script="Hant" typeface="新細明體"/>
+        <a:font script="Arab" typeface="Times New Roman"/>
+        <a:font script="Hebr" typeface="Times New Roman"/>
+        <a:font script="Thai" typeface="Angsana New"/>
+        <a:font script="Ethi" typeface="Nyala"/>
+        <a:font script="Beng" typeface="Vrinda"/>
+        <a:font script="Gujr" typeface="Shruti"/>
+        <a:font script="Khmr" typeface="MoolBoran"/>
+        <a:font script="Knda" typeface="Tunga"/>
+        <a:font script="Guru" typeface="Raavi"/>
+        <a:font script="Cans" typeface="Euphemia"/>
+        <a:font script="Cher" typeface="Plantagenet Cherokee"/>
+        <a:font script="Yiii" typeface="Microsoft Yi Baiti"/>
+        <a:font script="Tibt" typeface="Microsoft Himalaya"/>
+        <a:font script="Thaa" typeface="MV Boli"/>
+        <a:font script="Deva" typeface="Mangal"/>
+        <a:font script="Telu" typeface="Gautami"/>
+        <a:font script="Taml" typeface="Latha"/>
+        <a:font script="Syrc" typeface="Estrangelo Edessa"/>
+        <a:font script="Orya" typeface="Kalinga"/>
+        <a:font script="Mlym" typeface="Kartika"/>
+        <a:font script="Laoo" typeface="DokChampa"/>
+        <a:font script="Sinh" typeface="Iskoola Pota"/>
+        <a:font script="Mong" typeface="Mongolian Baiti"/>
+        <a:font script="Viet" typeface="Times New Roman"/>
+        <a:font script="Uigh" typeface="Microsoft Uighur"/>
+        <a:font script="Geor" typeface="Sylfaen"/>
+      </a:majorFont>
+      <a:minorFont>
+        <a:latin typeface="Arial"/>
+        <a:ea typeface=""/>
+        <a:cs typeface=""/>
+        <a:font script="Jpan" typeface="ＭＳ Ｐゴシック"/>
+        <a:font script="Hang" typeface="맑은 고딕"/>
+        <a:font script="Hans" typeface="宋体"/>
+        <a:font script="Hant" typeface="新細明體"/>
+        <a:font script="Arab" typeface="Arial"/>
+        <a:font script="Hebr" typeface="Arial"/>
+        <a:font script="Thai" typeface="Cordia New"/>
+        <a:font script="Ethi" typeface="Nyala"/>
+        <a:font script="Beng" typeface="Vrinda"/>
+        <a:font script="Gujr" typeface="Shruti"/>
+        <a:font script="Khmr" typeface="DaunPenh"/>
+        <a:font script="Knda" typeface="Tunga"/>
+        <a:font script="Guru" typeface="Raavi"/>
+        <a:font script="Cans" typeface="Euphemia"/>
+        <a:font script="Cher" typeface="Plantagenet Cherokee"/>
+        <a:font script="Yiii" typeface="Microsoft Yi Baiti"/>
+        <a:font script="Tibt" typeface="Microsoft Himalaya"/>
+        <a:font script="Thaa" typeface="MV Boli"/>
+        <a:font script="Deva" typeface="Mangal"/>
+        <a:font script="Telu" typeface="Gautami"/>
+        <a:font script="Taml" typeface="Latha"/>
+        <a:font script="Syrc" typeface="Estrangelo Edessa"/>
+        <a:font script="Orya" typeface="Kalinga"/>
+        <a:font script="Mlym" typeface="Kartika"/>
+        <a:font script="Laoo" typeface="DokChampa"/>
+        <a:font script="Sinh" typeface="Iskoola Pota"/>
+        <a:font script="Mong" typeface="Mongolian Baiti"/>
+        <a:font script="Viet" typeface="Arial"/>
+        <a:font script="Uigh" typeface="Microsoft Uighur"/>
+        <a:font script="Geor" typeface="Sylfaen"/>
+      </a:minorFont>
+    </a:fontScheme>
+    <a:fmtScheme name="Office">
+      <a:fillStyleLst>
+        <a:solidFill>
+          <a:schemeClr val="phClr"/>
+        </a:solidFill>
+        <a:gradFill rotWithShape="1">
+          <a:gsLst>
+            <a:gs pos="0">
+              <a:schemeClr val="phClr">
+                <a:tint val="50000"/>
+                <a:satMod val="300000"/>
+              </a:schemeClr>
+            </a:gs>
+            <a:gs pos="35000">
+              <a:schemeClr val="phClr">
+                <a:tint val="37000"/>
+                <a:satMod val="300000"/>
+              </a:schemeClr>
+            </a:gs>
+            <a:gs pos="100000">
+              <a:schemeClr val="phClr">
+                <a:tint val="15000"/>
+                <a:satMod val="350000"/>
+              </a:schemeClr>
+            </a:gs>
+          </a:gsLst>
+          <a:lin ang="16200000" scaled="1"/>
+        </a:gradFill>
+        <a:gradFill rotWithShape="1">
+          <a:gsLst>
+            <a:gs pos="0">
+              <a:schemeClr val="phClr">
+                <a:tint val="100000"/>
+                <a:shade val="100000"/>
+                <a:satMod val="130000"/>
+              </a:schemeClr>
+            </a:gs>
+            <a:gs pos="100000">
+              <a:schemeClr val="phClr">
+                <a:tint val="50000"/>
+                <a:shade val="100000"/>
+                <a:satMod val="350000"/>
+              </a:schemeClr>
+            </a:gs>
+          </a:gsLst>
+          <a:lin ang="16200000" scaled="0"/>
+        </a:gradFill>
+      </a:fillStyleLst>
+      <a:lnStyleLst>
+        <a:ln w="9525" cap="flat" cmpd="sng" algn="ctr">
+          <a:solidFill>
+            <a:schemeClr val="phClr">
+              <a:shade val="95000"/>
+              <a:satMod val="105000"/>
+            </a:schemeClr>
+          </a:solidFill>
+          <a:prstDash val="solid"/>
+        </a:ln>
+        <a:ln w="25400" cap="flat" cmpd="sng" algn="ctr">
+          <a:solidFill>
+            <a:schemeClr val="phClr"/>
+          </a:solidFill>
+          <a:prstDash val="solid"/>
+        </a:ln>
+        <a:ln w="38100" cap="flat" cmpd="sng" algn="ctr">
+          <a:solidFill>
+            <a:schemeClr val="phClr"/>
+          </a:solidFill>
+          <a:prstDash val="solid"/>
+        </a:ln>
+      </a:lnStyleLst>
+      <a:effectStyleLst>
+        <a:effectStyle>
+          <a:effectLst>
+            <a:outerShdw blurRad="40000" dist="20000" dir="5400000" rotWithShape="0">
+              <a:srgbClr val="000000">
+                <a:alpha val="38000"/>
+              </a:srgbClr>
+            </a:outerShdw>
+          </a:effectLst>
+        </a:effectStyle>
+        <a:effectStyle>
+          <a:effectLst>
+            <a:outerShdw blurRad="40000" dist="23000" dir="5400000" rotWithShape="0">
+              <a:srgbClr val="000000">
+                <a:alpha val="35000"/>
+              </a:srgbClr>
+            </a:outerShdw>
+          </a:effectLst>
+        </a:effectStyle>
+        <a:effectStyle>
+          <a:effectLst>
+            <a:outerShdw blurRad="40000" dist="23000" dir="5400000" rotWithShape="0">
+              <a:srgbClr val="000000">
+                <a:alpha val="35000"/>
+              </a:srgbClr>
+            </a:outerShdw>
+          </a:effectLst>
+          <a:scene3d>
+            <a:camera prst="orthographicFront">
+              <a:rot lat="0" lon="0" rev="0"/>
+            </a:camera>
+            <a:lightRig rig="threePt" dir="t">
+              <a:rot lat="0" lon="0" rev="1200000"/>
+            </a:lightRig>
+          </a:scene3d>
+          <a:sp3d>
+            <a:bevelT w="63500" h="25400"/>
+          </a:sp3d>
+        </a:effectStyle>
+      </a:effectStyleLst>
+      <a:bgFillStyleLst>
+        <a:solidFill>
+          <a:schemeClr val="phClr"/>
+        </a:solidFill>
+        <a:gradFill rotWithShape="1">
+          <a:gsLst>
+            <a:gs pos="0">
+              <a:schemeClr val="phClr">
+                <a:tint val="40000"/>
+                <a:satMod val="350000"/>
+              </a:schemeClr>
+            </a:gs>
+            <a:gs pos="40000">
+              <a:schemeClr val="phClr">
+                <a:tint val="45000"/>
+                <a:shade val="99000"/>
+                <a:satMod val="350000"/>
+              </a:schemeClr>
+            </a:gs>
+            <a:gs pos="100000">
+              <a:schemeClr val="phClr">
+                <a:shade val="20000"/>
+                <a:satMod val="255000"/>
+              </a:schemeClr>
+            </a:gs>
+          </a:gsLst>
+          <a:path path="circle">
+            <a:fillToRect l="50000" t="-80000" r="50000" b="180000"/>
+          </a:path>
+        </a:gradFill>
+        <a:gradFill rotWithShape="1">
+          <a:gsLst>
+            <a:gs pos="0">
+              <a:schemeClr val="phClr">
+                <a:tint val="80000"/>
+                <a:satMod val="300000"/>
+              </a:schemeClr>
+            </a:gs>
+            <a:gs pos="100000">
+              <a:schemeClr val="phClr">
+                <a:shade val="30000"/>
+                <a:satMod val="200000"/>
+              </a:schemeClr>
+            </a:gs>
+          </a:gsLst>
+          <a:path path="circle">
+            <a:fillToRect l="50000" t="50000" r="50000" b="50000"/>
+          </a:path>
+        </a:gradFill>
+      </a:bgFillStyleLst>
+    </a:fmtScheme>
+  </a:themeElements>
+</a:theme>
+</file>
+
+<file path=ppt/theme/theme2.xml><?xml version="1.0" encoding="utf-8"?>
 <a:theme xmlns:a="http://schemas.openxmlformats.org/drawingml/2006/main" xmlns:r="http://schemas.openxmlformats.org/officeDocument/2006/relationships" name="Custom Theme">
   <a:themeElements>
     <a:clrScheme name="Default">
@@ -20701,7 +21125,7 @@
 </a:theme>
 </file>
 
-<file path=ppt/theme/theme2.xml><?xml version="1.0" encoding="utf-8"?>
+<file path=ppt/theme/theme3.xml><?xml version="1.0" encoding="utf-8"?>
 <a:theme xmlns:a="http://schemas.openxmlformats.org/drawingml/2006/main" xmlns:r="http://schemas.openxmlformats.org/officeDocument/2006/relationships" name="Office Theme">
   <a:themeElements>
     <a:clrScheme name="Office">
@@ -20978,283 +21402,4 @@
     </a:fmtScheme>
   </a:themeElements>
 </a:theme>
-</file>
-
-<file path=ppt/theme/theme3.xml><?xml version="1.0" encoding="utf-8"?>
-<a:theme xmlns:a="http://schemas.openxmlformats.org/drawingml/2006/main" xmlns:r="http://schemas.openxmlformats.org/officeDocument/2006/relationships" name="Simple Light">
-  <a:themeElements>
-    <a:clrScheme name="Simple Light">
-      <a:dk1>
-        <a:srgbClr val="000000"/>
-      </a:dk1>
-      <a:lt1>
-        <a:srgbClr val="FFFFFF"/>
-      </a:lt1>
-      <a:dk2>
-        <a:srgbClr val="595959"/>
-      </a:dk2>
-      <a:lt2>
-        <a:srgbClr val="EEEEEE"/>
-      </a:lt2>
-      <a:accent1>
-        <a:srgbClr val="FFAB40"/>
-      </a:accent1>
-      <a:accent2>
-        <a:srgbClr val="212121"/>
-      </a:accent2>
-      <a:accent3>
-        <a:srgbClr val="78909C"/>
-      </a:accent3>
-      <a:accent4>
-        <a:srgbClr val="FFAB40"/>
-      </a:accent4>
-      <a:accent5>
-        <a:srgbClr val="0097A7"/>
-      </a:accent5>
-      <a:accent6>
-        <a:srgbClr val="EEFF41"/>
-      </a:accent6>
-      <a:hlink>
-        <a:srgbClr val="0097A7"/>
-      </a:hlink>
-      <a:folHlink>
-        <a:srgbClr val="0097A7"/>
-      </a:folHlink>
-    </a:clrScheme>
-    <a:fontScheme name="Office">
-      <a:majorFont>
-        <a:latin typeface="Arial"/>
-        <a:ea typeface=""/>
-        <a:cs typeface=""/>
-        <a:font script="Jpan" typeface="ＭＳ Ｐゴシック"/>
-        <a:font script="Hang" typeface="맑은 고딕"/>
-        <a:font script="Hans" typeface="宋体"/>
-        <a:font script="Hant" typeface="新細明體"/>
-        <a:font script="Arab" typeface="Times New Roman"/>
-        <a:font script="Hebr" typeface="Times New Roman"/>
-        <a:font script="Thai" typeface="Angsana New"/>
-        <a:font script="Ethi" typeface="Nyala"/>
-        <a:font script="Beng" typeface="Vrinda"/>
-        <a:font script="Gujr" typeface="Shruti"/>
-        <a:font script="Khmr" typeface="MoolBoran"/>
-        <a:font script="Knda" typeface="Tunga"/>
-        <a:font script="Guru" typeface="Raavi"/>
-        <a:font script="Cans" typeface="Euphemia"/>
-        <a:font script="Cher" typeface="Plantagenet Cherokee"/>
-        <a:font script="Yiii" typeface="Microsoft Yi Baiti"/>
-        <a:font script="Tibt" typeface="Microsoft Himalaya"/>
-        <a:font script="Thaa" typeface="MV Boli"/>
-        <a:font script="Deva" typeface="Mangal"/>
-        <a:font script="Telu" typeface="Gautami"/>
-        <a:font script="Taml" typeface="Latha"/>
-        <a:font script="Syrc" typeface="Estrangelo Edessa"/>
-        <a:font script="Orya" typeface="Kalinga"/>
-        <a:font script="Mlym" typeface="Kartika"/>
-        <a:font script="Laoo" typeface="DokChampa"/>
-        <a:font script="Sinh" typeface="Iskoola Pota"/>
-        <a:font script="Mong" typeface="Mongolian Baiti"/>
-        <a:font script="Viet" typeface="Times New Roman"/>
-        <a:font script="Uigh" typeface="Microsoft Uighur"/>
-        <a:font script="Geor" typeface="Sylfaen"/>
-      </a:majorFont>
-      <a:minorFont>
-        <a:latin typeface="Arial"/>
-        <a:ea typeface=""/>
-        <a:cs typeface=""/>
-        <a:font script="Jpan" typeface="ＭＳ Ｐゴシック"/>
-        <a:font script="Hang" typeface="맑은 고딕"/>
-        <a:font script="Hans" typeface="宋体"/>
-        <a:font script="Hant" typeface="新細明體"/>
-        <a:font script="Arab" typeface="Arial"/>
-        <a:font script="Hebr" typeface="Arial"/>
-        <a:font script="Thai" typeface="Cordia New"/>
-        <a:font script="Ethi" typeface="Nyala"/>
-        <a:font script="Beng" typeface="Vrinda"/>
-        <a:font script="Gujr" typeface="Shruti"/>
-        <a:font script="Khmr" typeface="DaunPenh"/>
-        <a:font script="Knda" typeface="Tunga"/>
-        <a:font script="Guru" typeface="Raavi"/>
-        <a:font script="Cans" typeface="Euphemia"/>
-        <a:font script="Cher" typeface="Plantagenet Cherokee"/>
-        <a:font script="Yiii" typeface="Microsoft Yi Baiti"/>
-        <a:font script="Tibt" typeface="Microsoft Himalaya"/>
-        <a:font script="Thaa" typeface="MV Boli"/>
-        <a:font script="Deva" typeface="Mangal"/>
-        <a:font script="Telu" typeface="Gautami"/>
-        <a:font script="Taml" typeface="Latha"/>
-        <a:font script="Syrc" typeface="Estrangelo Edessa"/>
-        <a:font script="Orya" typeface="Kalinga"/>
-        <a:font script="Mlym" typeface="Kartika"/>
-        <a:font script="Laoo" typeface="DokChampa"/>
-        <a:font script="Sinh" typeface="Iskoola Pota"/>
-        <a:font script="Mong" typeface="Mongolian Baiti"/>
-        <a:font script="Viet" typeface="Arial"/>
-        <a:font script="Uigh" typeface="Microsoft Uighur"/>
-        <a:font script="Geor" typeface="Sylfaen"/>
-      </a:minorFont>
-    </a:fontScheme>
-    <a:fmtScheme name="Office">
-      <a:fillStyleLst>
-        <a:solidFill>
-          <a:schemeClr val="phClr"/>
-        </a:solidFill>
-        <a:gradFill rotWithShape="1">
-          <a:gsLst>
-            <a:gs pos="0">
-              <a:schemeClr val="phClr">
-                <a:tint val="50000"/>
-                <a:satMod val="300000"/>
-              </a:schemeClr>
-            </a:gs>
-            <a:gs pos="35000">
-              <a:schemeClr val="phClr">
-                <a:tint val="37000"/>
-                <a:satMod val="300000"/>
-              </a:schemeClr>
-            </a:gs>
-            <a:gs pos="100000">
-              <a:schemeClr val="phClr">
-                <a:tint val="15000"/>
-                <a:satMod val="350000"/>
-              </a:schemeClr>
-            </a:gs>
-          </a:gsLst>
-          <a:lin ang="16200000" scaled="1"/>
-        </a:gradFill>
-        <a:gradFill rotWithShape="1">
-          <a:gsLst>
-            <a:gs pos="0">
-              <a:schemeClr val="phClr">
-                <a:tint val="100000"/>
-                <a:shade val="100000"/>
-                <a:satMod val="130000"/>
-              </a:schemeClr>
-            </a:gs>
-            <a:gs pos="100000">
-              <a:schemeClr val="phClr">
-                <a:tint val="50000"/>
-                <a:shade val="100000"/>
-                <a:satMod val="350000"/>
-              </a:schemeClr>
-            </a:gs>
-          </a:gsLst>
-          <a:lin ang="16200000" scaled="0"/>
-        </a:gradFill>
-      </a:fillStyleLst>
-      <a:lnStyleLst>
-        <a:ln w="9525" cap="flat" cmpd="sng" algn="ctr">
-          <a:solidFill>
-            <a:schemeClr val="phClr">
-              <a:shade val="95000"/>
-              <a:satMod val="105000"/>
-            </a:schemeClr>
-          </a:solidFill>
-          <a:prstDash val="solid"/>
-        </a:ln>
-        <a:ln w="25400" cap="flat" cmpd="sng" algn="ctr">
-          <a:solidFill>
-            <a:schemeClr val="phClr"/>
-          </a:solidFill>
-          <a:prstDash val="solid"/>
-        </a:ln>
-        <a:ln w="38100" cap="flat" cmpd="sng" algn="ctr">
-          <a:solidFill>
-            <a:schemeClr val="phClr"/>
-          </a:solidFill>
-          <a:prstDash val="solid"/>
-        </a:ln>
-      </a:lnStyleLst>
-      <a:effectStyleLst>
-        <a:effectStyle>
-          <a:effectLst>
-            <a:outerShdw blurRad="40000" dist="20000" dir="5400000" rotWithShape="0">
-              <a:srgbClr val="000000">
-                <a:alpha val="38000"/>
-              </a:srgbClr>
-            </a:outerShdw>
-          </a:effectLst>
-        </a:effectStyle>
-        <a:effectStyle>
-          <a:effectLst>
-            <a:outerShdw blurRad="40000" dist="23000" dir="5400000" rotWithShape="0">
-              <a:srgbClr val="000000">
-                <a:alpha val="35000"/>
-              </a:srgbClr>
-            </a:outerShdw>
-          </a:effectLst>
-        </a:effectStyle>
-        <a:effectStyle>
-          <a:effectLst>
-            <a:outerShdw blurRad="40000" dist="23000" dir="5400000" rotWithShape="0">
-              <a:srgbClr val="000000">
-                <a:alpha val="35000"/>
-              </a:srgbClr>
-            </a:outerShdw>
-          </a:effectLst>
-          <a:scene3d>
-            <a:camera prst="orthographicFront">
-              <a:rot lat="0" lon="0" rev="0"/>
-            </a:camera>
-            <a:lightRig rig="threePt" dir="t">
-              <a:rot lat="0" lon="0" rev="1200000"/>
-            </a:lightRig>
-          </a:scene3d>
-          <a:sp3d>
-            <a:bevelT w="63500" h="25400"/>
-          </a:sp3d>
-        </a:effectStyle>
-      </a:effectStyleLst>
-      <a:bgFillStyleLst>
-        <a:solidFill>
-          <a:schemeClr val="phClr"/>
-        </a:solidFill>
-        <a:gradFill rotWithShape="1">
-          <a:gsLst>
-            <a:gs pos="0">
-              <a:schemeClr val="phClr">
-                <a:tint val="40000"/>
-                <a:satMod val="350000"/>
-              </a:schemeClr>
-            </a:gs>
-            <a:gs pos="40000">
-              <a:schemeClr val="phClr">
-                <a:tint val="45000"/>
-                <a:shade val="99000"/>
-                <a:satMod val="350000"/>
-              </a:schemeClr>
-            </a:gs>
-            <a:gs pos="100000">
-              <a:schemeClr val="phClr">
-                <a:shade val="20000"/>
-                <a:satMod val="255000"/>
-              </a:schemeClr>
-            </a:gs>
-          </a:gsLst>
-          <a:path path="circle">
-            <a:fillToRect l="50000" t="-80000" r="50000" b="180000"/>
-          </a:path>
-        </a:gradFill>
-        <a:gradFill rotWithShape="1">
-          <a:gsLst>
-            <a:gs pos="0">
-              <a:schemeClr val="phClr">
-                <a:tint val="80000"/>
-                <a:satMod val="300000"/>
-              </a:schemeClr>
-            </a:gs>
-            <a:gs pos="100000">
-              <a:schemeClr val="phClr">
-                <a:shade val="30000"/>
-                <a:satMod val="200000"/>
-              </a:schemeClr>
-            </a:gs>
-          </a:gsLst>
-          <a:path path="circle">
-            <a:fillToRect l="50000" t="50000" r="50000" b="50000"/>
-          </a:path>
-        </a:gradFill>
-      </a:bgFillStyleLst>
-    </a:fmtScheme>
-  </a:themeElements>
-</a:theme>
 </file>